--- a/web/자료/guide-2.pptx
+++ b/web/자료/guide-2.pptx
@@ -6092,7 +6092,7 @@
           <a:graphicData uri="http://schemas.openxmlformats.org/presentationml/2006/ole">
             <mc:AlternateContent xmlns:mc="http://schemas.openxmlformats.org/markup-compatibility/2006">
               <mc:Choice xmlns:v="urn:schemas-microsoft-com:vml" Requires="v">
-                <p:oleObj spid="_x0000_s2124" name="Image" r:id="rId3" imgW="10209240" imgH="622080" progId="Photoshop.Image.18">
+                <p:oleObj spid="_x0000_s2126" name="Image" r:id="rId3" imgW="10209240" imgH="622080" progId="Photoshop.Image.18">
                   <p:embed/>
                 </p:oleObj>
               </mc:Choice>
@@ -6149,7 +6149,7 @@
           <a:graphicData uri="http://schemas.openxmlformats.org/presentationml/2006/ole">
             <mc:AlternateContent xmlns:mc="http://schemas.openxmlformats.org/markup-compatibility/2006">
               <mc:Choice xmlns:v="urn:schemas-microsoft-com:vml" Requires="v">
-                <p:oleObj spid="_x0000_s2125" name="Image" r:id="rId5" imgW="2044440" imgH="533160" progId="Photoshop.Image.18">
+                <p:oleObj spid="_x0000_s2127" name="Image" r:id="rId5" imgW="2044440" imgH="533160" progId="Photoshop.Image.18">
                   <p:embed/>
                 </p:oleObj>
               </mc:Choice>
@@ -6557,7 +6557,7 @@
           <a:graphicData uri="http://schemas.openxmlformats.org/presentationml/2006/ole">
             <mc:AlternateContent xmlns:mc="http://schemas.openxmlformats.org/markup-compatibility/2006">
               <mc:Choice xmlns:v="urn:schemas-microsoft-com:vml" Requires="v">
-                <p:oleObj spid="_x0000_s8222" name="Image" r:id="rId3" imgW="7860240" imgH="1828440" progId="Photoshop.Image.18">
+                <p:oleObj spid="_x0000_s8223" name="Image" r:id="rId3" imgW="7860240" imgH="1828440" progId="Photoshop.Image.18">
                   <p:embed/>
                 </p:oleObj>
               </mc:Choice>
@@ -6987,7 +6987,7 @@
           <a:graphicData uri="http://schemas.openxmlformats.org/presentationml/2006/ole">
             <mc:AlternateContent xmlns:mc="http://schemas.openxmlformats.org/markup-compatibility/2006">
               <mc:Choice xmlns:v="urn:schemas-microsoft-com:vml" Requires="v">
-                <p:oleObj spid="_x0000_s3122" name="Image" r:id="rId3" imgW="3428280" imgH="1764720" progId="Photoshop.Image.18">
+                <p:oleObj spid="_x0000_s3123" name="Image" r:id="rId3" imgW="3428280" imgH="1764720" progId="Photoshop.Image.18">
                   <p:embed/>
                 </p:oleObj>
               </mc:Choice>
@@ -8078,7 +8078,7 @@
           <a:graphicData uri="http://schemas.openxmlformats.org/presentationml/2006/ole">
             <mc:AlternateContent xmlns:mc="http://schemas.openxmlformats.org/markup-compatibility/2006">
               <mc:Choice xmlns:v="urn:schemas-microsoft-com:vml" Requires="v">
-                <p:oleObj spid="_x0000_s5169" name="Image" r:id="rId3" imgW="3682440" imgH="1764720" progId="Photoshop.Image.18">
+                <p:oleObj spid="_x0000_s5170" name="Image" r:id="rId3" imgW="3682440" imgH="1764720" progId="Photoshop.Image.18">
                   <p:embed/>
                 </p:oleObj>
               </mc:Choice>
@@ -10393,7 +10393,7 @@
           <a:graphicData uri="http://schemas.openxmlformats.org/presentationml/2006/ole">
             <mc:AlternateContent xmlns:mc="http://schemas.openxmlformats.org/markup-compatibility/2006">
               <mc:Choice xmlns:v="urn:schemas-microsoft-com:vml" Requires="v">
-                <p:oleObj spid="_x0000_s1097" name="Image" r:id="rId3" imgW="17879040" imgH="977760" progId="Photoshop.Image.18">
+                <p:oleObj spid="_x0000_s1098" name="Image" r:id="rId3" imgW="17879040" imgH="977760" progId="Photoshop.Image.18">
                   <p:embed/>
                 </p:oleObj>
               </mc:Choice>
@@ -13522,7 +13522,7 @@
           <p:nvPr>
             <p:extLst>
               <p:ext uri="{D42A27DB-BD31-4B8C-83A1-F6EECF244321}">
-                <p14:modId xmlns:p14="http://schemas.microsoft.com/office/powerpoint/2010/main" val="3533527399"/>
+                <p14:modId xmlns:p14="http://schemas.microsoft.com/office/powerpoint/2010/main" val="315682436"/>
               </p:ext>
             </p:extLst>
           </p:nvPr>
@@ -13535,7 +13535,7 @@
           <a:graphicData uri="http://schemas.openxmlformats.org/presentationml/2006/ole">
             <mc:AlternateContent xmlns:mc="http://schemas.openxmlformats.org/markup-compatibility/2006">
               <mc:Choice xmlns:v="urn:schemas-microsoft-com:vml" Requires="v">
-                <p:oleObj spid="_x0000_s18444" name="Image" r:id="rId3" imgW="7187040" imgH="1523520" progId="Photoshop.Image.18">
+                <p:oleObj spid="_x0000_s18445" name="Image" r:id="rId3" imgW="7187040" imgH="1523520" progId="Photoshop.Image.18">
                   <p:embed/>
                 </p:oleObj>
               </mc:Choice>
@@ -15816,7 +15816,7 @@
           <a:graphicData uri="http://schemas.openxmlformats.org/presentationml/2006/ole">
             <mc:AlternateContent xmlns:mc="http://schemas.openxmlformats.org/markup-compatibility/2006">
               <mc:Choice xmlns:v="urn:schemas-microsoft-com:vml" Requires="v">
-                <p:oleObj spid="_x0000_s6186" name="Image" r:id="rId3" imgW="2717280" imgH="545760" progId="Photoshop.Image.18">
+                <p:oleObj spid="_x0000_s6187" name="Image" r:id="rId3" imgW="2717280" imgH="545760" progId="Photoshop.Image.18">
                   <p:embed/>
                 </p:oleObj>
               </mc:Choice>
@@ -18674,7 +18674,7 @@
           <a:graphicData uri="http://schemas.openxmlformats.org/presentationml/2006/ole">
             <mc:AlternateContent xmlns:mc="http://schemas.openxmlformats.org/markup-compatibility/2006">
               <mc:Choice xmlns:v="urn:schemas-microsoft-com:vml" Requires="v">
-                <p:oleObj spid="_x0000_s10264" name="Image" r:id="rId3" imgW="2399760" imgH="1929960" progId="Photoshop.Image.18">
+                <p:oleObj spid="_x0000_s10265" name="Image" r:id="rId3" imgW="2399760" imgH="1929960" progId="Photoshop.Image.18">
                   <p:embed/>
                 </p:oleObj>
               </mc:Choice>

--- a/web/자료/guide-2.pptx
+++ b/web/자료/guide-2.pptx
@@ -12,15 +12,16 @@
     <p:sldId id="260" r:id="rId6"/>
     <p:sldId id="261" r:id="rId7"/>
     <p:sldId id="279" r:id="rId8"/>
-    <p:sldId id="273" r:id="rId9"/>
-    <p:sldId id="277" r:id="rId10"/>
-    <p:sldId id="278" r:id="rId11"/>
-    <p:sldId id="267" r:id="rId12"/>
-    <p:sldId id="275" r:id="rId13"/>
-    <p:sldId id="268" r:id="rId14"/>
-    <p:sldId id="270" r:id="rId15"/>
-    <p:sldId id="271" r:id="rId16"/>
-    <p:sldId id="272" r:id="rId17"/>
+    <p:sldId id="280" r:id="rId9"/>
+    <p:sldId id="273" r:id="rId10"/>
+    <p:sldId id="277" r:id="rId11"/>
+    <p:sldId id="278" r:id="rId12"/>
+    <p:sldId id="267" r:id="rId13"/>
+    <p:sldId id="275" r:id="rId14"/>
+    <p:sldId id="268" r:id="rId15"/>
+    <p:sldId id="270" r:id="rId16"/>
+    <p:sldId id="271" r:id="rId17"/>
+    <p:sldId id="272" r:id="rId18"/>
   </p:sldIdLst>
   <p:sldSz cx="12192000" cy="6858000"/>
   <p:notesSz cx="6858000" cy="9144000"/>
@@ -270,7 +271,7 @@
           <a:p>
             <a:fld id="{276A4E87-46C1-4A36-B4E8-BFF5C124B506}" type="datetimeFigureOut">
               <a:rPr lang="ko-KR" altLang="en-US" smtClean="0"/>
-              <a:t>2018-08-06</a:t>
+              <a:t>2018-08-07</a:t>
             </a:fld>
             <a:endParaRPr lang="ko-KR" altLang="en-US"/>
           </a:p>
@@ -440,7 +441,7 @@
           <a:p>
             <a:fld id="{276A4E87-46C1-4A36-B4E8-BFF5C124B506}" type="datetimeFigureOut">
               <a:rPr lang="ko-KR" altLang="en-US" smtClean="0"/>
-              <a:t>2018-08-06</a:t>
+              <a:t>2018-08-07</a:t>
             </a:fld>
             <a:endParaRPr lang="ko-KR" altLang="en-US"/>
           </a:p>
@@ -620,7 +621,7 @@
           <a:p>
             <a:fld id="{276A4E87-46C1-4A36-B4E8-BFF5C124B506}" type="datetimeFigureOut">
               <a:rPr lang="ko-KR" altLang="en-US" smtClean="0"/>
-              <a:t>2018-08-06</a:t>
+              <a:t>2018-08-07</a:t>
             </a:fld>
             <a:endParaRPr lang="ko-KR" altLang="en-US"/>
           </a:p>
@@ -790,7 +791,7 @@
           <a:p>
             <a:fld id="{276A4E87-46C1-4A36-B4E8-BFF5C124B506}" type="datetimeFigureOut">
               <a:rPr lang="ko-KR" altLang="en-US" smtClean="0"/>
-              <a:t>2018-08-06</a:t>
+              <a:t>2018-08-07</a:t>
             </a:fld>
             <a:endParaRPr lang="ko-KR" altLang="en-US"/>
           </a:p>
@@ -1036,7 +1037,7 @@
           <a:p>
             <a:fld id="{276A4E87-46C1-4A36-B4E8-BFF5C124B506}" type="datetimeFigureOut">
               <a:rPr lang="ko-KR" altLang="en-US" smtClean="0"/>
-              <a:t>2018-08-06</a:t>
+              <a:t>2018-08-07</a:t>
             </a:fld>
             <a:endParaRPr lang="ko-KR" altLang="en-US"/>
           </a:p>
@@ -1268,7 +1269,7 @@
           <a:p>
             <a:fld id="{276A4E87-46C1-4A36-B4E8-BFF5C124B506}" type="datetimeFigureOut">
               <a:rPr lang="ko-KR" altLang="en-US" smtClean="0"/>
-              <a:t>2018-08-06</a:t>
+              <a:t>2018-08-07</a:t>
             </a:fld>
             <a:endParaRPr lang="ko-KR" altLang="en-US"/>
           </a:p>
@@ -1635,7 +1636,7 @@
           <a:p>
             <a:fld id="{276A4E87-46C1-4A36-B4E8-BFF5C124B506}" type="datetimeFigureOut">
               <a:rPr lang="ko-KR" altLang="en-US" smtClean="0"/>
-              <a:t>2018-08-06</a:t>
+              <a:t>2018-08-07</a:t>
             </a:fld>
             <a:endParaRPr lang="ko-KR" altLang="en-US"/>
           </a:p>
@@ -1753,7 +1754,7 @@
           <a:p>
             <a:fld id="{276A4E87-46C1-4A36-B4E8-BFF5C124B506}" type="datetimeFigureOut">
               <a:rPr lang="ko-KR" altLang="en-US" smtClean="0"/>
-              <a:t>2018-08-06</a:t>
+              <a:t>2018-08-07</a:t>
             </a:fld>
             <a:endParaRPr lang="ko-KR" altLang="en-US"/>
           </a:p>
@@ -1848,7 +1849,7 @@
           <a:p>
             <a:fld id="{276A4E87-46C1-4A36-B4E8-BFF5C124B506}" type="datetimeFigureOut">
               <a:rPr lang="ko-KR" altLang="en-US" smtClean="0"/>
-              <a:t>2018-08-06</a:t>
+              <a:t>2018-08-07</a:t>
             </a:fld>
             <a:endParaRPr lang="ko-KR" altLang="en-US"/>
           </a:p>
@@ -2125,7 +2126,7 @@
           <a:p>
             <a:fld id="{276A4E87-46C1-4A36-B4E8-BFF5C124B506}" type="datetimeFigureOut">
               <a:rPr lang="ko-KR" altLang="en-US" smtClean="0"/>
-              <a:t>2018-08-06</a:t>
+              <a:t>2018-08-07</a:t>
             </a:fld>
             <a:endParaRPr lang="ko-KR" altLang="en-US"/>
           </a:p>
@@ -2378,7 +2379,7 @@
           <a:p>
             <a:fld id="{276A4E87-46C1-4A36-B4E8-BFF5C124B506}" type="datetimeFigureOut">
               <a:rPr lang="ko-KR" altLang="en-US" smtClean="0"/>
-              <a:t>2018-08-06</a:t>
+              <a:t>2018-08-07</a:t>
             </a:fld>
             <a:endParaRPr lang="ko-KR" altLang="en-US"/>
           </a:p>
@@ -2591,7 +2592,7 @@
           <a:p>
             <a:fld id="{276A4E87-46C1-4A36-B4E8-BFF5C124B506}" type="datetimeFigureOut">
               <a:rPr lang="ko-KR" altLang="en-US" smtClean="0"/>
-              <a:t>2018-08-06</a:t>
+              <a:t>2018-08-07</a:t>
             </a:fld>
             <a:endParaRPr lang="ko-KR" altLang="en-US"/>
           </a:p>
@@ -3116,6 +3117,1004 @@
           <a:p>
             <a:r>
               <a:rPr lang="en-US" altLang="ko-KR" sz="1600" dirty="0" smtClean="0"/>
+              <a:t>Basic component – dropdown menu</a:t>
+            </a:r>
+            <a:endParaRPr lang="ko-KR" altLang="en-US" sz="1600" dirty="0"/>
+          </a:p>
+        </p:txBody>
+      </p:sp>
+      <p:sp>
+        <p:nvSpPr>
+          <p:cNvPr id="4" name="직사각형 3"/>
+          <p:cNvSpPr/>
+          <p:nvPr/>
+        </p:nvSpPr>
+        <p:spPr>
+          <a:xfrm>
+            <a:off x="224444" y="667512"/>
+            <a:ext cx="11712632" cy="329184"/>
+          </a:xfrm>
+          <a:prstGeom prst="rect">
+            <a:avLst/>
+          </a:prstGeom>
+        </p:spPr>
+        <p:style>
+          <a:lnRef idx="2">
+            <a:schemeClr val="accent1">
+              <a:shade val="50000"/>
+            </a:schemeClr>
+          </a:lnRef>
+          <a:fillRef idx="1">
+            <a:schemeClr val="accent1"/>
+          </a:fillRef>
+          <a:effectRef idx="0">
+            <a:schemeClr val="accent1"/>
+          </a:effectRef>
+          <a:fontRef idx="minor">
+            <a:schemeClr val="lt1"/>
+          </a:fontRef>
+        </p:style>
+        <p:txBody>
+          <a:bodyPr rtlCol="0" anchor="ctr"/>
+          <a:lstStyle/>
+          <a:p>
+            <a:pPr algn="ctr"/>
+            <a:r>
+              <a:rPr lang="ko-KR" altLang="en-US" dirty="0" err="1" smtClean="0"/>
+              <a:t>드롭다운</a:t>
+            </a:r>
+            <a:r>
+              <a:rPr lang="ko-KR" altLang="en-US" dirty="0" smtClean="0"/>
+              <a:t> 메뉴</a:t>
+            </a:r>
+            <a:endParaRPr lang="ko-KR" altLang="en-US" dirty="0"/>
+          </a:p>
+        </p:txBody>
+      </p:sp>
+      <p:sp>
+        <p:nvSpPr>
+          <p:cNvPr id="9" name="TextBox 8"/>
+          <p:cNvSpPr txBox="1"/>
+          <p:nvPr/>
+        </p:nvSpPr>
+        <p:spPr>
+          <a:xfrm>
+            <a:off x="224444" y="4247224"/>
+            <a:ext cx="11119104" cy="2308324"/>
+          </a:xfrm>
+          <a:prstGeom prst="rect">
+            <a:avLst/>
+          </a:prstGeom>
+          <a:noFill/>
+        </p:spPr>
+        <p:txBody>
+          <a:bodyPr wrap="square" rtlCol="0">
+            <a:spAutoFit/>
+          </a:bodyPr>
+          <a:lstStyle/>
+          <a:p>
+            <a:r>
+              <a:rPr lang="en-US" altLang="ko-KR" sz="1200" dirty="0" smtClean="0">
+                <a:solidFill>
+                  <a:srgbClr val="0000CD"/>
+                </a:solidFill>
+                <a:latin typeface="Consolas" panose="020B0609020204030204" pitchFamily="49" charset="0"/>
+              </a:rPr>
+              <a:t>HTML CODE</a:t>
+            </a:r>
+          </a:p>
+          <a:p>
+            <a:endParaRPr lang="en-US" altLang="ko-KR" sz="1200" dirty="0" smtClean="0">
+              <a:solidFill>
+                <a:srgbClr val="0000CD"/>
+              </a:solidFill>
+              <a:latin typeface="Consolas" panose="020B0609020204030204" pitchFamily="49" charset="0"/>
+            </a:endParaRPr>
+          </a:p>
+          <a:p>
+            <a:r>
+              <a:rPr lang="en-US" altLang="ko-KR" sz="1200" dirty="0">
+                <a:solidFill>
+                  <a:srgbClr val="0000CD"/>
+                </a:solidFill>
+                <a:latin typeface="Consolas" panose="020B0609020204030204" pitchFamily="49" charset="0"/>
+              </a:rPr>
+              <a:t>&lt;</a:t>
+            </a:r>
+            <a:r>
+              <a:rPr lang="en-US" altLang="ko-KR" sz="1200" dirty="0">
+                <a:solidFill>
+                  <a:srgbClr val="A52A2A"/>
+                </a:solidFill>
+                <a:latin typeface="Consolas" panose="020B0609020204030204" pitchFamily="49" charset="0"/>
+              </a:rPr>
+              <a:t>div</a:t>
+            </a:r>
+            <a:r>
+              <a:rPr lang="en-US" altLang="ko-KR" sz="1200" dirty="0">
+                <a:solidFill>
+                  <a:srgbClr val="FF0000"/>
+                </a:solidFill>
+                <a:latin typeface="Consolas" panose="020B0609020204030204" pitchFamily="49" charset="0"/>
+              </a:rPr>
+              <a:t> class</a:t>
+            </a:r>
+            <a:r>
+              <a:rPr lang="en-US" altLang="ko-KR" sz="1200" dirty="0">
+                <a:solidFill>
+                  <a:srgbClr val="0000CD"/>
+                </a:solidFill>
+                <a:latin typeface="Consolas" panose="020B0609020204030204" pitchFamily="49" charset="0"/>
+              </a:rPr>
+              <a:t>="dropdown"&gt;</a:t>
+            </a:r>
+            <a:r>
+              <a:rPr lang="en-US" altLang="ko-KR" sz="1200" dirty="0"/>
+              <a:t/>
+            </a:r>
+            <a:br>
+              <a:rPr lang="en-US" altLang="ko-KR" sz="1200" dirty="0"/>
+            </a:br>
+            <a:r>
+              <a:rPr lang="en-US" altLang="ko-KR" sz="1200" dirty="0">
+                <a:solidFill>
+                  <a:srgbClr val="000000"/>
+                </a:solidFill>
+                <a:latin typeface="Consolas" panose="020B0609020204030204" pitchFamily="49" charset="0"/>
+              </a:rPr>
+              <a:t>  </a:t>
+            </a:r>
+            <a:r>
+              <a:rPr lang="en-US" altLang="ko-KR" sz="1200" dirty="0">
+                <a:solidFill>
+                  <a:srgbClr val="0000CD"/>
+                </a:solidFill>
+                <a:latin typeface="Consolas" panose="020B0609020204030204" pitchFamily="49" charset="0"/>
+              </a:rPr>
+              <a:t>&lt;</a:t>
+            </a:r>
+            <a:r>
+              <a:rPr lang="en-US" altLang="ko-KR" sz="1200" dirty="0">
+                <a:solidFill>
+                  <a:srgbClr val="A52A2A"/>
+                </a:solidFill>
+                <a:latin typeface="Consolas" panose="020B0609020204030204" pitchFamily="49" charset="0"/>
+              </a:rPr>
+              <a:t>button</a:t>
+            </a:r>
+            <a:r>
+              <a:rPr lang="en-US" altLang="ko-KR" sz="1200" dirty="0">
+                <a:solidFill>
+                  <a:srgbClr val="FF0000"/>
+                </a:solidFill>
+                <a:latin typeface="Consolas" panose="020B0609020204030204" pitchFamily="49" charset="0"/>
+              </a:rPr>
+              <a:t> type</a:t>
+            </a:r>
+            <a:r>
+              <a:rPr lang="en-US" altLang="ko-KR" sz="1200" dirty="0">
+                <a:solidFill>
+                  <a:srgbClr val="0000CD"/>
+                </a:solidFill>
+                <a:latin typeface="Consolas" panose="020B0609020204030204" pitchFamily="49" charset="0"/>
+              </a:rPr>
+              <a:t>="button"</a:t>
+            </a:r>
+            <a:r>
+              <a:rPr lang="en-US" altLang="ko-KR" sz="1200" dirty="0">
+                <a:solidFill>
+                  <a:srgbClr val="FF0000"/>
+                </a:solidFill>
+                <a:latin typeface="Consolas" panose="020B0609020204030204" pitchFamily="49" charset="0"/>
+              </a:rPr>
+              <a:t> class</a:t>
+            </a:r>
+            <a:r>
+              <a:rPr lang="en-US" altLang="ko-KR" sz="1200" dirty="0">
+                <a:solidFill>
+                  <a:srgbClr val="0000CD"/>
+                </a:solidFill>
+                <a:latin typeface="Consolas" panose="020B0609020204030204" pitchFamily="49" charset="0"/>
+              </a:rPr>
+              <a:t>="</a:t>
+            </a:r>
+            <a:r>
+              <a:rPr lang="en-US" altLang="ko-KR" sz="1200" dirty="0" err="1">
+                <a:solidFill>
+                  <a:srgbClr val="0000CD"/>
+                </a:solidFill>
+                <a:latin typeface="Consolas" panose="020B0609020204030204" pitchFamily="49" charset="0"/>
+              </a:rPr>
+              <a:t>btn</a:t>
+            </a:r>
+            <a:r>
+              <a:rPr lang="en-US" altLang="ko-KR" sz="1200" dirty="0">
+                <a:solidFill>
+                  <a:srgbClr val="0000CD"/>
+                </a:solidFill>
+                <a:latin typeface="Consolas" panose="020B0609020204030204" pitchFamily="49" charset="0"/>
+              </a:rPr>
+              <a:t> </a:t>
+            </a:r>
+            <a:r>
+              <a:rPr lang="en-US" altLang="ko-KR" sz="1200" dirty="0" err="1">
+                <a:solidFill>
+                  <a:srgbClr val="0000CD"/>
+                </a:solidFill>
+                <a:latin typeface="Consolas" panose="020B0609020204030204" pitchFamily="49" charset="0"/>
+              </a:rPr>
+              <a:t>btn</a:t>
+            </a:r>
+            <a:r>
+              <a:rPr lang="en-US" altLang="ko-KR" sz="1200" dirty="0">
+                <a:solidFill>
+                  <a:srgbClr val="0000CD"/>
+                </a:solidFill>
+                <a:latin typeface="Consolas" panose="020B0609020204030204" pitchFamily="49" charset="0"/>
+              </a:rPr>
+              <a:t>-primary dropdown-toggle"</a:t>
+            </a:r>
+            <a:r>
+              <a:rPr lang="en-US" altLang="ko-KR" sz="1200" dirty="0">
+                <a:solidFill>
+                  <a:srgbClr val="FF0000"/>
+                </a:solidFill>
+                <a:latin typeface="Consolas" panose="020B0609020204030204" pitchFamily="49" charset="0"/>
+              </a:rPr>
+              <a:t> data-toggle</a:t>
+            </a:r>
+            <a:r>
+              <a:rPr lang="en-US" altLang="ko-KR" sz="1200" dirty="0">
+                <a:solidFill>
+                  <a:srgbClr val="0000CD"/>
+                </a:solidFill>
+                <a:latin typeface="Consolas" panose="020B0609020204030204" pitchFamily="49" charset="0"/>
+              </a:rPr>
+              <a:t>="dropdown"&gt;</a:t>
+            </a:r>
+            <a:r>
+              <a:rPr lang="en-US" altLang="ko-KR" sz="1200" dirty="0"/>
+              <a:t/>
+            </a:r>
+            <a:br>
+              <a:rPr lang="en-US" altLang="ko-KR" sz="1200" dirty="0"/>
+            </a:br>
+            <a:r>
+              <a:rPr lang="en-US" altLang="ko-KR" sz="1200" dirty="0">
+                <a:solidFill>
+                  <a:srgbClr val="000000"/>
+                </a:solidFill>
+                <a:latin typeface="Consolas" panose="020B0609020204030204" pitchFamily="49" charset="0"/>
+              </a:rPr>
+              <a:t>    Dropdown button</a:t>
+            </a:r>
+            <a:r>
+              <a:rPr lang="en-US" altLang="ko-KR" sz="1200" dirty="0"/>
+              <a:t/>
+            </a:r>
+            <a:br>
+              <a:rPr lang="en-US" altLang="ko-KR" sz="1200" dirty="0"/>
+            </a:br>
+            <a:r>
+              <a:rPr lang="en-US" altLang="ko-KR" sz="1200" dirty="0">
+                <a:solidFill>
+                  <a:srgbClr val="000000"/>
+                </a:solidFill>
+                <a:latin typeface="Consolas" panose="020B0609020204030204" pitchFamily="49" charset="0"/>
+              </a:rPr>
+              <a:t>  </a:t>
+            </a:r>
+            <a:r>
+              <a:rPr lang="en-US" altLang="ko-KR" sz="1200" dirty="0">
+                <a:solidFill>
+                  <a:srgbClr val="0000CD"/>
+                </a:solidFill>
+                <a:latin typeface="Consolas" panose="020B0609020204030204" pitchFamily="49" charset="0"/>
+              </a:rPr>
+              <a:t>&lt;</a:t>
+            </a:r>
+            <a:r>
+              <a:rPr lang="en-US" altLang="ko-KR" sz="1200" dirty="0">
+                <a:solidFill>
+                  <a:srgbClr val="A52A2A"/>
+                </a:solidFill>
+                <a:latin typeface="Consolas" panose="020B0609020204030204" pitchFamily="49" charset="0"/>
+              </a:rPr>
+              <a:t>/button</a:t>
+            </a:r>
+            <a:r>
+              <a:rPr lang="en-US" altLang="ko-KR" sz="1200" dirty="0">
+                <a:solidFill>
+                  <a:srgbClr val="0000CD"/>
+                </a:solidFill>
+                <a:latin typeface="Consolas" panose="020B0609020204030204" pitchFamily="49" charset="0"/>
+              </a:rPr>
+              <a:t>&gt;</a:t>
+            </a:r>
+            <a:r>
+              <a:rPr lang="en-US" altLang="ko-KR" sz="1200" dirty="0"/>
+              <a:t/>
+            </a:r>
+            <a:br>
+              <a:rPr lang="en-US" altLang="ko-KR" sz="1200" dirty="0"/>
+            </a:br>
+            <a:r>
+              <a:rPr lang="en-US" altLang="ko-KR" sz="1200" dirty="0">
+                <a:solidFill>
+                  <a:srgbClr val="000000"/>
+                </a:solidFill>
+                <a:latin typeface="Consolas" panose="020B0609020204030204" pitchFamily="49" charset="0"/>
+              </a:rPr>
+              <a:t>  </a:t>
+            </a:r>
+            <a:r>
+              <a:rPr lang="en-US" altLang="ko-KR" sz="1200" dirty="0">
+                <a:solidFill>
+                  <a:srgbClr val="0000CD"/>
+                </a:solidFill>
+                <a:latin typeface="Consolas" panose="020B0609020204030204" pitchFamily="49" charset="0"/>
+              </a:rPr>
+              <a:t>&lt;</a:t>
+            </a:r>
+            <a:r>
+              <a:rPr lang="en-US" altLang="ko-KR" sz="1200" dirty="0">
+                <a:solidFill>
+                  <a:srgbClr val="A52A2A"/>
+                </a:solidFill>
+                <a:latin typeface="Consolas" panose="020B0609020204030204" pitchFamily="49" charset="0"/>
+              </a:rPr>
+              <a:t>div</a:t>
+            </a:r>
+            <a:r>
+              <a:rPr lang="en-US" altLang="ko-KR" sz="1200" dirty="0">
+                <a:solidFill>
+                  <a:srgbClr val="FF0000"/>
+                </a:solidFill>
+                <a:latin typeface="Consolas" panose="020B0609020204030204" pitchFamily="49" charset="0"/>
+              </a:rPr>
+              <a:t> class</a:t>
+            </a:r>
+            <a:r>
+              <a:rPr lang="en-US" altLang="ko-KR" sz="1200" dirty="0">
+                <a:solidFill>
+                  <a:srgbClr val="0000CD"/>
+                </a:solidFill>
+                <a:latin typeface="Consolas" panose="020B0609020204030204" pitchFamily="49" charset="0"/>
+              </a:rPr>
+              <a:t>="dropdown-menu"&gt;</a:t>
+            </a:r>
+            <a:r>
+              <a:rPr lang="en-US" altLang="ko-KR" sz="1200" dirty="0"/>
+              <a:t/>
+            </a:r>
+            <a:br>
+              <a:rPr lang="en-US" altLang="ko-KR" sz="1200" dirty="0"/>
+            </a:br>
+            <a:r>
+              <a:rPr lang="en-US" altLang="ko-KR" sz="1200" dirty="0">
+                <a:solidFill>
+                  <a:srgbClr val="000000"/>
+                </a:solidFill>
+                <a:latin typeface="Consolas" panose="020B0609020204030204" pitchFamily="49" charset="0"/>
+              </a:rPr>
+              <a:t>    </a:t>
+            </a:r>
+            <a:r>
+              <a:rPr lang="en-US" altLang="ko-KR" sz="1200" dirty="0">
+                <a:solidFill>
+                  <a:srgbClr val="0000CD"/>
+                </a:solidFill>
+                <a:latin typeface="Consolas" panose="020B0609020204030204" pitchFamily="49" charset="0"/>
+              </a:rPr>
+              <a:t>&lt;</a:t>
+            </a:r>
+            <a:r>
+              <a:rPr lang="en-US" altLang="ko-KR" sz="1200" dirty="0">
+                <a:solidFill>
+                  <a:srgbClr val="A52A2A"/>
+                </a:solidFill>
+                <a:latin typeface="Consolas" panose="020B0609020204030204" pitchFamily="49" charset="0"/>
+              </a:rPr>
+              <a:t>a</a:t>
+            </a:r>
+            <a:r>
+              <a:rPr lang="en-US" altLang="ko-KR" sz="1200" dirty="0">
+                <a:solidFill>
+                  <a:srgbClr val="FF0000"/>
+                </a:solidFill>
+                <a:latin typeface="Consolas" panose="020B0609020204030204" pitchFamily="49" charset="0"/>
+              </a:rPr>
+              <a:t> class</a:t>
+            </a:r>
+            <a:r>
+              <a:rPr lang="en-US" altLang="ko-KR" sz="1200" dirty="0">
+                <a:solidFill>
+                  <a:srgbClr val="0000CD"/>
+                </a:solidFill>
+                <a:latin typeface="Consolas" panose="020B0609020204030204" pitchFamily="49" charset="0"/>
+              </a:rPr>
+              <a:t>="dropdown-item"</a:t>
+            </a:r>
+            <a:r>
+              <a:rPr lang="en-US" altLang="ko-KR" sz="1200" dirty="0">
+                <a:solidFill>
+                  <a:srgbClr val="FF0000"/>
+                </a:solidFill>
+                <a:latin typeface="Consolas" panose="020B0609020204030204" pitchFamily="49" charset="0"/>
+              </a:rPr>
+              <a:t> </a:t>
+            </a:r>
+            <a:r>
+              <a:rPr lang="en-US" altLang="ko-KR" sz="1200" dirty="0" err="1">
+                <a:solidFill>
+                  <a:srgbClr val="FF0000"/>
+                </a:solidFill>
+                <a:latin typeface="Consolas" panose="020B0609020204030204" pitchFamily="49" charset="0"/>
+              </a:rPr>
+              <a:t>href</a:t>
+            </a:r>
+            <a:r>
+              <a:rPr lang="en-US" altLang="ko-KR" sz="1200" dirty="0">
+                <a:solidFill>
+                  <a:srgbClr val="0000CD"/>
+                </a:solidFill>
+                <a:latin typeface="Consolas" panose="020B0609020204030204" pitchFamily="49" charset="0"/>
+              </a:rPr>
+              <a:t>="#"&gt;</a:t>
+            </a:r>
+            <a:r>
+              <a:rPr lang="en-US" altLang="ko-KR" sz="1200" dirty="0">
+                <a:solidFill>
+                  <a:srgbClr val="000000"/>
+                </a:solidFill>
+                <a:latin typeface="Consolas" panose="020B0609020204030204" pitchFamily="49" charset="0"/>
+              </a:rPr>
+              <a:t>Link 1</a:t>
+            </a:r>
+            <a:r>
+              <a:rPr lang="en-US" altLang="ko-KR" sz="1200" dirty="0">
+                <a:solidFill>
+                  <a:srgbClr val="0000CD"/>
+                </a:solidFill>
+                <a:latin typeface="Consolas" panose="020B0609020204030204" pitchFamily="49" charset="0"/>
+              </a:rPr>
+              <a:t>&lt;</a:t>
+            </a:r>
+            <a:r>
+              <a:rPr lang="en-US" altLang="ko-KR" sz="1200" dirty="0">
+                <a:solidFill>
+                  <a:srgbClr val="A52A2A"/>
+                </a:solidFill>
+                <a:latin typeface="Consolas" panose="020B0609020204030204" pitchFamily="49" charset="0"/>
+              </a:rPr>
+              <a:t>/a</a:t>
+            </a:r>
+            <a:r>
+              <a:rPr lang="en-US" altLang="ko-KR" sz="1200" dirty="0">
+                <a:solidFill>
+                  <a:srgbClr val="0000CD"/>
+                </a:solidFill>
+                <a:latin typeface="Consolas" panose="020B0609020204030204" pitchFamily="49" charset="0"/>
+              </a:rPr>
+              <a:t>&gt;</a:t>
+            </a:r>
+            <a:r>
+              <a:rPr lang="en-US" altLang="ko-KR" sz="1200" dirty="0"/>
+              <a:t/>
+            </a:r>
+            <a:br>
+              <a:rPr lang="en-US" altLang="ko-KR" sz="1200" dirty="0"/>
+            </a:br>
+            <a:r>
+              <a:rPr lang="en-US" altLang="ko-KR" sz="1200" dirty="0">
+                <a:solidFill>
+                  <a:srgbClr val="000000"/>
+                </a:solidFill>
+                <a:latin typeface="Consolas" panose="020B0609020204030204" pitchFamily="49" charset="0"/>
+              </a:rPr>
+              <a:t>    </a:t>
+            </a:r>
+            <a:r>
+              <a:rPr lang="en-US" altLang="ko-KR" sz="1200" dirty="0">
+                <a:solidFill>
+                  <a:srgbClr val="0000CD"/>
+                </a:solidFill>
+                <a:latin typeface="Consolas" panose="020B0609020204030204" pitchFamily="49" charset="0"/>
+              </a:rPr>
+              <a:t>&lt;</a:t>
+            </a:r>
+            <a:r>
+              <a:rPr lang="en-US" altLang="ko-KR" sz="1200" dirty="0">
+                <a:solidFill>
+                  <a:srgbClr val="A52A2A"/>
+                </a:solidFill>
+                <a:latin typeface="Consolas" panose="020B0609020204030204" pitchFamily="49" charset="0"/>
+              </a:rPr>
+              <a:t>a</a:t>
+            </a:r>
+            <a:r>
+              <a:rPr lang="en-US" altLang="ko-KR" sz="1200" dirty="0">
+                <a:solidFill>
+                  <a:srgbClr val="FF0000"/>
+                </a:solidFill>
+                <a:latin typeface="Consolas" panose="020B0609020204030204" pitchFamily="49" charset="0"/>
+              </a:rPr>
+              <a:t> class</a:t>
+            </a:r>
+            <a:r>
+              <a:rPr lang="en-US" altLang="ko-KR" sz="1200" dirty="0">
+                <a:solidFill>
+                  <a:srgbClr val="0000CD"/>
+                </a:solidFill>
+                <a:latin typeface="Consolas" panose="020B0609020204030204" pitchFamily="49" charset="0"/>
+              </a:rPr>
+              <a:t>="dropdown-item"</a:t>
+            </a:r>
+            <a:r>
+              <a:rPr lang="en-US" altLang="ko-KR" sz="1200" dirty="0">
+                <a:solidFill>
+                  <a:srgbClr val="FF0000"/>
+                </a:solidFill>
+                <a:latin typeface="Consolas" panose="020B0609020204030204" pitchFamily="49" charset="0"/>
+              </a:rPr>
+              <a:t> </a:t>
+            </a:r>
+            <a:r>
+              <a:rPr lang="en-US" altLang="ko-KR" sz="1200" dirty="0" err="1">
+                <a:solidFill>
+                  <a:srgbClr val="FF0000"/>
+                </a:solidFill>
+                <a:latin typeface="Consolas" panose="020B0609020204030204" pitchFamily="49" charset="0"/>
+              </a:rPr>
+              <a:t>href</a:t>
+            </a:r>
+            <a:r>
+              <a:rPr lang="en-US" altLang="ko-KR" sz="1200" dirty="0">
+                <a:solidFill>
+                  <a:srgbClr val="0000CD"/>
+                </a:solidFill>
+                <a:latin typeface="Consolas" panose="020B0609020204030204" pitchFamily="49" charset="0"/>
+              </a:rPr>
+              <a:t>="#"&gt;</a:t>
+            </a:r>
+            <a:r>
+              <a:rPr lang="en-US" altLang="ko-KR" sz="1200" dirty="0">
+                <a:solidFill>
+                  <a:srgbClr val="000000"/>
+                </a:solidFill>
+                <a:latin typeface="Consolas" panose="020B0609020204030204" pitchFamily="49" charset="0"/>
+              </a:rPr>
+              <a:t>Link 2</a:t>
+            </a:r>
+            <a:r>
+              <a:rPr lang="en-US" altLang="ko-KR" sz="1200" dirty="0">
+                <a:solidFill>
+                  <a:srgbClr val="0000CD"/>
+                </a:solidFill>
+                <a:latin typeface="Consolas" panose="020B0609020204030204" pitchFamily="49" charset="0"/>
+              </a:rPr>
+              <a:t>&lt;</a:t>
+            </a:r>
+            <a:r>
+              <a:rPr lang="en-US" altLang="ko-KR" sz="1200" dirty="0">
+                <a:solidFill>
+                  <a:srgbClr val="A52A2A"/>
+                </a:solidFill>
+                <a:latin typeface="Consolas" panose="020B0609020204030204" pitchFamily="49" charset="0"/>
+              </a:rPr>
+              <a:t>/a</a:t>
+            </a:r>
+            <a:r>
+              <a:rPr lang="en-US" altLang="ko-KR" sz="1200" dirty="0">
+                <a:solidFill>
+                  <a:srgbClr val="0000CD"/>
+                </a:solidFill>
+                <a:latin typeface="Consolas" panose="020B0609020204030204" pitchFamily="49" charset="0"/>
+              </a:rPr>
+              <a:t>&gt;</a:t>
+            </a:r>
+            <a:r>
+              <a:rPr lang="en-US" altLang="ko-KR" sz="1200" dirty="0"/>
+              <a:t/>
+            </a:r>
+            <a:br>
+              <a:rPr lang="en-US" altLang="ko-KR" sz="1200" dirty="0"/>
+            </a:br>
+            <a:r>
+              <a:rPr lang="en-US" altLang="ko-KR" sz="1200" dirty="0">
+                <a:solidFill>
+                  <a:srgbClr val="000000"/>
+                </a:solidFill>
+                <a:latin typeface="Consolas" panose="020B0609020204030204" pitchFamily="49" charset="0"/>
+              </a:rPr>
+              <a:t>    </a:t>
+            </a:r>
+            <a:r>
+              <a:rPr lang="en-US" altLang="ko-KR" sz="1200" dirty="0">
+                <a:solidFill>
+                  <a:srgbClr val="0000CD"/>
+                </a:solidFill>
+                <a:latin typeface="Consolas" panose="020B0609020204030204" pitchFamily="49" charset="0"/>
+              </a:rPr>
+              <a:t>&lt;</a:t>
+            </a:r>
+            <a:r>
+              <a:rPr lang="en-US" altLang="ko-KR" sz="1200" dirty="0">
+                <a:solidFill>
+                  <a:srgbClr val="A52A2A"/>
+                </a:solidFill>
+                <a:latin typeface="Consolas" panose="020B0609020204030204" pitchFamily="49" charset="0"/>
+              </a:rPr>
+              <a:t>a</a:t>
+            </a:r>
+            <a:r>
+              <a:rPr lang="en-US" altLang="ko-KR" sz="1200" dirty="0">
+                <a:solidFill>
+                  <a:srgbClr val="FF0000"/>
+                </a:solidFill>
+                <a:latin typeface="Consolas" panose="020B0609020204030204" pitchFamily="49" charset="0"/>
+              </a:rPr>
+              <a:t> class</a:t>
+            </a:r>
+            <a:r>
+              <a:rPr lang="en-US" altLang="ko-KR" sz="1200" dirty="0">
+                <a:solidFill>
+                  <a:srgbClr val="0000CD"/>
+                </a:solidFill>
+                <a:latin typeface="Consolas" panose="020B0609020204030204" pitchFamily="49" charset="0"/>
+              </a:rPr>
+              <a:t>="dropdown-item"</a:t>
+            </a:r>
+            <a:r>
+              <a:rPr lang="en-US" altLang="ko-KR" sz="1200" dirty="0">
+                <a:solidFill>
+                  <a:srgbClr val="FF0000"/>
+                </a:solidFill>
+                <a:latin typeface="Consolas" panose="020B0609020204030204" pitchFamily="49" charset="0"/>
+              </a:rPr>
+              <a:t> </a:t>
+            </a:r>
+            <a:r>
+              <a:rPr lang="en-US" altLang="ko-KR" sz="1200" dirty="0" err="1">
+                <a:solidFill>
+                  <a:srgbClr val="FF0000"/>
+                </a:solidFill>
+                <a:latin typeface="Consolas" panose="020B0609020204030204" pitchFamily="49" charset="0"/>
+              </a:rPr>
+              <a:t>href</a:t>
+            </a:r>
+            <a:r>
+              <a:rPr lang="en-US" altLang="ko-KR" sz="1200" dirty="0">
+                <a:solidFill>
+                  <a:srgbClr val="0000CD"/>
+                </a:solidFill>
+                <a:latin typeface="Consolas" panose="020B0609020204030204" pitchFamily="49" charset="0"/>
+              </a:rPr>
+              <a:t>="#"&gt;</a:t>
+            </a:r>
+            <a:r>
+              <a:rPr lang="en-US" altLang="ko-KR" sz="1200" dirty="0">
+                <a:solidFill>
+                  <a:srgbClr val="000000"/>
+                </a:solidFill>
+                <a:latin typeface="Consolas" panose="020B0609020204030204" pitchFamily="49" charset="0"/>
+              </a:rPr>
+              <a:t>Link 3</a:t>
+            </a:r>
+            <a:r>
+              <a:rPr lang="en-US" altLang="ko-KR" sz="1200" dirty="0">
+                <a:solidFill>
+                  <a:srgbClr val="0000CD"/>
+                </a:solidFill>
+                <a:latin typeface="Consolas" panose="020B0609020204030204" pitchFamily="49" charset="0"/>
+              </a:rPr>
+              <a:t>&lt;</a:t>
+            </a:r>
+            <a:r>
+              <a:rPr lang="en-US" altLang="ko-KR" sz="1200" dirty="0">
+                <a:solidFill>
+                  <a:srgbClr val="A52A2A"/>
+                </a:solidFill>
+                <a:latin typeface="Consolas" panose="020B0609020204030204" pitchFamily="49" charset="0"/>
+              </a:rPr>
+              <a:t>/a</a:t>
+            </a:r>
+            <a:r>
+              <a:rPr lang="en-US" altLang="ko-KR" sz="1200" dirty="0">
+                <a:solidFill>
+                  <a:srgbClr val="0000CD"/>
+                </a:solidFill>
+                <a:latin typeface="Consolas" panose="020B0609020204030204" pitchFamily="49" charset="0"/>
+              </a:rPr>
+              <a:t>&gt;</a:t>
+            </a:r>
+            <a:r>
+              <a:rPr lang="en-US" altLang="ko-KR" sz="1200" dirty="0"/>
+              <a:t/>
+            </a:r>
+            <a:br>
+              <a:rPr lang="en-US" altLang="ko-KR" sz="1200" dirty="0"/>
+            </a:br>
+            <a:r>
+              <a:rPr lang="en-US" altLang="ko-KR" sz="1200" dirty="0">
+                <a:solidFill>
+                  <a:srgbClr val="000000"/>
+                </a:solidFill>
+                <a:latin typeface="Consolas" panose="020B0609020204030204" pitchFamily="49" charset="0"/>
+              </a:rPr>
+              <a:t>  </a:t>
+            </a:r>
+            <a:r>
+              <a:rPr lang="en-US" altLang="ko-KR" sz="1200" dirty="0">
+                <a:solidFill>
+                  <a:srgbClr val="0000CD"/>
+                </a:solidFill>
+                <a:latin typeface="Consolas" panose="020B0609020204030204" pitchFamily="49" charset="0"/>
+              </a:rPr>
+              <a:t>&lt;</a:t>
+            </a:r>
+            <a:r>
+              <a:rPr lang="en-US" altLang="ko-KR" sz="1200" dirty="0">
+                <a:solidFill>
+                  <a:srgbClr val="A52A2A"/>
+                </a:solidFill>
+                <a:latin typeface="Consolas" panose="020B0609020204030204" pitchFamily="49" charset="0"/>
+              </a:rPr>
+              <a:t>/div</a:t>
+            </a:r>
+            <a:r>
+              <a:rPr lang="en-US" altLang="ko-KR" sz="1200" dirty="0">
+                <a:solidFill>
+                  <a:srgbClr val="0000CD"/>
+                </a:solidFill>
+                <a:latin typeface="Consolas" panose="020B0609020204030204" pitchFamily="49" charset="0"/>
+              </a:rPr>
+              <a:t>&gt;</a:t>
+            </a:r>
+            <a:r>
+              <a:rPr lang="en-US" altLang="ko-KR" sz="1200" dirty="0"/>
+              <a:t/>
+            </a:r>
+            <a:br>
+              <a:rPr lang="en-US" altLang="ko-KR" sz="1200" dirty="0"/>
+            </a:br>
+            <a:r>
+              <a:rPr lang="en-US" altLang="ko-KR" sz="1200" dirty="0">
+                <a:solidFill>
+                  <a:srgbClr val="0000CD"/>
+                </a:solidFill>
+                <a:latin typeface="Consolas" panose="020B0609020204030204" pitchFamily="49" charset="0"/>
+              </a:rPr>
+              <a:t>&lt;</a:t>
+            </a:r>
+            <a:r>
+              <a:rPr lang="en-US" altLang="ko-KR" sz="1200" dirty="0">
+                <a:solidFill>
+                  <a:srgbClr val="A52A2A"/>
+                </a:solidFill>
+                <a:latin typeface="Consolas" panose="020B0609020204030204" pitchFamily="49" charset="0"/>
+              </a:rPr>
+              <a:t>/div</a:t>
+            </a:r>
+            <a:r>
+              <a:rPr lang="en-US" altLang="ko-KR" sz="1200" dirty="0">
+                <a:solidFill>
+                  <a:srgbClr val="0000CD"/>
+                </a:solidFill>
+                <a:latin typeface="Consolas" panose="020B0609020204030204" pitchFamily="49" charset="0"/>
+              </a:rPr>
+              <a:t>&gt;</a:t>
+            </a:r>
+            <a:endParaRPr lang="ko-KR" altLang="en-US" sz="1200" dirty="0"/>
+          </a:p>
+        </p:txBody>
+      </p:sp>
+      <p:graphicFrame>
+        <p:nvGraphicFramePr>
+          <p:cNvPr id="2" name="개체 1"/>
+          <p:cNvGraphicFramePr>
+            <a:graphicFrameLocks noChangeAspect="1"/>
+          </p:cNvGraphicFramePr>
+          <p:nvPr>
+            <p:extLst>
+              <p:ext uri="{D42A27DB-BD31-4B8C-83A1-F6EECF244321}">
+                <p14:modId xmlns:p14="http://schemas.microsoft.com/office/powerpoint/2010/main" val="2133567245"/>
+              </p:ext>
+            </p:extLst>
+          </p:nvPr>
+        </p:nvGraphicFramePr>
+        <p:xfrm>
+          <a:off x="224444" y="1175336"/>
+          <a:ext cx="2400300" cy="1930400"/>
+        </p:xfrm>
+        <a:graphic>
+          <a:graphicData uri="http://schemas.openxmlformats.org/presentationml/2006/ole">
+            <mc:AlternateContent xmlns:mc="http://schemas.openxmlformats.org/markup-compatibility/2006">
+              <mc:Choice xmlns:v="urn:schemas-microsoft-com:vml" Requires="v">
+                <p:oleObj spid="_x0000_s10269" name="Image" r:id="rId3" imgW="2399760" imgH="1929960" progId="Photoshop.Image.18">
+                  <p:embed/>
+                </p:oleObj>
+              </mc:Choice>
+              <mc:Fallback>
+                <p:oleObj name="Image" r:id="rId3" imgW="2399760" imgH="1929960" progId="Photoshop.Image.18">
+                  <p:embed/>
+                  <p:pic>
+                    <p:nvPicPr>
+                      <p:cNvPr id="0" name=""/>
+                      <p:cNvPicPr/>
+                      <p:nvPr/>
+                    </p:nvPicPr>
+                    <p:blipFill>
+                      <a:blip r:embed="rId4"/>
+                      <a:stretch>
+                        <a:fillRect/>
+                      </a:stretch>
+                    </p:blipFill>
+                    <p:spPr>
+                      <a:xfrm>
+                        <a:off x="224444" y="1175336"/>
+                        <a:ext cx="2400300" cy="1930400"/>
+                      </a:xfrm>
+                      <a:prstGeom prst="rect">
+                        <a:avLst/>
+                      </a:prstGeom>
+                    </p:spPr>
+                  </p:pic>
+                </p:oleObj>
+              </mc:Fallback>
+            </mc:AlternateContent>
+          </a:graphicData>
+        </a:graphic>
+      </p:graphicFrame>
+      <p:sp>
+        <p:nvSpPr>
+          <p:cNvPr id="19" name="TextBox 18"/>
+          <p:cNvSpPr txBox="1"/>
+          <p:nvPr/>
+        </p:nvSpPr>
+        <p:spPr>
+          <a:xfrm>
+            <a:off x="224444" y="3432139"/>
+            <a:ext cx="11119104" cy="646331"/>
+          </a:xfrm>
+          <a:prstGeom prst="rect">
+            <a:avLst/>
+          </a:prstGeom>
+          <a:noFill/>
+        </p:spPr>
+        <p:txBody>
+          <a:bodyPr wrap="square" rtlCol="0">
+            <a:spAutoFit/>
+          </a:bodyPr>
+          <a:lstStyle/>
+          <a:p>
+            <a:r>
+              <a:rPr lang="en-US" altLang="ko-KR" sz="1200" dirty="0" smtClean="0"/>
+              <a:t>Select box </a:t>
+            </a:r>
+            <a:r>
+              <a:rPr lang="ko-KR" altLang="en-US" sz="1200" dirty="0" err="1" smtClean="0"/>
+              <a:t>와같이</a:t>
+            </a:r>
+            <a:r>
+              <a:rPr lang="ko-KR" altLang="en-US" sz="1200" dirty="0" smtClean="0"/>
+              <a:t> 상하 </a:t>
+            </a:r>
+            <a:r>
+              <a:rPr lang="ko-KR" altLang="en-US" sz="1200" dirty="0" err="1" smtClean="0"/>
+              <a:t>드롭다운</a:t>
+            </a:r>
+            <a:r>
+              <a:rPr lang="ko-KR" altLang="en-US" sz="1200" dirty="0" smtClean="0"/>
+              <a:t> 되는 메뉴입니다</a:t>
+            </a:r>
+            <a:r>
+              <a:rPr lang="en-US" altLang="ko-KR" sz="1200" dirty="0" smtClean="0"/>
+              <a:t>.</a:t>
+            </a:r>
+          </a:p>
+          <a:p>
+            <a:endParaRPr lang="en-US" altLang="ko-KR" sz="1200" dirty="0"/>
+          </a:p>
+          <a:p>
+            <a:r>
+              <a:rPr lang="ko-KR" altLang="en-US" sz="1200" dirty="0" smtClean="0"/>
+              <a:t>모바일 화면에서</a:t>
+            </a:r>
+            <a:r>
+              <a:rPr lang="en-US" altLang="ko-KR" sz="1200" dirty="0" smtClean="0"/>
+              <a:t> </a:t>
+            </a:r>
+            <a:r>
+              <a:rPr lang="ko-KR" altLang="en-US" sz="1200" dirty="0" smtClean="0"/>
+              <a:t>언어선택 드롭박스등에 응용</a:t>
+            </a:r>
+            <a:endParaRPr lang="en-US" altLang="ko-KR" sz="1200" dirty="0" smtClean="0"/>
+          </a:p>
+        </p:txBody>
+      </p:sp>
+    </p:spTree>
+    <p:extLst>
+      <p:ext uri="{BB962C8B-B14F-4D97-AF65-F5344CB8AC3E}">
+        <p14:creationId xmlns:p14="http://schemas.microsoft.com/office/powerpoint/2010/main" val="1303423073"/>
+      </p:ext>
+    </p:extLst>
+  </p:cSld>
+  <p:clrMapOvr>
+    <a:masterClrMapping/>
+  </p:clrMapOvr>
+  <p:timing>
+    <p:tnLst>
+      <p:par>
+        <p:cTn id="1" dur="indefinite" restart="never" nodeType="tmRoot"/>
+      </p:par>
+    </p:tnLst>
+  </p:timing>
+</p:sld>
+</file>
+
+<file path=ppt/slides/slide11.xml><?xml version="1.0" encoding="utf-8"?>
+<p:sld xmlns:a="http://schemas.openxmlformats.org/drawingml/2006/main" xmlns:r="http://schemas.openxmlformats.org/officeDocument/2006/relationships" xmlns:p="http://schemas.openxmlformats.org/presentationml/2006/main">
+  <p:cSld>
+    <p:spTree>
+      <p:nvGrpSpPr>
+        <p:cNvPr id="1" name=""/>
+        <p:cNvGrpSpPr/>
+        <p:nvPr/>
+      </p:nvGrpSpPr>
+      <p:grpSpPr>
+        <a:xfrm>
+          <a:off x="0" y="0"/>
+          <a:ext cx="0" cy="0"/>
+          <a:chOff x="0" y="0"/>
+          <a:chExt cx="0" cy="0"/>
+        </a:xfrm>
+      </p:grpSpPr>
+      <p:sp>
+        <p:nvSpPr>
+          <p:cNvPr id="3" name="직사각형 2"/>
+          <p:cNvSpPr/>
+          <p:nvPr/>
+        </p:nvSpPr>
+        <p:spPr>
+          <a:xfrm>
+            <a:off x="224444" y="142600"/>
+            <a:ext cx="11712632" cy="346272"/>
+          </a:xfrm>
+          <a:prstGeom prst="rect">
+            <a:avLst/>
+          </a:prstGeom>
+          <a:solidFill>
+            <a:schemeClr val="accent5">
+              <a:lumMod val="50000"/>
+            </a:schemeClr>
+          </a:solidFill>
+          <a:ln>
+            <a:noFill/>
+          </a:ln>
+        </p:spPr>
+        <p:style>
+          <a:lnRef idx="2">
+            <a:schemeClr val="accent1">
+              <a:shade val="50000"/>
+            </a:schemeClr>
+          </a:lnRef>
+          <a:fillRef idx="1">
+            <a:schemeClr val="accent1"/>
+          </a:fillRef>
+          <a:effectRef idx="0">
+            <a:schemeClr val="accent1"/>
+          </a:effectRef>
+          <a:fontRef idx="minor">
+            <a:schemeClr val="lt1"/>
+          </a:fontRef>
+        </p:style>
+        <p:txBody>
+          <a:bodyPr rtlCol="0" anchor="ctr"/>
+          <a:lstStyle/>
+          <a:p>
+            <a:r>
+              <a:rPr lang="en-US" altLang="ko-KR" sz="1600" dirty="0" smtClean="0"/>
               <a:t>Basic component – grid system</a:t>
             </a:r>
           </a:p>
@@ -5715,7 +6714,7 @@
 </p:sld>
 </file>
 
-<file path=ppt/slides/slide11.xml><?xml version="1.0" encoding="utf-8"?>
+<file path=ppt/slides/slide12.xml><?xml version="1.0" encoding="utf-8"?>
 <p:sld xmlns:a="http://schemas.openxmlformats.org/drawingml/2006/main" xmlns:r="http://schemas.openxmlformats.org/officeDocument/2006/relationships" xmlns:p="http://schemas.openxmlformats.org/presentationml/2006/main">
   <p:cSld>
     <p:spTree>
@@ -6092,7 +7091,7 @@
           <a:graphicData uri="http://schemas.openxmlformats.org/presentationml/2006/ole">
             <mc:AlternateContent xmlns:mc="http://schemas.openxmlformats.org/markup-compatibility/2006">
               <mc:Choice xmlns:v="urn:schemas-microsoft-com:vml" Requires="v">
-                <p:oleObj spid="_x0000_s2126" name="Image" r:id="rId3" imgW="10209240" imgH="622080" progId="Photoshop.Image.18">
+                <p:oleObj spid="_x0000_s2134" name="Image" r:id="rId3" imgW="10209240" imgH="622080" progId="Photoshop.Image.18">
                   <p:embed/>
                 </p:oleObj>
               </mc:Choice>
@@ -6149,7 +7148,7 @@
           <a:graphicData uri="http://schemas.openxmlformats.org/presentationml/2006/ole">
             <mc:AlternateContent xmlns:mc="http://schemas.openxmlformats.org/markup-compatibility/2006">
               <mc:Choice xmlns:v="urn:schemas-microsoft-com:vml" Requires="v">
-                <p:oleObj spid="_x0000_s2127" name="Image" r:id="rId5" imgW="2044440" imgH="533160" progId="Photoshop.Image.18">
+                <p:oleObj spid="_x0000_s2135" name="Image" r:id="rId5" imgW="2044440" imgH="533160" progId="Photoshop.Image.18">
                   <p:embed/>
                 </p:oleObj>
               </mc:Choice>
@@ -6411,432 +7410,6 @@
     <p:extLst>
       <p:ext uri="{BB962C8B-B14F-4D97-AF65-F5344CB8AC3E}">
         <p14:creationId xmlns:p14="http://schemas.microsoft.com/office/powerpoint/2010/main" val="553991866"/>
-      </p:ext>
-    </p:extLst>
-  </p:cSld>
-  <p:clrMapOvr>
-    <a:masterClrMapping/>
-  </p:clrMapOvr>
-  <p:timing>
-    <p:tnLst>
-      <p:par>
-        <p:cTn id="1" dur="indefinite" restart="never" nodeType="tmRoot"/>
-      </p:par>
-    </p:tnLst>
-  </p:timing>
-</p:sld>
-</file>
-
-<file path=ppt/slides/slide12.xml><?xml version="1.0" encoding="utf-8"?>
-<p:sld xmlns:a="http://schemas.openxmlformats.org/drawingml/2006/main" xmlns:r="http://schemas.openxmlformats.org/officeDocument/2006/relationships" xmlns:p="http://schemas.openxmlformats.org/presentationml/2006/main">
-  <p:cSld>
-    <p:spTree>
-      <p:nvGrpSpPr>
-        <p:cNvPr id="1" name=""/>
-        <p:cNvGrpSpPr/>
-        <p:nvPr/>
-      </p:nvGrpSpPr>
-      <p:grpSpPr>
-        <a:xfrm>
-          <a:off x="0" y="0"/>
-          <a:ext cx="0" cy="0"/>
-          <a:chOff x="0" y="0"/>
-          <a:chExt cx="0" cy="0"/>
-        </a:xfrm>
-      </p:grpSpPr>
-      <p:sp>
-        <p:nvSpPr>
-          <p:cNvPr id="3" name="직사각형 2"/>
-          <p:cNvSpPr/>
-          <p:nvPr/>
-        </p:nvSpPr>
-        <p:spPr>
-          <a:xfrm>
-            <a:off x="224444" y="142600"/>
-            <a:ext cx="11712632" cy="346272"/>
-          </a:xfrm>
-          <a:prstGeom prst="rect">
-            <a:avLst/>
-          </a:prstGeom>
-          <a:solidFill>
-            <a:schemeClr val="accent5">
-              <a:lumMod val="50000"/>
-            </a:schemeClr>
-          </a:solidFill>
-          <a:ln>
-            <a:noFill/>
-          </a:ln>
-        </p:spPr>
-        <p:style>
-          <a:lnRef idx="2">
-            <a:schemeClr val="accent1">
-              <a:shade val="50000"/>
-            </a:schemeClr>
-          </a:lnRef>
-          <a:fillRef idx="1">
-            <a:schemeClr val="accent1"/>
-          </a:fillRef>
-          <a:effectRef idx="0">
-            <a:schemeClr val="accent1"/>
-          </a:effectRef>
-          <a:fontRef idx="minor">
-            <a:schemeClr val="lt1"/>
-          </a:fontRef>
-        </p:style>
-        <p:txBody>
-          <a:bodyPr rtlCol="0" anchor="ctr"/>
-          <a:lstStyle/>
-          <a:p>
-            <a:r>
-              <a:rPr lang="en-US" altLang="ko-KR" sz="1600" dirty="0" smtClean="0"/>
-              <a:t>Custom component</a:t>
-            </a:r>
-            <a:endParaRPr lang="ko-KR" altLang="en-US" sz="1600" dirty="0"/>
-          </a:p>
-        </p:txBody>
-      </p:sp>
-      <p:sp>
-        <p:nvSpPr>
-          <p:cNvPr id="4" name="직사각형 3"/>
-          <p:cNvSpPr/>
-          <p:nvPr/>
-        </p:nvSpPr>
-        <p:spPr>
-          <a:xfrm>
-            <a:off x="224444" y="667512"/>
-            <a:ext cx="11712632" cy="329184"/>
-          </a:xfrm>
-          <a:prstGeom prst="rect">
-            <a:avLst/>
-          </a:prstGeom>
-        </p:spPr>
-        <p:style>
-          <a:lnRef idx="2">
-            <a:schemeClr val="accent1">
-              <a:shade val="50000"/>
-            </a:schemeClr>
-          </a:lnRef>
-          <a:fillRef idx="1">
-            <a:schemeClr val="accent1"/>
-          </a:fillRef>
-          <a:effectRef idx="0">
-            <a:schemeClr val="accent1"/>
-          </a:effectRef>
-          <a:fontRef idx="minor">
-            <a:schemeClr val="lt1"/>
-          </a:fontRef>
-        </p:style>
-        <p:txBody>
-          <a:bodyPr rtlCol="0" anchor="ctr"/>
-          <a:lstStyle/>
-          <a:p>
-            <a:pPr algn="ctr"/>
-            <a:r>
-              <a:rPr lang="en-US" altLang="ko-KR" dirty="0" smtClean="0"/>
-              <a:t>1. label</a:t>
-            </a:r>
-            <a:endParaRPr lang="ko-KR" altLang="en-US" dirty="0"/>
-          </a:p>
-        </p:txBody>
-      </p:sp>
-      <p:graphicFrame>
-        <p:nvGraphicFramePr>
-          <p:cNvPr id="6" name="개체 5"/>
-          <p:cNvGraphicFramePr>
-            <a:graphicFrameLocks noChangeAspect="1"/>
-          </p:cNvGraphicFramePr>
-          <p:nvPr>
-            <p:extLst/>
-          </p:nvPr>
-        </p:nvGraphicFramePr>
-        <p:xfrm>
-          <a:off x="224444" y="1175336"/>
-          <a:ext cx="7859713" cy="1828800"/>
-        </p:xfrm>
-        <a:graphic>
-          <a:graphicData uri="http://schemas.openxmlformats.org/presentationml/2006/ole">
-            <mc:AlternateContent xmlns:mc="http://schemas.openxmlformats.org/markup-compatibility/2006">
-              <mc:Choice xmlns:v="urn:schemas-microsoft-com:vml" Requires="v">
-                <p:oleObj spid="_x0000_s8223" name="Image" r:id="rId3" imgW="7860240" imgH="1828440" progId="Photoshop.Image.18">
-                  <p:embed/>
-                </p:oleObj>
-              </mc:Choice>
-              <mc:Fallback>
-                <p:oleObj name="Image" r:id="rId3" imgW="7860240" imgH="1828440" progId="Photoshop.Image.18">
-                  <p:embed/>
-                  <p:pic>
-                    <p:nvPicPr>
-                      <p:cNvPr id="6" name="개체 5"/>
-                      <p:cNvPicPr/>
-                      <p:nvPr/>
-                    </p:nvPicPr>
-                    <p:blipFill>
-                      <a:blip r:embed="rId4"/>
-                      <a:stretch>
-                        <a:fillRect/>
-                      </a:stretch>
-                    </p:blipFill>
-                    <p:spPr>
-                      <a:xfrm>
-                        <a:off x="224444" y="1175336"/>
-                        <a:ext cx="7859713" cy="1828800"/>
-                      </a:xfrm>
-                      <a:prstGeom prst="rect">
-                        <a:avLst/>
-                      </a:prstGeom>
-                    </p:spPr>
-                  </p:pic>
-                </p:oleObj>
-              </mc:Fallback>
-            </mc:AlternateContent>
-          </a:graphicData>
-        </a:graphic>
-      </p:graphicFrame>
-      <p:sp>
-        <p:nvSpPr>
-          <p:cNvPr id="7" name="TextBox 6"/>
-          <p:cNvSpPr txBox="1"/>
-          <p:nvPr/>
-        </p:nvSpPr>
-        <p:spPr>
-          <a:xfrm>
-            <a:off x="224444" y="3273552"/>
-            <a:ext cx="11119104" cy="1200329"/>
-          </a:xfrm>
-          <a:prstGeom prst="rect">
-            <a:avLst/>
-          </a:prstGeom>
-          <a:noFill/>
-        </p:spPr>
-        <p:txBody>
-          <a:bodyPr wrap="square" rtlCol="0">
-            <a:spAutoFit/>
-          </a:bodyPr>
-          <a:lstStyle/>
-          <a:p>
-            <a:r>
-              <a:rPr lang="en-US" altLang="ko-KR" sz="1200" dirty="0"/>
-              <a:t>&lt;div class="label label-info"&gt;label-info&lt;/div&gt;&lt;!-- </a:t>
-            </a:r>
-            <a:r>
-              <a:rPr lang="ko-KR" altLang="en-US" sz="1200" dirty="0"/>
-              <a:t>파란색 라벨 </a:t>
-            </a:r>
-            <a:r>
-              <a:rPr lang="en-US" altLang="ko-KR" sz="1200" dirty="0"/>
-              <a:t>--&gt;</a:t>
-            </a:r>
-          </a:p>
-          <a:p>
-            <a:r>
-              <a:rPr lang="en-US" altLang="ko-KR" sz="1200" dirty="0"/>
-              <a:t>&lt;div class="label label-grey"&gt;label-grey&lt;/div&gt;&lt;!-- </a:t>
-            </a:r>
-            <a:r>
-              <a:rPr lang="ko-KR" altLang="en-US" sz="1200" dirty="0"/>
-              <a:t>회색 라벨 </a:t>
-            </a:r>
-            <a:r>
-              <a:rPr lang="en-US" altLang="ko-KR" sz="1200" dirty="0"/>
-              <a:t>--&gt;</a:t>
-            </a:r>
-          </a:p>
-          <a:p>
-            <a:r>
-              <a:rPr lang="en-US" altLang="ko-KR" sz="1200" dirty="0"/>
-              <a:t>&lt;div class="label label-success"&gt;label-success&lt;/div&gt;&lt;!-- </a:t>
-            </a:r>
-            <a:r>
-              <a:rPr lang="ko-KR" altLang="en-US" sz="1200" dirty="0" err="1"/>
-              <a:t>그린색</a:t>
-            </a:r>
-            <a:r>
-              <a:rPr lang="ko-KR" altLang="en-US" sz="1200" dirty="0"/>
-              <a:t> 라벨 </a:t>
-            </a:r>
-            <a:r>
-              <a:rPr lang="en-US" altLang="ko-KR" sz="1200" dirty="0"/>
-              <a:t>--&gt;</a:t>
-            </a:r>
-          </a:p>
-          <a:p>
-            <a:r>
-              <a:rPr lang="en-US" altLang="ko-KR" sz="1200" dirty="0"/>
-              <a:t>&lt;div class="label label-warning"&gt;label-warning&lt;/div&gt;&lt;!-- </a:t>
-            </a:r>
-            <a:r>
-              <a:rPr lang="ko-KR" altLang="en-US" sz="1200" dirty="0"/>
-              <a:t>주황색 라벨 </a:t>
-            </a:r>
-            <a:r>
-              <a:rPr lang="en-US" altLang="ko-KR" sz="1200" dirty="0"/>
-              <a:t>--&gt;</a:t>
-            </a:r>
-          </a:p>
-          <a:p>
-            <a:r>
-              <a:rPr lang="en-US" altLang="ko-KR" sz="1200" dirty="0"/>
-              <a:t>&lt;div class="label label-danger"&gt;label-danger&lt;/div&gt;&lt;!-- </a:t>
-            </a:r>
-            <a:r>
-              <a:rPr lang="ko-KR" altLang="en-US" sz="1200" dirty="0"/>
-              <a:t>빨간색 라벨 </a:t>
-            </a:r>
-            <a:r>
-              <a:rPr lang="en-US" altLang="ko-KR" sz="1200" dirty="0"/>
-              <a:t>--&gt;</a:t>
-            </a:r>
-          </a:p>
-          <a:p>
-            <a:r>
-              <a:rPr lang="en-US" altLang="ko-KR" sz="1200" dirty="0"/>
-              <a:t>&lt;div class="label label-purple"&gt;label-purple&lt;/div&gt;&lt;!-- </a:t>
-            </a:r>
-            <a:r>
-              <a:rPr lang="ko-KR" altLang="en-US" sz="1200" dirty="0"/>
-              <a:t>보라색 라벨 </a:t>
-            </a:r>
-            <a:r>
-              <a:rPr lang="en-US" altLang="ko-KR" sz="1200" dirty="0"/>
-              <a:t>--&gt;</a:t>
-            </a:r>
-            <a:endParaRPr lang="ko-KR" altLang="en-US" sz="1200" dirty="0"/>
-          </a:p>
-        </p:txBody>
-      </p:sp>
-      <p:sp>
-        <p:nvSpPr>
-          <p:cNvPr id="16" name="TextBox 15"/>
-          <p:cNvSpPr txBox="1"/>
-          <p:nvPr/>
-        </p:nvSpPr>
-        <p:spPr>
-          <a:xfrm>
-            <a:off x="224444" y="4743297"/>
-            <a:ext cx="11119104" cy="1569660"/>
-          </a:xfrm>
-          <a:prstGeom prst="rect">
-            <a:avLst/>
-          </a:prstGeom>
-          <a:noFill/>
-        </p:spPr>
-        <p:txBody>
-          <a:bodyPr wrap="square" rtlCol="0">
-            <a:spAutoFit/>
-          </a:bodyPr>
-          <a:lstStyle/>
-          <a:p>
-            <a:r>
-              <a:rPr lang="en-US" altLang="ko-KR" sz="1200" b="1" dirty="0" smtClean="0"/>
-              <a:t>Color code</a:t>
-            </a:r>
-          </a:p>
-          <a:p>
-            <a:endParaRPr lang="en-US" altLang="ko-KR" sz="1200" dirty="0" smtClean="0"/>
-          </a:p>
-          <a:p>
-            <a:r>
-              <a:rPr lang="en-US" altLang="ko-KR" sz="1200" dirty="0" smtClean="0"/>
-              <a:t>Label-info – border-left-color: </a:t>
-            </a:r>
-            <a:r>
-              <a:rPr lang="en-US" altLang="ko-KR" sz="1200" dirty="0"/>
-              <a:t>#</a:t>
-            </a:r>
-            <a:r>
-              <a:rPr lang="en-US" altLang="ko-KR" sz="1200" dirty="0" smtClean="0"/>
-              <a:t>035fa2 / background-color</a:t>
-            </a:r>
-            <a:r>
-              <a:rPr lang="en-US" altLang="ko-KR" sz="1200" dirty="0"/>
-              <a:t>: #</a:t>
-            </a:r>
-            <a:r>
-              <a:rPr lang="en-US" altLang="ko-KR" sz="1200" dirty="0" smtClean="0"/>
-              <a:t>b1d4fb</a:t>
-            </a:r>
-          </a:p>
-          <a:p>
-            <a:r>
-              <a:rPr lang="en-US" altLang="ko-KR" sz="1200" dirty="0" smtClean="0"/>
-              <a:t>Label-grey </a:t>
-            </a:r>
-            <a:r>
-              <a:rPr lang="en-US" altLang="ko-KR" sz="1200" dirty="0"/>
-              <a:t>– border-left-color: </a:t>
-            </a:r>
-            <a:r>
-              <a:rPr lang="en-US" altLang="ko-KR" sz="1200" dirty="0" smtClean="0"/>
-              <a:t>#666666 </a:t>
-            </a:r>
-            <a:r>
-              <a:rPr lang="en-US" altLang="ko-KR" sz="1200" dirty="0"/>
-              <a:t>/ background-color: </a:t>
-            </a:r>
-            <a:r>
-              <a:rPr lang="en-US" altLang="ko-KR" sz="1200" dirty="0" smtClean="0"/>
-              <a:t>#</a:t>
-            </a:r>
-            <a:r>
-              <a:rPr lang="en-US" altLang="ko-KR" sz="1200" dirty="0" err="1" smtClean="0"/>
-              <a:t>dedede</a:t>
-            </a:r>
-            <a:endParaRPr lang="ko-KR" altLang="en-US" sz="1200" dirty="0"/>
-          </a:p>
-          <a:p>
-            <a:r>
-              <a:rPr lang="en-US" altLang="ko-KR" sz="1200" dirty="0" smtClean="0"/>
-              <a:t>Label-success </a:t>
-            </a:r>
-            <a:r>
-              <a:rPr lang="en-US" altLang="ko-KR" sz="1200" dirty="0"/>
-              <a:t>– border-left-color: #00773c / background-color: #b9f9d9</a:t>
-            </a:r>
-            <a:endParaRPr lang="ko-KR" altLang="en-US" sz="1200" dirty="0"/>
-          </a:p>
-          <a:p>
-            <a:r>
-              <a:rPr lang="en-US" altLang="ko-KR" sz="1200" dirty="0" smtClean="0"/>
-              <a:t>Label-warning </a:t>
-            </a:r>
-            <a:r>
-              <a:rPr lang="en-US" altLang="ko-KR" sz="1200" dirty="0"/>
-              <a:t>– border-left-color: #e09934 / background-color: #fbdbb1</a:t>
-            </a:r>
-            <a:endParaRPr lang="ko-KR" altLang="en-US" sz="1200" dirty="0"/>
-          </a:p>
-          <a:p>
-            <a:r>
-              <a:rPr lang="en-US" altLang="ko-KR" sz="1200" dirty="0" smtClean="0"/>
-              <a:t>Label-danger </a:t>
-            </a:r>
-            <a:r>
-              <a:rPr lang="en-US" altLang="ko-KR" sz="1200" dirty="0"/>
-              <a:t>– border-left-color: #af1010 / background-color: #f6dcdc</a:t>
-            </a:r>
-            <a:endParaRPr lang="ko-KR" altLang="en-US" sz="1200" dirty="0"/>
-          </a:p>
-          <a:p>
-            <a:r>
-              <a:rPr lang="en-US" altLang="ko-KR" sz="1200" dirty="0" smtClean="0"/>
-              <a:t>Label-purple </a:t>
-            </a:r>
-            <a:r>
-              <a:rPr lang="en-US" altLang="ko-KR" sz="1200" dirty="0"/>
-              <a:t>– border-left-color: #5b108a / background-color: #</a:t>
-            </a:r>
-            <a:r>
-              <a:rPr lang="en-US" altLang="ko-KR" sz="1200" dirty="0" smtClean="0"/>
-              <a:t>e3cbf2</a:t>
-            </a:r>
-            <a:endParaRPr lang="ko-KR" altLang="en-US" sz="1200" dirty="0"/>
-          </a:p>
-        </p:txBody>
-      </p:sp>
-    </p:spTree>
-    <p:extLst>
-      <p:ext uri="{BB962C8B-B14F-4D97-AF65-F5344CB8AC3E}">
-        <p14:creationId xmlns:p14="http://schemas.microsoft.com/office/powerpoint/2010/main" val="3688732151"/>
       </p:ext>
     </p:extLst>
   </p:cSld>
@@ -6959,7 +7532,7 @@
             <a:pPr algn="ctr"/>
             <a:r>
               <a:rPr lang="en-US" altLang="ko-KR" dirty="0" smtClean="0"/>
-              <a:t>2. checkbox</a:t>
+              <a:t>1. label</a:t>
             </a:r>
             <a:endParaRPr lang="ko-KR" altLang="en-US" dirty="0"/>
           </a:p>
@@ -6967,36 +7540,32 @@
       </p:sp>
       <p:graphicFrame>
         <p:nvGraphicFramePr>
-          <p:cNvPr id="2" name="개체 1"/>
+          <p:cNvPr id="6" name="개체 5"/>
           <p:cNvGraphicFramePr>
             <a:graphicFrameLocks noChangeAspect="1"/>
           </p:cNvGraphicFramePr>
           <p:nvPr>
-            <p:extLst>
-              <p:ext uri="{D42A27DB-BD31-4B8C-83A1-F6EECF244321}">
-                <p14:modId xmlns:p14="http://schemas.microsoft.com/office/powerpoint/2010/main" val="279949363"/>
-              </p:ext>
-            </p:extLst>
+            <p:extLst/>
           </p:nvPr>
         </p:nvGraphicFramePr>
         <p:xfrm>
-          <a:off x="224444" y="1252474"/>
-          <a:ext cx="3429000" cy="1765300"/>
+          <a:off x="224444" y="1175336"/>
+          <a:ext cx="7859713" cy="1828800"/>
         </p:xfrm>
         <a:graphic>
           <a:graphicData uri="http://schemas.openxmlformats.org/presentationml/2006/ole">
             <mc:AlternateContent xmlns:mc="http://schemas.openxmlformats.org/markup-compatibility/2006">
               <mc:Choice xmlns:v="urn:schemas-microsoft-com:vml" Requires="v">
-                <p:oleObj spid="_x0000_s3123" name="Image" r:id="rId3" imgW="3428280" imgH="1764720" progId="Photoshop.Image.18">
+                <p:oleObj spid="_x0000_s8227" name="Image" r:id="rId3" imgW="7860240" imgH="1828440" progId="Photoshop.Image.18">
                   <p:embed/>
                 </p:oleObj>
               </mc:Choice>
               <mc:Fallback>
-                <p:oleObj name="Image" r:id="rId3" imgW="3428280" imgH="1764720" progId="Photoshop.Image.18">
+                <p:oleObj name="Image" r:id="rId3" imgW="7860240" imgH="1828440" progId="Photoshop.Image.18">
                   <p:embed/>
                   <p:pic>
                     <p:nvPicPr>
-                      <p:cNvPr id="0" name=""/>
+                      <p:cNvPr id="6" name="개체 5"/>
                       <p:cNvPicPr/>
                       <p:nvPr/>
                     </p:nvPicPr>
@@ -7008,8 +7577,8 @@
                     </p:blipFill>
                     <p:spPr>
                       <a:xfrm>
-                        <a:off x="224444" y="1252474"/>
-                        <a:ext cx="3429000" cy="1765300"/>
+                        <a:off x="224444" y="1175336"/>
+                        <a:ext cx="7859713" cy="1828800"/>
                       </a:xfrm>
                       <a:prstGeom prst="rect">
                         <a:avLst/>
@@ -7024,14 +7593,14 @@
       </p:graphicFrame>
       <p:sp>
         <p:nvSpPr>
-          <p:cNvPr id="9" name="TextBox 8"/>
+          <p:cNvPr id="7" name="TextBox 6"/>
           <p:cNvSpPr txBox="1"/>
           <p:nvPr/>
         </p:nvSpPr>
         <p:spPr>
           <a:xfrm>
             <a:off x="224444" y="3273552"/>
-            <a:ext cx="11119104" cy="3046988"/>
+            <a:ext cx="11119104" cy="1200329"/>
           </a:xfrm>
           <a:prstGeom prst="rect">
             <a:avLst/>
@@ -7045,149 +7614,90 @@
           <a:lstStyle/>
           <a:p>
             <a:r>
-              <a:rPr lang="en-US" altLang="ko-KR" sz="1200" dirty="0" smtClean="0"/>
-              <a:t>HTML CODE</a:t>
-            </a:r>
-          </a:p>
-          <a:p>
-            <a:endParaRPr lang="en-US" altLang="ko-KR" sz="1200" dirty="0" smtClean="0"/>
-          </a:p>
-          <a:p>
-            <a:r>
-              <a:rPr lang="en-US" altLang="ko-KR" sz="1200" dirty="0" smtClean="0"/>
-              <a:t>&lt;</a:t>
-            </a:r>
-            <a:r>
               <a:rPr lang="en-US" altLang="ko-KR" sz="1200" dirty="0"/>
-              <a:t>div&gt;&lt;strong&gt;default&lt;/strong&gt;&lt;/div&gt;</a:t>
-            </a:r>
-          </a:p>
-          <a:p>
+              <a:t>&lt;div class="label label-info"&gt;label-info&lt;/div&gt;&lt;!-- </a:t>
+            </a:r>
+            <a:r>
+              <a:rPr lang="ko-KR" altLang="en-US" sz="1200" dirty="0"/>
+              <a:t>파란색 라벨 </a:t>
+            </a:r>
             <a:r>
               <a:rPr lang="en-US" altLang="ko-KR" sz="1200" dirty="0"/>
-              <a:t>&lt;label for="chk1" class="component-checkbox </a:t>
-            </a:r>
-            <a:r>
-              <a:rPr lang="en-US" altLang="ko-KR" sz="1200" dirty="0">
-                <a:solidFill>
-                  <a:schemeClr val="accent1">
-                    <a:lumMod val="75000"/>
-                  </a:schemeClr>
-                </a:solidFill>
-              </a:rPr>
-              <a:t>default</a:t>
-            </a:r>
+              <a:t>--&gt;</a:t>
+            </a:r>
+          </a:p>
+          <a:p>
             <a:r>
               <a:rPr lang="en-US" altLang="ko-KR" sz="1200" dirty="0"/>
-              <a:t>"&gt;</a:t>
-            </a:r>
-          </a:p>
-          <a:p>
+              <a:t>&lt;div class="label label-grey"&gt;label-grey&lt;/div&gt;&lt;!-- </a:t>
+            </a:r>
+            <a:r>
+              <a:rPr lang="ko-KR" altLang="en-US" sz="1200" dirty="0"/>
+              <a:t>회색 라벨 </a:t>
+            </a:r>
             <a:r>
               <a:rPr lang="en-US" altLang="ko-KR" sz="1200" dirty="0"/>
-              <a:t>	&lt;input type="checkbox" id="chk1"&gt;</a:t>
+              <a:t>--&gt;</a:t>
             </a:r>
           </a:p>
           <a:p>
             <a:r>
               <a:rPr lang="en-US" altLang="ko-KR" sz="1200" dirty="0"/>
-              <a:t>	&lt;span class="virtual-checkbox"&gt;&lt;/span&gt;</a:t>
-            </a:r>
-          </a:p>
-          <a:p>
+              <a:t>&lt;div class="label label-success"&gt;label-success&lt;/div&gt;&lt;!-- </a:t>
+            </a:r>
+            <a:r>
+              <a:rPr lang="ko-KR" altLang="en-US" sz="1200" dirty="0" err="1"/>
+              <a:t>그린색</a:t>
+            </a:r>
+            <a:r>
+              <a:rPr lang="ko-KR" altLang="en-US" sz="1200" dirty="0"/>
+              <a:t> 라벨 </a:t>
+            </a:r>
             <a:r>
               <a:rPr lang="en-US" altLang="ko-KR" sz="1200" dirty="0"/>
-              <a:t>	&lt;span class="text"&gt;</a:t>
+              <a:t>--&gt;</a:t>
+            </a:r>
+          </a:p>
+          <a:p>
+            <a:r>
+              <a:rPr lang="en-US" altLang="ko-KR" sz="1200" dirty="0"/>
+              <a:t>&lt;div class="label label-warning"&gt;label-warning&lt;/div&gt;&lt;!-- </a:t>
             </a:r>
             <a:r>
               <a:rPr lang="ko-KR" altLang="en-US" sz="1200" dirty="0"/>
-              <a:t>체크박스 </a:t>
+              <a:t>주황색 라벨 </a:t>
             </a:r>
             <a:r>
               <a:rPr lang="en-US" altLang="ko-KR" sz="1200" dirty="0"/>
-              <a:t>default 1&lt;/span&gt;</a:t>
+              <a:t>--&gt;</a:t>
             </a:r>
           </a:p>
           <a:p>
             <a:r>
               <a:rPr lang="en-US" altLang="ko-KR" sz="1200" dirty="0"/>
-              <a:t>&lt;/label</a:t>
-            </a:r>
-            <a:r>
-              <a:rPr lang="en-US" altLang="ko-KR" sz="1200" dirty="0" smtClean="0"/>
-              <a:t>&gt;</a:t>
-            </a:r>
-          </a:p>
-          <a:p>
+              <a:t>&lt;div class="label label-danger"&gt;label-danger&lt;/div&gt;&lt;!-- </a:t>
+            </a:r>
+            <a:r>
+              <a:rPr lang="ko-KR" altLang="en-US" sz="1200" dirty="0"/>
+              <a:t>빨간색 라벨 </a:t>
+            </a:r>
             <a:r>
               <a:rPr lang="en-US" altLang="ko-KR" sz="1200" dirty="0"/>
-              <a:t>&lt;label for=“chk2” class="component-checkbox </a:t>
-            </a:r>
-            <a:r>
-              <a:rPr lang="en-US" altLang="ko-KR" sz="1200" dirty="0">
-                <a:solidFill>
-                  <a:schemeClr val="accent1">
-                    <a:lumMod val="75000"/>
-                  </a:schemeClr>
-                </a:solidFill>
-              </a:rPr>
-              <a:t>default</a:t>
-            </a:r>
+              <a:t>--&gt;</a:t>
+            </a:r>
+          </a:p>
+          <a:p>
             <a:r>
               <a:rPr lang="en-US" altLang="ko-KR" sz="1200" dirty="0"/>
-              <a:t>"&gt;</a:t>
-            </a:r>
-          </a:p>
-          <a:p>
+              <a:t>&lt;div class="label label-purple"&gt;label-purple&lt;/div&gt;&lt;!-- </a:t>
+            </a:r>
+            <a:r>
+              <a:rPr lang="ko-KR" altLang="en-US" sz="1200" dirty="0"/>
+              <a:t>보라색 라벨 </a:t>
+            </a:r>
             <a:r>
               <a:rPr lang="en-US" altLang="ko-KR" sz="1200" dirty="0"/>
-              <a:t>	&lt;input type="checkbox" id="chk2"&gt;</a:t>
-            </a:r>
-          </a:p>
-          <a:p>
-            <a:r>
-              <a:rPr lang="en-US" altLang="ko-KR" sz="1200" dirty="0"/>
-              <a:t>	&lt;span class="virtual-checkbox"&gt;&lt;/span&gt;</a:t>
-            </a:r>
-          </a:p>
-          <a:p>
-            <a:r>
-              <a:rPr lang="en-US" altLang="ko-KR" sz="1200" dirty="0"/>
-              <a:t>	&lt;span class="text"&gt;</a:t>
-            </a:r>
-            <a:r>
-              <a:rPr lang="ko-KR" altLang="en-US" sz="1200" dirty="0"/>
-              <a:t>체크박스 </a:t>
-            </a:r>
-            <a:r>
-              <a:rPr lang="en-US" altLang="ko-KR" sz="1200" dirty="0"/>
-              <a:t>default 2&lt;/span&gt;</a:t>
-            </a:r>
-          </a:p>
-          <a:p>
-            <a:r>
-              <a:rPr lang="en-US" altLang="ko-KR" sz="1200" dirty="0"/>
-              <a:t>&lt;/label&gt;</a:t>
-            </a:r>
-          </a:p>
-          <a:p>
-            <a:endParaRPr lang="en-US" altLang="ko-KR" sz="1200" dirty="0" smtClean="0"/>
-          </a:p>
-          <a:p>
-            <a:endParaRPr lang="en-US" altLang="ko-KR" sz="1200" dirty="0" smtClean="0"/>
-          </a:p>
-          <a:p>
-            <a:r>
-              <a:rPr lang="en-US" altLang="ko-KR" sz="1200" dirty="0" smtClean="0"/>
-              <a:t>========== </a:t>
-            </a:r>
-            <a:r>
-              <a:rPr lang="ko-KR" altLang="en-US" sz="1200" dirty="0" smtClean="0"/>
-              <a:t>아래</a:t>
-            </a:r>
-            <a:r>
-              <a:rPr lang="en-US" altLang="ko-KR" sz="1200" dirty="0" smtClean="0"/>
-              <a:t> ==========</a:t>
+              <a:t>--&gt;</a:t>
             </a:r>
             <a:endParaRPr lang="ko-KR" altLang="en-US" sz="1200" dirty="0"/>
           </a:p>
@@ -7195,14 +7705,14 @@
       </p:sp>
       <p:sp>
         <p:nvSpPr>
-          <p:cNvPr id="11" name="TextBox 10"/>
+          <p:cNvPr id="16" name="TextBox 15"/>
           <p:cNvSpPr txBox="1"/>
           <p:nvPr/>
         </p:nvSpPr>
         <p:spPr>
           <a:xfrm>
-            <a:off x="4302668" y="1252474"/>
-            <a:ext cx="1202020" cy="1015663"/>
+            <a:off x="224444" y="4743297"/>
+            <a:ext cx="11119104" cy="1569660"/>
           </a:xfrm>
           <a:prstGeom prst="rect">
             <a:avLst/>
@@ -7216,121 +7726,107 @@
           <a:lstStyle/>
           <a:p>
             <a:r>
+              <a:rPr lang="en-US" altLang="ko-KR" sz="1200" b="1" dirty="0" smtClean="0"/>
+              <a:t>Color code</a:t>
+            </a:r>
+          </a:p>
+          <a:p>
+            <a:endParaRPr lang="en-US" altLang="ko-KR" sz="1200" dirty="0" smtClean="0"/>
+          </a:p>
+          <a:p>
+            <a:r>
               <a:rPr lang="en-US" altLang="ko-KR" sz="1200" dirty="0" smtClean="0"/>
-              <a:t>Checkbox size</a:t>
-            </a:r>
-          </a:p>
-          <a:p>
-            <a:endParaRPr lang="en-US" altLang="ko-KR" sz="1200" dirty="0" smtClean="0"/>
-          </a:p>
-          <a:p>
-            <a:r>
-              <a:rPr lang="en-US" altLang="ko-KR" sz="1200" dirty="0" smtClean="0">
-                <a:solidFill>
-                  <a:schemeClr val="accent1">
-                    <a:lumMod val="75000"/>
-                  </a:schemeClr>
-                </a:solidFill>
-              </a:rPr>
-              <a:t>Default</a:t>
-            </a:r>
-            <a:endParaRPr lang="en-US" altLang="ko-KR" sz="1200" dirty="0" smtClean="0"/>
-          </a:p>
-          <a:p>
-            <a:r>
-              <a:rPr lang="en-US" altLang="ko-KR" sz="1200" dirty="0" smtClean="0">
-                <a:solidFill>
-                  <a:schemeClr val="accent2">
-                    <a:lumMod val="75000"/>
-                  </a:schemeClr>
-                </a:solidFill>
-              </a:rPr>
-              <a:t>Middle</a:t>
-            </a:r>
-            <a:endParaRPr lang="en-US" altLang="ko-KR" sz="1200" dirty="0" smtClean="0"/>
-          </a:p>
-          <a:p>
-            <a:r>
-              <a:rPr lang="en-US" altLang="ko-KR" sz="1200" dirty="0" smtClean="0">
-                <a:solidFill>
-                  <a:schemeClr val="accent6">
-                    <a:lumMod val="75000"/>
-                  </a:schemeClr>
-                </a:solidFill>
-              </a:rPr>
-              <a:t>Large</a:t>
+              <a:t>Label-info – border-left-color: </a:t>
+            </a:r>
+            <a:r>
+              <a:rPr lang="en-US" altLang="ko-KR" sz="1200" dirty="0"/>
+              <a:t>#</a:t>
+            </a:r>
+            <a:r>
+              <a:rPr lang="en-US" altLang="ko-KR" sz="1200" dirty="0" smtClean="0"/>
+              <a:t>035fa2 / background-color</a:t>
+            </a:r>
+            <a:r>
+              <a:rPr lang="en-US" altLang="ko-KR" sz="1200" dirty="0"/>
+              <a:t>: #</a:t>
+            </a:r>
+            <a:r>
+              <a:rPr lang="en-US" altLang="ko-KR" sz="1200" dirty="0" smtClean="0"/>
+              <a:t>b1d4fb</a:t>
+            </a:r>
+          </a:p>
+          <a:p>
+            <a:r>
+              <a:rPr lang="en-US" altLang="ko-KR" sz="1200" dirty="0" smtClean="0"/>
+              <a:t>Label-grey </a:t>
+            </a:r>
+            <a:r>
+              <a:rPr lang="en-US" altLang="ko-KR" sz="1200" dirty="0"/>
+              <a:t>– border-left-color: </a:t>
+            </a:r>
+            <a:r>
+              <a:rPr lang="en-US" altLang="ko-KR" sz="1200" dirty="0" smtClean="0"/>
+              <a:t>#666666 </a:t>
+            </a:r>
+            <a:r>
+              <a:rPr lang="en-US" altLang="ko-KR" sz="1200" dirty="0"/>
+              <a:t>/ background-color: </a:t>
+            </a:r>
+            <a:r>
+              <a:rPr lang="en-US" altLang="ko-KR" sz="1200" dirty="0" smtClean="0"/>
+              <a:t>#</a:t>
+            </a:r>
+            <a:r>
+              <a:rPr lang="en-US" altLang="ko-KR" sz="1200" dirty="0" err="1" smtClean="0"/>
+              <a:t>dedede</a:t>
             </a:r>
             <a:endParaRPr lang="ko-KR" altLang="en-US" sz="1200" dirty="0"/>
           </a:p>
-        </p:txBody>
-      </p:sp>
-      <p:sp>
-        <p:nvSpPr>
-          <p:cNvPr id="12" name="TextBox 11"/>
-          <p:cNvSpPr txBox="1"/>
-          <p:nvPr/>
-        </p:nvSpPr>
-        <p:spPr>
-          <a:xfrm>
-            <a:off x="4903678" y="1621806"/>
-            <a:ext cx="2409028" cy="646331"/>
-          </a:xfrm>
-          <a:prstGeom prst="rect">
-            <a:avLst/>
-          </a:prstGeom>
-          <a:noFill/>
-        </p:spPr>
-        <p:txBody>
-          <a:bodyPr wrap="square" rtlCol="0">
-            <a:spAutoFit/>
-          </a:bodyPr>
-          <a:lstStyle/>
           <a:p>
             <a:r>
               <a:rPr lang="en-US" altLang="ko-KR" sz="1200" dirty="0" smtClean="0"/>
-              <a:t>w : 12px | h : 12px</a:t>
-            </a:r>
+              <a:t>Label-success </a:t>
+            </a:r>
+            <a:r>
+              <a:rPr lang="en-US" altLang="ko-KR" sz="1200" dirty="0"/>
+              <a:t>– border-left-color: #00773c / background-color: #b9f9d9</a:t>
+            </a:r>
+            <a:endParaRPr lang="ko-KR" altLang="en-US" sz="1200" dirty="0"/>
           </a:p>
           <a:p>
             <a:r>
               <a:rPr lang="en-US" altLang="ko-KR" sz="1200" dirty="0" smtClean="0"/>
-              <a:t>w : 16px | h : 16px</a:t>
-            </a:r>
+              <a:t>Label-warning </a:t>
+            </a:r>
+            <a:r>
+              <a:rPr lang="en-US" altLang="ko-KR" sz="1200" dirty="0"/>
+              <a:t>– border-left-color: #e09934 / background-color: #fbdbb1</a:t>
+            </a:r>
+            <a:endParaRPr lang="ko-KR" altLang="en-US" sz="1200" dirty="0"/>
           </a:p>
           <a:p>
             <a:r>
               <a:rPr lang="en-US" altLang="ko-KR" sz="1200" dirty="0" smtClean="0"/>
-              <a:t>w : 20px | h : 20px</a:t>
+              <a:t>Label-danger </a:t>
+            </a:r>
+            <a:r>
+              <a:rPr lang="en-US" altLang="ko-KR" sz="1200" dirty="0"/>
+              <a:t>– border-left-color: #af1010 / background-color: #f6dcdc</a:t>
             </a:r>
             <a:endParaRPr lang="ko-KR" altLang="en-US" sz="1200" dirty="0"/>
           </a:p>
-        </p:txBody>
-      </p:sp>
-      <p:sp>
-        <p:nvSpPr>
-          <p:cNvPr id="13" name="TextBox 12"/>
-          <p:cNvSpPr txBox="1"/>
-          <p:nvPr/>
-        </p:nvSpPr>
-        <p:spPr>
-          <a:xfrm>
-            <a:off x="4302668" y="2385415"/>
-            <a:ext cx="7040880" cy="276999"/>
-          </a:xfrm>
-          <a:prstGeom prst="rect">
-            <a:avLst/>
-          </a:prstGeom>
-          <a:noFill/>
-        </p:spPr>
-        <p:txBody>
-          <a:bodyPr wrap="square" rtlCol="0">
-            <a:spAutoFit/>
-          </a:bodyPr>
-          <a:lstStyle/>
           <a:p>
             <a:r>
               <a:rPr lang="en-US" altLang="ko-KR" sz="1200" dirty="0" smtClean="0"/>
-              <a:t>Checkbox checked &amp; un checked : Fade in &lt;-&gt; fade out 0.3s Animation</a:t>
+              <a:t>Label-purple </a:t>
+            </a:r>
+            <a:r>
+              <a:rPr lang="en-US" altLang="ko-KR" sz="1200" dirty="0"/>
+              <a:t>– border-left-color: #5b108a / background-color: #</a:t>
+            </a:r>
+            <a:r>
+              <a:rPr lang="en-US" altLang="ko-KR" sz="1200" dirty="0" smtClean="0"/>
+              <a:t>e3cbf2</a:t>
             </a:r>
             <a:endParaRPr lang="ko-KR" altLang="en-US" sz="1200" dirty="0"/>
           </a:p>
@@ -7339,7 +7835,7 @@
     </p:spTree>
     <p:extLst>
       <p:ext uri="{BB962C8B-B14F-4D97-AF65-F5344CB8AC3E}">
-        <p14:creationId xmlns:p14="http://schemas.microsoft.com/office/powerpoint/2010/main" val="3448259038"/>
+        <p14:creationId xmlns:p14="http://schemas.microsoft.com/office/powerpoint/2010/main" val="3688732151"/>
       </p:ext>
     </p:extLst>
   </p:cSld>
@@ -7468,16 +7964,73 @@
           </a:p>
         </p:txBody>
       </p:sp>
+      <p:graphicFrame>
+        <p:nvGraphicFramePr>
+          <p:cNvPr id="2" name="개체 1"/>
+          <p:cNvGraphicFramePr>
+            <a:graphicFrameLocks noChangeAspect="1"/>
+          </p:cNvGraphicFramePr>
+          <p:nvPr>
+            <p:extLst>
+              <p:ext uri="{D42A27DB-BD31-4B8C-83A1-F6EECF244321}">
+                <p14:modId xmlns:p14="http://schemas.microsoft.com/office/powerpoint/2010/main" val="279949363"/>
+              </p:ext>
+            </p:extLst>
+          </p:nvPr>
+        </p:nvGraphicFramePr>
+        <p:xfrm>
+          <a:off x="224444" y="1252474"/>
+          <a:ext cx="3429000" cy="1765300"/>
+        </p:xfrm>
+        <a:graphic>
+          <a:graphicData uri="http://schemas.openxmlformats.org/presentationml/2006/ole">
+            <mc:AlternateContent xmlns:mc="http://schemas.openxmlformats.org/markup-compatibility/2006">
+              <mc:Choice xmlns:v="urn:schemas-microsoft-com:vml" Requires="v">
+                <p:oleObj spid="_x0000_s3127" name="Image" r:id="rId3" imgW="3428280" imgH="1764720" progId="Photoshop.Image.18">
+                  <p:embed/>
+                </p:oleObj>
+              </mc:Choice>
+              <mc:Fallback>
+                <p:oleObj name="Image" r:id="rId3" imgW="3428280" imgH="1764720" progId="Photoshop.Image.18">
+                  <p:embed/>
+                  <p:pic>
+                    <p:nvPicPr>
+                      <p:cNvPr id="0" name=""/>
+                      <p:cNvPicPr/>
+                      <p:nvPr/>
+                    </p:nvPicPr>
+                    <p:blipFill>
+                      <a:blip r:embed="rId4"/>
+                      <a:stretch>
+                        <a:fillRect/>
+                      </a:stretch>
+                    </p:blipFill>
+                    <p:spPr>
+                      <a:xfrm>
+                        <a:off x="224444" y="1252474"/>
+                        <a:ext cx="3429000" cy="1765300"/>
+                      </a:xfrm>
+                      <a:prstGeom prst="rect">
+                        <a:avLst/>
+                      </a:prstGeom>
+                    </p:spPr>
+                  </p:pic>
+                </p:oleObj>
+              </mc:Fallback>
+            </mc:AlternateContent>
+          </a:graphicData>
+        </a:graphic>
+      </p:graphicFrame>
       <p:sp>
         <p:nvSpPr>
-          <p:cNvPr id="8" name="TextBox 7"/>
+          <p:cNvPr id="9" name="TextBox 8"/>
           <p:cNvSpPr txBox="1"/>
           <p:nvPr/>
         </p:nvSpPr>
         <p:spPr>
           <a:xfrm>
-            <a:off x="224444" y="1175336"/>
-            <a:ext cx="4987636" cy="4524315"/>
+            <a:off x="224444" y="3273552"/>
+            <a:ext cx="11119104" cy="3046988"/>
           </a:xfrm>
           <a:prstGeom prst="rect">
             <a:avLst/>
@@ -7492,242 +8045,291 @@
           <a:p>
             <a:r>
               <a:rPr lang="en-US" altLang="ko-KR" sz="1200" dirty="0" smtClean="0"/>
+              <a:t>HTML CODE</a:t>
+            </a:r>
+          </a:p>
+          <a:p>
+            <a:endParaRPr lang="en-US" altLang="ko-KR" sz="1200" dirty="0" smtClean="0"/>
+          </a:p>
+          <a:p>
+            <a:r>
+              <a:rPr lang="en-US" altLang="ko-KR" sz="1200" dirty="0" smtClean="0"/>
+              <a:t>&lt;</a:t>
+            </a:r>
+            <a:r>
+              <a:rPr lang="en-US" altLang="ko-KR" sz="1200" dirty="0"/>
+              <a:t>div&gt;&lt;strong&gt;default&lt;/strong&gt;&lt;/div&gt;</a:t>
+            </a:r>
+          </a:p>
+          <a:p>
+            <a:r>
+              <a:rPr lang="en-US" altLang="ko-KR" sz="1200" dirty="0"/>
+              <a:t>&lt;label for="chk1" class="component-checkbox </a:t>
+            </a:r>
+            <a:r>
+              <a:rPr lang="en-US" altLang="ko-KR" sz="1200" dirty="0">
+                <a:solidFill>
+                  <a:schemeClr val="accent1">
+                    <a:lumMod val="75000"/>
+                  </a:schemeClr>
+                </a:solidFill>
+              </a:rPr>
+              <a:t>default</a:t>
+            </a:r>
+            <a:r>
+              <a:rPr lang="en-US" altLang="ko-KR" sz="1200" dirty="0"/>
+              <a:t>"&gt;</a:t>
+            </a:r>
+          </a:p>
+          <a:p>
+            <a:r>
+              <a:rPr lang="en-US" altLang="ko-KR" sz="1200" dirty="0"/>
+              <a:t>	&lt;input type="checkbox" id="chk1"&gt;</a:t>
+            </a:r>
+          </a:p>
+          <a:p>
+            <a:r>
+              <a:rPr lang="en-US" altLang="ko-KR" sz="1200" dirty="0"/>
+              <a:t>	&lt;span class="virtual-checkbox"&gt;&lt;/span&gt;</a:t>
+            </a:r>
+          </a:p>
+          <a:p>
+            <a:r>
+              <a:rPr lang="en-US" altLang="ko-KR" sz="1200" dirty="0"/>
+              <a:t>	&lt;span class="text"&gt;</a:t>
+            </a:r>
+            <a:r>
+              <a:rPr lang="ko-KR" altLang="en-US" sz="1200" dirty="0"/>
+              <a:t>체크박스 </a:t>
+            </a:r>
+            <a:r>
+              <a:rPr lang="en-US" altLang="ko-KR" sz="1200" dirty="0"/>
+              <a:t>default 1&lt;/span&gt;</a:t>
+            </a:r>
+          </a:p>
+          <a:p>
+            <a:r>
+              <a:rPr lang="en-US" altLang="ko-KR" sz="1200" dirty="0"/>
+              <a:t>&lt;/label</a:t>
+            </a:r>
+            <a:r>
+              <a:rPr lang="en-US" altLang="ko-KR" sz="1200" dirty="0" smtClean="0"/>
+              <a:t>&gt;</a:t>
+            </a:r>
+          </a:p>
+          <a:p>
+            <a:r>
+              <a:rPr lang="en-US" altLang="ko-KR" sz="1200" dirty="0"/>
+              <a:t>&lt;label for=“chk2” class="component-checkbox </a:t>
+            </a:r>
+            <a:r>
+              <a:rPr lang="en-US" altLang="ko-KR" sz="1200" dirty="0">
+                <a:solidFill>
+                  <a:schemeClr val="accent1">
+                    <a:lumMod val="75000"/>
+                  </a:schemeClr>
+                </a:solidFill>
+              </a:rPr>
+              <a:t>default</a:t>
+            </a:r>
+            <a:r>
+              <a:rPr lang="en-US" altLang="ko-KR" sz="1200" dirty="0"/>
+              <a:t>"&gt;</a:t>
+            </a:r>
+          </a:p>
+          <a:p>
+            <a:r>
+              <a:rPr lang="en-US" altLang="ko-KR" sz="1200" dirty="0"/>
+              <a:t>	&lt;input type="checkbox" id="chk2"&gt;</a:t>
+            </a:r>
+          </a:p>
+          <a:p>
+            <a:r>
+              <a:rPr lang="en-US" altLang="ko-KR" sz="1200" dirty="0"/>
+              <a:t>	&lt;span class="virtual-checkbox"&gt;&lt;/span&gt;</a:t>
+            </a:r>
+          </a:p>
+          <a:p>
+            <a:r>
+              <a:rPr lang="en-US" altLang="ko-KR" sz="1200" dirty="0"/>
+              <a:t>	&lt;span class="text"&gt;</a:t>
+            </a:r>
+            <a:r>
+              <a:rPr lang="ko-KR" altLang="en-US" sz="1200" dirty="0"/>
+              <a:t>체크박스 </a:t>
+            </a:r>
+            <a:r>
+              <a:rPr lang="en-US" altLang="ko-KR" sz="1200" dirty="0"/>
+              <a:t>default 2&lt;/span&gt;</a:t>
+            </a:r>
+          </a:p>
+          <a:p>
+            <a:r>
+              <a:rPr lang="en-US" altLang="ko-KR" sz="1200" dirty="0"/>
+              <a:t>&lt;/label&gt;</a:t>
+            </a:r>
+          </a:p>
+          <a:p>
+            <a:endParaRPr lang="en-US" altLang="ko-KR" sz="1200" dirty="0" smtClean="0"/>
+          </a:p>
+          <a:p>
+            <a:endParaRPr lang="en-US" altLang="ko-KR" sz="1200" dirty="0" smtClean="0"/>
+          </a:p>
+          <a:p>
+            <a:r>
+              <a:rPr lang="en-US" altLang="ko-KR" sz="1200" dirty="0" smtClean="0"/>
               <a:t>========== </a:t>
             </a:r>
             <a:r>
               <a:rPr lang="ko-KR" altLang="en-US" sz="1200" dirty="0" smtClean="0"/>
-              <a:t>이어서</a:t>
+              <a:t>아래</a:t>
             </a:r>
             <a:r>
               <a:rPr lang="en-US" altLang="ko-KR" sz="1200" dirty="0" smtClean="0"/>
               <a:t> ==========</a:t>
             </a:r>
+            <a:endParaRPr lang="ko-KR" altLang="en-US" sz="1200" dirty="0"/>
+          </a:p>
+        </p:txBody>
+      </p:sp>
+      <p:sp>
+        <p:nvSpPr>
+          <p:cNvPr id="11" name="TextBox 10"/>
+          <p:cNvSpPr txBox="1"/>
+          <p:nvPr/>
+        </p:nvSpPr>
+        <p:spPr>
+          <a:xfrm>
+            <a:off x="4302668" y="1252474"/>
+            <a:ext cx="1202020" cy="1015663"/>
+          </a:xfrm>
+          <a:prstGeom prst="rect">
+            <a:avLst/>
+          </a:prstGeom>
+          <a:noFill/>
+        </p:spPr>
+        <p:txBody>
+          <a:bodyPr wrap="square" rtlCol="0">
+            <a:spAutoFit/>
+          </a:bodyPr>
+          <a:lstStyle/>
+          <a:p>
+            <a:r>
+              <a:rPr lang="en-US" altLang="ko-KR" sz="1200" dirty="0" smtClean="0"/>
+              <a:t>Checkbox size</a:t>
+            </a:r>
           </a:p>
           <a:p>
             <a:endParaRPr lang="en-US" altLang="ko-KR" sz="1200" dirty="0" smtClean="0"/>
           </a:p>
           <a:p>
             <a:r>
-              <a:rPr lang="en-US" altLang="ko-KR" sz="1200" dirty="0" smtClean="0"/>
-              <a:t>&lt;</a:t>
-            </a:r>
-            <a:r>
-              <a:rPr lang="en-US" altLang="ko-KR" sz="1200" dirty="0"/>
-              <a:t>div&gt;&lt;strong&gt;middle&lt;/strong&gt;&lt;/div&gt;</a:t>
-            </a:r>
-          </a:p>
-          <a:p>
-            <a:r>
-              <a:rPr lang="en-US" altLang="ko-KR" sz="1200" dirty="0"/>
-              <a:t>&lt;label for="chk3" class="component-checkbox </a:t>
-            </a:r>
-            <a:r>
-              <a:rPr lang="en-US" altLang="ko-KR" sz="1200" dirty="0">
+              <a:rPr lang="en-US" altLang="ko-KR" sz="1200" dirty="0" smtClean="0">
+                <a:solidFill>
+                  <a:schemeClr val="accent1">
+                    <a:lumMod val="75000"/>
+                  </a:schemeClr>
+                </a:solidFill>
+              </a:rPr>
+              <a:t>Default</a:t>
+            </a:r>
+            <a:endParaRPr lang="en-US" altLang="ko-KR" sz="1200" dirty="0" smtClean="0"/>
+          </a:p>
+          <a:p>
+            <a:r>
+              <a:rPr lang="en-US" altLang="ko-KR" sz="1200" dirty="0" smtClean="0">
                 <a:solidFill>
                   <a:schemeClr val="accent2">
                     <a:lumMod val="75000"/>
                   </a:schemeClr>
                 </a:solidFill>
               </a:rPr>
-              <a:t>middle</a:t>
-            </a:r>
-            <a:r>
-              <a:rPr lang="en-US" altLang="ko-KR" sz="1200" dirty="0"/>
-              <a:t>"&gt;</a:t>
-            </a:r>
-          </a:p>
-          <a:p>
-            <a:r>
-              <a:rPr lang="en-US" altLang="ko-KR" sz="1200" dirty="0"/>
-              <a:t>	&lt;input type="checkbox" id="chk3"&gt;</a:t>
-            </a:r>
-          </a:p>
-          <a:p>
-            <a:r>
-              <a:rPr lang="en-US" altLang="ko-KR" sz="1200" dirty="0"/>
-              <a:t>	&lt;span class="virtual-checkbox"&gt;&lt;/span&gt;</a:t>
-            </a:r>
-          </a:p>
-          <a:p>
-            <a:r>
-              <a:rPr lang="en-US" altLang="ko-KR" sz="1200" dirty="0"/>
-              <a:t>	&lt;span class="text"&gt;</a:t>
-            </a:r>
-            <a:r>
-              <a:rPr lang="ko-KR" altLang="en-US" sz="1200" dirty="0"/>
-              <a:t>체크박스 </a:t>
-            </a:r>
-            <a:r>
-              <a:rPr lang="en-US" altLang="ko-KR" sz="1200" dirty="0"/>
-              <a:t>middle 1&lt;/span&gt;</a:t>
-            </a:r>
-          </a:p>
-          <a:p>
-            <a:r>
-              <a:rPr lang="en-US" altLang="ko-KR" sz="1200" dirty="0"/>
-              <a:t>&lt;/label&gt;</a:t>
-            </a:r>
-          </a:p>
-          <a:p>
-            <a:r>
-              <a:rPr lang="en-US" altLang="ko-KR" sz="1200" dirty="0"/>
-              <a:t>&lt;label for="chk4" class="component-checkbox </a:t>
-            </a:r>
-            <a:r>
-              <a:rPr lang="en-US" altLang="ko-KR" sz="1200" dirty="0">
-                <a:solidFill>
-                  <a:schemeClr val="accent2">
-                    <a:lumMod val="75000"/>
-                  </a:schemeClr>
-                </a:solidFill>
-              </a:rPr>
-              <a:t>middle</a:t>
-            </a:r>
-            <a:r>
-              <a:rPr lang="en-US" altLang="ko-KR" sz="1200" dirty="0"/>
-              <a:t>"&gt;</a:t>
-            </a:r>
-          </a:p>
-          <a:p>
-            <a:r>
-              <a:rPr lang="en-US" altLang="ko-KR" sz="1200" dirty="0"/>
-              <a:t>	&lt;input type="checkbox" id="chk4"&gt;</a:t>
-            </a:r>
-          </a:p>
-          <a:p>
-            <a:r>
-              <a:rPr lang="en-US" altLang="ko-KR" sz="1200" dirty="0"/>
-              <a:t>	&lt;span class="virtual-checkbox"&gt;&lt;/span&gt;</a:t>
-            </a:r>
-          </a:p>
-          <a:p>
-            <a:r>
-              <a:rPr lang="en-US" altLang="ko-KR" sz="1200" dirty="0"/>
-              <a:t>	&lt;span class="text"&gt;</a:t>
-            </a:r>
-            <a:r>
-              <a:rPr lang="ko-KR" altLang="en-US" sz="1200" dirty="0"/>
-              <a:t>체크박스 </a:t>
-            </a:r>
-            <a:r>
-              <a:rPr lang="en-US" altLang="ko-KR" sz="1200" dirty="0"/>
-              <a:t>middle 2&lt;/span&gt;</a:t>
-            </a:r>
-          </a:p>
-          <a:p>
-            <a:r>
-              <a:rPr lang="en-US" altLang="ko-KR" sz="1200" dirty="0"/>
-              <a:t>&lt;/label&gt;</a:t>
-            </a:r>
-          </a:p>
-          <a:p>
-            <a:r>
-              <a:rPr lang="en-US" altLang="ko-KR" sz="1200" dirty="0"/>
-              <a:t>&lt;div&gt;&lt;strong&gt;large&lt;/strong&gt;&lt;/div&gt;</a:t>
-            </a:r>
-          </a:p>
-          <a:p>
-            <a:r>
-              <a:rPr lang="en-US" altLang="ko-KR" sz="1200" dirty="0"/>
-              <a:t>&lt;label for="chk5" class="component-checkbox </a:t>
-            </a:r>
-            <a:r>
-              <a:rPr lang="en-US" altLang="ko-KR" sz="1200" dirty="0">
+              <a:t>Middle</a:t>
+            </a:r>
+            <a:endParaRPr lang="en-US" altLang="ko-KR" sz="1200" dirty="0" smtClean="0"/>
+          </a:p>
+          <a:p>
+            <a:r>
+              <a:rPr lang="en-US" altLang="ko-KR" sz="1200" dirty="0" smtClean="0">
                 <a:solidFill>
                   <a:schemeClr val="accent6">
                     <a:lumMod val="75000"/>
                   </a:schemeClr>
                 </a:solidFill>
               </a:rPr>
-              <a:t>large</a:t>
-            </a:r>
-            <a:r>
-              <a:rPr lang="en-US" altLang="ko-KR" sz="1200" dirty="0"/>
-              <a:t>"&gt;</a:t>
-            </a:r>
-          </a:p>
-          <a:p>
-            <a:r>
-              <a:rPr lang="en-US" altLang="ko-KR" sz="1200" dirty="0"/>
-              <a:t>	&lt;input type="checkbox" id="chk5"&gt;</a:t>
-            </a:r>
-          </a:p>
-          <a:p>
-            <a:r>
-              <a:rPr lang="en-US" altLang="ko-KR" sz="1200" dirty="0"/>
-              <a:t>	&lt;span class="virtual-checkbox"&gt;&lt;/span&gt;</a:t>
-            </a:r>
-          </a:p>
-          <a:p>
-            <a:r>
-              <a:rPr lang="en-US" altLang="ko-KR" sz="1200" dirty="0"/>
-              <a:t>	&lt;span class="text"&gt;</a:t>
-            </a:r>
-            <a:r>
-              <a:rPr lang="ko-KR" altLang="en-US" sz="1200" dirty="0"/>
-              <a:t>체크박스 </a:t>
-            </a:r>
-            <a:r>
-              <a:rPr lang="en-US" altLang="ko-KR" sz="1200" dirty="0"/>
-              <a:t>large 1&lt;/span&gt;</a:t>
-            </a:r>
-          </a:p>
-          <a:p>
-            <a:r>
-              <a:rPr lang="en-US" altLang="ko-KR" sz="1200" dirty="0"/>
-              <a:t>&lt;/label&gt;</a:t>
-            </a:r>
-          </a:p>
-          <a:p>
-            <a:r>
-              <a:rPr lang="en-US" altLang="ko-KR" sz="1200" dirty="0"/>
-              <a:t>&lt;label for="chk6" class="component-checkbox </a:t>
-            </a:r>
-            <a:r>
-              <a:rPr lang="en-US" altLang="ko-KR" sz="1200" dirty="0">
-                <a:solidFill>
-                  <a:schemeClr val="accent6">
-                    <a:lumMod val="75000"/>
-                  </a:schemeClr>
-                </a:solidFill>
-              </a:rPr>
-              <a:t>large</a:t>
-            </a:r>
-            <a:r>
-              <a:rPr lang="en-US" altLang="ko-KR" sz="1200" dirty="0"/>
-              <a:t>"&gt;</a:t>
-            </a:r>
-          </a:p>
-          <a:p>
-            <a:r>
-              <a:rPr lang="en-US" altLang="ko-KR" sz="1200" dirty="0"/>
-              <a:t>	&lt;input type="checkbox" id="chk6"&gt;</a:t>
-            </a:r>
-          </a:p>
-          <a:p>
-            <a:r>
-              <a:rPr lang="en-US" altLang="ko-KR" sz="1200" dirty="0"/>
-              <a:t>	&lt;span class="virtual-checkbox"&gt;&lt;/span&gt;</a:t>
-            </a:r>
-          </a:p>
-          <a:p>
-            <a:r>
-              <a:rPr lang="en-US" altLang="ko-KR" sz="1200" dirty="0"/>
-              <a:t>	&lt;span class="text"&gt;</a:t>
-            </a:r>
-            <a:r>
-              <a:rPr lang="ko-KR" altLang="en-US" sz="1200" dirty="0"/>
-              <a:t>체크박스 </a:t>
-            </a:r>
-            <a:r>
-              <a:rPr lang="en-US" altLang="ko-KR" sz="1200" dirty="0"/>
-              <a:t>large 2&lt;/span&gt;</a:t>
-            </a:r>
-          </a:p>
-          <a:p>
-            <a:r>
-              <a:rPr lang="en-US" altLang="ko-KR" sz="1200" dirty="0"/>
-              <a:t>&lt;/label&gt;</a:t>
+              <a:t>Large</a:t>
+            </a:r>
+            <a:endParaRPr lang="ko-KR" altLang="en-US" sz="1200" dirty="0"/>
+          </a:p>
+        </p:txBody>
+      </p:sp>
+      <p:sp>
+        <p:nvSpPr>
+          <p:cNvPr id="12" name="TextBox 11"/>
+          <p:cNvSpPr txBox="1"/>
+          <p:nvPr/>
+        </p:nvSpPr>
+        <p:spPr>
+          <a:xfrm>
+            <a:off x="4903678" y="1621806"/>
+            <a:ext cx="2409028" cy="646331"/>
+          </a:xfrm>
+          <a:prstGeom prst="rect">
+            <a:avLst/>
+          </a:prstGeom>
+          <a:noFill/>
+        </p:spPr>
+        <p:txBody>
+          <a:bodyPr wrap="square" rtlCol="0">
+            <a:spAutoFit/>
+          </a:bodyPr>
+          <a:lstStyle/>
+          <a:p>
+            <a:r>
+              <a:rPr lang="en-US" altLang="ko-KR" sz="1200" dirty="0" smtClean="0"/>
+              <a:t>w : 12px | h : 12px</a:t>
+            </a:r>
+          </a:p>
+          <a:p>
+            <a:r>
+              <a:rPr lang="en-US" altLang="ko-KR" sz="1200" dirty="0" smtClean="0"/>
+              <a:t>w : 16px | h : 16px</a:t>
+            </a:r>
+          </a:p>
+          <a:p>
+            <a:r>
+              <a:rPr lang="en-US" altLang="ko-KR" sz="1200" dirty="0" smtClean="0"/>
+              <a:t>w : 20px | h : 20px</a:t>
+            </a:r>
+            <a:endParaRPr lang="ko-KR" altLang="en-US" sz="1200" dirty="0"/>
+          </a:p>
+        </p:txBody>
+      </p:sp>
+      <p:sp>
+        <p:nvSpPr>
+          <p:cNvPr id="13" name="TextBox 12"/>
+          <p:cNvSpPr txBox="1"/>
+          <p:nvPr/>
+        </p:nvSpPr>
+        <p:spPr>
+          <a:xfrm>
+            <a:off x="4302668" y="2385415"/>
+            <a:ext cx="7040880" cy="276999"/>
+          </a:xfrm>
+          <a:prstGeom prst="rect">
+            <a:avLst/>
+          </a:prstGeom>
+          <a:noFill/>
+        </p:spPr>
+        <p:txBody>
+          <a:bodyPr wrap="square" rtlCol="0">
+            <a:spAutoFit/>
+          </a:bodyPr>
+          <a:lstStyle/>
+          <a:p>
+            <a:r>
+              <a:rPr lang="en-US" altLang="ko-KR" sz="1200" dirty="0" smtClean="0"/>
+              <a:t>Checkbox checked &amp; un checked : Fade in &lt;-&gt; fade out 0.3s Animation</a:t>
             </a:r>
             <a:endParaRPr lang="ko-KR" altLang="en-US" sz="1200" dirty="0"/>
           </a:p>
@@ -7736,7 +8338,7 @@
     </p:spTree>
     <p:extLst>
       <p:ext uri="{BB962C8B-B14F-4D97-AF65-F5344CB8AC3E}">
-        <p14:creationId xmlns:p14="http://schemas.microsoft.com/office/powerpoint/2010/main" val="69249909"/>
+        <p14:creationId xmlns:p14="http://schemas.microsoft.com/office/powerpoint/2010/main" val="3448259038"/>
       </p:ext>
     </p:extLst>
   </p:cSld>
@@ -7858,6 +8460,403 @@
           <a:p>
             <a:pPr algn="ctr"/>
             <a:r>
+              <a:rPr lang="en-US" altLang="ko-KR" dirty="0" smtClean="0"/>
+              <a:t>2. checkbox</a:t>
+            </a:r>
+            <a:endParaRPr lang="ko-KR" altLang="en-US" dirty="0"/>
+          </a:p>
+        </p:txBody>
+      </p:sp>
+      <p:sp>
+        <p:nvSpPr>
+          <p:cNvPr id="8" name="TextBox 7"/>
+          <p:cNvSpPr txBox="1"/>
+          <p:nvPr/>
+        </p:nvSpPr>
+        <p:spPr>
+          <a:xfrm>
+            <a:off x="224444" y="1175336"/>
+            <a:ext cx="4987636" cy="4524315"/>
+          </a:xfrm>
+          <a:prstGeom prst="rect">
+            <a:avLst/>
+          </a:prstGeom>
+          <a:noFill/>
+        </p:spPr>
+        <p:txBody>
+          <a:bodyPr wrap="square" rtlCol="0">
+            <a:spAutoFit/>
+          </a:bodyPr>
+          <a:lstStyle/>
+          <a:p>
+            <a:r>
+              <a:rPr lang="en-US" altLang="ko-KR" sz="1200" dirty="0" smtClean="0"/>
+              <a:t>========== </a:t>
+            </a:r>
+            <a:r>
+              <a:rPr lang="ko-KR" altLang="en-US" sz="1200" dirty="0" smtClean="0"/>
+              <a:t>이어서</a:t>
+            </a:r>
+            <a:r>
+              <a:rPr lang="en-US" altLang="ko-KR" sz="1200" dirty="0" smtClean="0"/>
+              <a:t> ==========</a:t>
+            </a:r>
+          </a:p>
+          <a:p>
+            <a:endParaRPr lang="en-US" altLang="ko-KR" sz="1200" dirty="0" smtClean="0"/>
+          </a:p>
+          <a:p>
+            <a:r>
+              <a:rPr lang="en-US" altLang="ko-KR" sz="1200" dirty="0" smtClean="0"/>
+              <a:t>&lt;</a:t>
+            </a:r>
+            <a:r>
+              <a:rPr lang="en-US" altLang="ko-KR" sz="1200" dirty="0"/>
+              <a:t>div&gt;&lt;strong&gt;middle&lt;/strong&gt;&lt;/div&gt;</a:t>
+            </a:r>
+          </a:p>
+          <a:p>
+            <a:r>
+              <a:rPr lang="en-US" altLang="ko-KR" sz="1200" dirty="0"/>
+              <a:t>&lt;label for="chk3" class="component-checkbox </a:t>
+            </a:r>
+            <a:r>
+              <a:rPr lang="en-US" altLang="ko-KR" sz="1200" dirty="0">
+                <a:solidFill>
+                  <a:schemeClr val="accent2">
+                    <a:lumMod val="75000"/>
+                  </a:schemeClr>
+                </a:solidFill>
+              </a:rPr>
+              <a:t>middle</a:t>
+            </a:r>
+            <a:r>
+              <a:rPr lang="en-US" altLang="ko-KR" sz="1200" dirty="0"/>
+              <a:t>"&gt;</a:t>
+            </a:r>
+          </a:p>
+          <a:p>
+            <a:r>
+              <a:rPr lang="en-US" altLang="ko-KR" sz="1200" dirty="0"/>
+              <a:t>	&lt;input type="checkbox" id="chk3"&gt;</a:t>
+            </a:r>
+          </a:p>
+          <a:p>
+            <a:r>
+              <a:rPr lang="en-US" altLang="ko-KR" sz="1200" dirty="0"/>
+              <a:t>	&lt;span class="virtual-checkbox"&gt;&lt;/span&gt;</a:t>
+            </a:r>
+          </a:p>
+          <a:p>
+            <a:r>
+              <a:rPr lang="en-US" altLang="ko-KR" sz="1200" dirty="0"/>
+              <a:t>	&lt;span class="text"&gt;</a:t>
+            </a:r>
+            <a:r>
+              <a:rPr lang="ko-KR" altLang="en-US" sz="1200" dirty="0"/>
+              <a:t>체크박스 </a:t>
+            </a:r>
+            <a:r>
+              <a:rPr lang="en-US" altLang="ko-KR" sz="1200" dirty="0"/>
+              <a:t>middle 1&lt;/span&gt;</a:t>
+            </a:r>
+          </a:p>
+          <a:p>
+            <a:r>
+              <a:rPr lang="en-US" altLang="ko-KR" sz="1200" dirty="0"/>
+              <a:t>&lt;/label&gt;</a:t>
+            </a:r>
+          </a:p>
+          <a:p>
+            <a:r>
+              <a:rPr lang="en-US" altLang="ko-KR" sz="1200" dirty="0"/>
+              <a:t>&lt;label for="chk4" class="component-checkbox </a:t>
+            </a:r>
+            <a:r>
+              <a:rPr lang="en-US" altLang="ko-KR" sz="1200" dirty="0">
+                <a:solidFill>
+                  <a:schemeClr val="accent2">
+                    <a:lumMod val="75000"/>
+                  </a:schemeClr>
+                </a:solidFill>
+              </a:rPr>
+              <a:t>middle</a:t>
+            </a:r>
+            <a:r>
+              <a:rPr lang="en-US" altLang="ko-KR" sz="1200" dirty="0"/>
+              <a:t>"&gt;</a:t>
+            </a:r>
+          </a:p>
+          <a:p>
+            <a:r>
+              <a:rPr lang="en-US" altLang="ko-KR" sz="1200" dirty="0"/>
+              <a:t>	&lt;input type="checkbox" id="chk4"&gt;</a:t>
+            </a:r>
+          </a:p>
+          <a:p>
+            <a:r>
+              <a:rPr lang="en-US" altLang="ko-KR" sz="1200" dirty="0"/>
+              <a:t>	&lt;span class="virtual-checkbox"&gt;&lt;/span&gt;</a:t>
+            </a:r>
+          </a:p>
+          <a:p>
+            <a:r>
+              <a:rPr lang="en-US" altLang="ko-KR" sz="1200" dirty="0"/>
+              <a:t>	&lt;span class="text"&gt;</a:t>
+            </a:r>
+            <a:r>
+              <a:rPr lang="ko-KR" altLang="en-US" sz="1200" dirty="0"/>
+              <a:t>체크박스 </a:t>
+            </a:r>
+            <a:r>
+              <a:rPr lang="en-US" altLang="ko-KR" sz="1200" dirty="0"/>
+              <a:t>middle 2&lt;/span&gt;</a:t>
+            </a:r>
+          </a:p>
+          <a:p>
+            <a:r>
+              <a:rPr lang="en-US" altLang="ko-KR" sz="1200" dirty="0"/>
+              <a:t>&lt;/label&gt;</a:t>
+            </a:r>
+          </a:p>
+          <a:p>
+            <a:r>
+              <a:rPr lang="en-US" altLang="ko-KR" sz="1200" dirty="0"/>
+              <a:t>&lt;div&gt;&lt;strong&gt;large&lt;/strong&gt;&lt;/div&gt;</a:t>
+            </a:r>
+          </a:p>
+          <a:p>
+            <a:r>
+              <a:rPr lang="en-US" altLang="ko-KR" sz="1200" dirty="0"/>
+              <a:t>&lt;label for="chk5" class="component-checkbox </a:t>
+            </a:r>
+            <a:r>
+              <a:rPr lang="en-US" altLang="ko-KR" sz="1200" dirty="0">
+                <a:solidFill>
+                  <a:schemeClr val="accent6">
+                    <a:lumMod val="75000"/>
+                  </a:schemeClr>
+                </a:solidFill>
+              </a:rPr>
+              <a:t>large</a:t>
+            </a:r>
+            <a:r>
+              <a:rPr lang="en-US" altLang="ko-KR" sz="1200" dirty="0"/>
+              <a:t>"&gt;</a:t>
+            </a:r>
+          </a:p>
+          <a:p>
+            <a:r>
+              <a:rPr lang="en-US" altLang="ko-KR" sz="1200" dirty="0"/>
+              <a:t>	&lt;input type="checkbox" id="chk5"&gt;</a:t>
+            </a:r>
+          </a:p>
+          <a:p>
+            <a:r>
+              <a:rPr lang="en-US" altLang="ko-KR" sz="1200" dirty="0"/>
+              <a:t>	&lt;span class="virtual-checkbox"&gt;&lt;/span&gt;</a:t>
+            </a:r>
+          </a:p>
+          <a:p>
+            <a:r>
+              <a:rPr lang="en-US" altLang="ko-KR" sz="1200" dirty="0"/>
+              <a:t>	&lt;span class="text"&gt;</a:t>
+            </a:r>
+            <a:r>
+              <a:rPr lang="ko-KR" altLang="en-US" sz="1200" dirty="0"/>
+              <a:t>체크박스 </a:t>
+            </a:r>
+            <a:r>
+              <a:rPr lang="en-US" altLang="ko-KR" sz="1200" dirty="0"/>
+              <a:t>large 1&lt;/span&gt;</a:t>
+            </a:r>
+          </a:p>
+          <a:p>
+            <a:r>
+              <a:rPr lang="en-US" altLang="ko-KR" sz="1200" dirty="0"/>
+              <a:t>&lt;/label&gt;</a:t>
+            </a:r>
+          </a:p>
+          <a:p>
+            <a:r>
+              <a:rPr lang="en-US" altLang="ko-KR" sz="1200" dirty="0"/>
+              <a:t>&lt;label for="chk6" class="component-checkbox </a:t>
+            </a:r>
+            <a:r>
+              <a:rPr lang="en-US" altLang="ko-KR" sz="1200" dirty="0">
+                <a:solidFill>
+                  <a:schemeClr val="accent6">
+                    <a:lumMod val="75000"/>
+                  </a:schemeClr>
+                </a:solidFill>
+              </a:rPr>
+              <a:t>large</a:t>
+            </a:r>
+            <a:r>
+              <a:rPr lang="en-US" altLang="ko-KR" sz="1200" dirty="0"/>
+              <a:t>"&gt;</a:t>
+            </a:r>
+          </a:p>
+          <a:p>
+            <a:r>
+              <a:rPr lang="en-US" altLang="ko-KR" sz="1200" dirty="0"/>
+              <a:t>	&lt;input type="checkbox" id="chk6"&gt;</a:t>
+            </a:r>
+          </a:p>
+          <a:p>
+            <a:r>
+              <a:rPr lang="en-US" altLang="ko-KR" sz="1200" dirty="0"/>
+              <a:t>	&lt;span class="virtual-checkbox"&gt;&lt;/span&gt;</a:t>
+            </a:r>
+          </a:p>
+          <a:p>
+            <a:r>
+              <a:rPr lang="en-US" altLang="ko-KR" sz="1200" dirty="0"/>
+              <a:t>	&lt;span class="text"&gt;</a:t>
+            </a:r>
+            <a:r>
+              <a:rPr lang="ko-KR" altLang="en-US" sz="1200" dirty="0"/>
+              <a:t>체크박스 </a:t>
+            </a:r>
+            <a:r>
+              <a:rPr lang="en-US" altLang="ko-KR" sz="1200" dirty="0"/>
+              <a:t>large 2&lt;/span&gt;</a:t>
+            </a:r>
+          </a:p>
+          <a:p>
+            <a:r>
+              <a:rPr lang="en-US" altLang="ko-KR" sz="1200" dirty="0"/>
+              <a:t>&lt;/label&gt;</a:t>
+            </a:r>
+            <a:endParaRPr lang="ko-KR" altLang="en-US" sz="1200" dirty="0"/>
+          </a:p>
+        </p:txBody>
+      </p:sp>
+    </p:spTree>
+    <p:extLst>
+      <p:ext uri="{BB962C8B-B14F-4D97-AF65-F5344CB8AC3E}">
+        <p14:creationId xmlns:p14="http://schemas.microsoft.com/office/powerpoint/2010/main" val="69249909"/>
+      </p:ext>
+    </p:extLst>
+  </p:cSld>
+  <p:clrMapOvr>
+    <a:masterClrMapping/>
+  </p:clrMapOvr>
+  <p:timing>
+    <p:tnLst>
+      <p:par>
+        <p:cTn id="1" dur="indefinite" restart="never" nodeType="tmRoot"/>
+      </p:par>
+    </p:tnLst>
+  </p:timing>
+</p:sld>
+</file>
+
+<file path=ppt/slides/slide16.xml><?xml version="1.0" encoding="utf-8"?>
+<p:sld xmlns:a="http://schemas.openxmlformats.org/drawingml/2006/main" xmlns:r="http://schemas.openxmlformats.org/officeDocument/2006/relationships" xmlns:p="http://schemas.openxmlformats.org/presentationml/2006/main">
+  <p:cSld>
+    <p:spTree>
+      <p:nvGrpSpPr>
+        <p:cNvPr id="1" name=""/>
+        <p:cNvGrpSpPr/>
+        <p:nvPr/>
+      </p:nvGrpSpPr>
+      <p:grpSpPr>
+        <a:xfrm>
+          <a:off x="0" y="0"/>
+          <a:ext cx="0" cy="0"/>
+          <a:chOff x="0" y="0"/>
+          <a:chExt cx="0" cy="0"/>
+        </a:xfrm>
+      </p:grpSpPr>
+      <p:sp>
+        <p:nvSpPr>
+          <p:cNvPr id="3" name="직사각형 2"/>
+          <p:cNvSpPr/>
+          <p:nvPr/>
+        </p:nvSpPr>
+        <p:spPr>
+          <a:xfrm>
+            <a:off x="224444" y="142600"/>
+            <a:ext cx="11712632" cy="346272"/>
+          </a:xfrm>
+          <a:prstGeom prst="rect">
+            <a:avLst/>
+          </a:prstGeom>
+          <a:solidFill>
+            <a:schemeClr val="accent5">
+              <a:lumMod val="50000"/>
+            </a:schemeClr>
+          </a:solidFill>
+          <a:ln>
+            <a:noFill/>
+          </a:ln>
+        </p:spPr>
+        <p:style>
+          <a:lnRef idx="2">
+            <a:schemeClr val="accent1">
+              <a:shade val="50000"/>
+            </a:schemeClr>
+          </a:lnRef>
+          <a:fillRef idx="1">
+            <a:schemeClr val="accent1"/>
+          </a:fillRef>
+          <a:effectRef idx="0">
+            <a:schemeClr val="accent1"/>
+          </a:effectRef>
+          <a:fontRef idx="minor">
+            <a:schemeClr val="lt1"/>
+          </a:fontRef>
+        </p:style>
+        <p:txBody>
+          <a:bodyPr rtlCol="0" anchor="ctr"/>
+          <a:lstStyle/>
+          <a:p>
+            <a:r>
+              <a:rPr lang="en-US" altLang="ko-KR" sz="1600" dirty="0" smtClean="0"/>
+              <a:t>Custom component</a:t>
+            </a:r>
+            <a:endParaRPr lang="ko-KR" altLang="en-US" sz="1600" dirty="0"/>
+          </a:p>
+        </p:txBody>
+      </p:sp>
+      <p:sp>
+        <p:nvSpPr>
+          <p:cNvPr id="4" name="직사각형 3"/>
+          <p:cNvSpPr/>
+          <p:nvPr/>
+        </p:nvSpPr>
+        <p:spPr>
+          <a:xfrm>
+            <a:off x="224444" y="667512"/>
+            <a:ext cx="11712632" cy="329184"/>
+          </a:xfrm>
+          <a:prstGeom prst="rect">
+            <a:avLst/>
+          </a:prstGeom>
+        </p:spPr>
+        <p:style>
+          <a:lnRef idx="2">
+            <a:schemeClr val="accent1">
+              <a:shade val="50000"/>
+            </a:schemeClr>
+          </a:lnRef>
+          <a:fillRef idx="1">
+            <a:schemeClr val="accent1"/>
+          </a:fillRef>
+          <a:effectRef idx="0">
+            <a:schemeClr val="accent1"/>
+          </a:effectRef>
+          <a:fontRef idx="minor">
+            <a:schemeClr val="lt1"/>
+          </a:fontRef>
+        </p:style>
+        <p:txBody>
+          <a:bodyPr rtlCol="0" anchor="ctr"/>
+          <a:lstStyle/>
+          <a:p>
+            <a:pPr algn="ctr"/>
+            <a:r>
               <a:rPr lang="en-US" altLang="ko-KR" dirty="0"/>
               <a:t>3</a:t>
             </a:r>
@@ -8078,7 +9077,7 @@
           <a:graphicData uri="http://schemas.openxmlformats.org/presentationml/2006/ole">
             <mc:AlternateContent xmlns:mc="http://schemas.openxmlformats.org/markup-compatibility/2006">
               <mc:Choice xmlns:v="urn:schemas-microsoft-com:vml" Requires="v">
-                <p:oleObj spid="_x0000_s5170" name="Image" r:id="rId3" imgW="3682440" imgH="1764720" progId="Photoshop.Image.18">
+                <p:oleObj spid="_x0000_s5174" name="Image" r:id="rId3" imgW="3682440" imgH="1764720" progId="Photoshop.Image.18">
                   <p:embed/>
                 </p:oleObj>
               </mc:Choice>
@@ -8276,7 +9275,7 @@
 </p:sld>
 </file>
 
-<file path=ppt/slides/slide16.xml><?xml version="1.0" encoding="utf-8"?>
+<file path=ppt/slides/slide17.xml><?xml version="1.0" encoding="utf-8"?>
 <p:sld xmlns:a="http://schemas.openxmlformats.org/drawingml/2006/main" xmlns:r="http://schemas.openxmlformats.org/officeDocument/2006/relationships" xmlns:p="http://schemas.openxmlformats.org/presentationml/2006/main">
   <p:cSld>
     <p:spTree>
@@ -10393,7 +11392,7 @@
           <a:graphicData uri="http://schemas.openxmlformats.org/presentationml/2006/ole">
             <mc:AlternateContent xmlns:mc="http://schemas.openxmlformats.org/markup-compatibility/2006">
               <mc:Choice xmlns:v="urn:schemas-microsoft-com:vml" Requires="v">
-                <p:oleObj spid="_x0000_s1098" name="Image" r:id="rId3" imgW="17879040" imgH="977760" progId="Photoshop.Image.18">
+                <p:oleObj spid="_x0000_s1102" name="Image" r:id="rId3" imgW="17879040" imgH="977760" progId="Photoshop.Image.18">
                   <p:embed/>
                 </p:oleObj>
               </mc:Choice>
@@ -13535,7 +14534,7 @@
           <a:graphicData uri="http://schemas.openxmlformats.org/presentationml/2006/ole">
             <mc:AlternateContent xmlns:mc="http://schemas.openxmlformats.org/markup-compatibility/2006">
               <mc:Choice xmlns:v="urn:schemas-microsoft-com:vml" Requires="v">
-                <p:oleObj spid="_x0000_s18445" name="Image" r:id="rId3" imgW="7187040" imgH="1523520" progId="Photoshop.Image.18">
+                <p:oleObj spid="_x0000_s18449" name="Image" r:id="rId3" imgW="7187040" imgH="1523520" progId="Photoshop.Image.18">
                   <p:embed/>
                 </p:oleObj>
               </mc:Choice>
@@ -13918,7 +14917,15 @@
                   <a:schemeClr val="tx1"/>
                 </a:solidFill>
               </a:rPr>
-              <a:t> </a:t>
+              <a:t> &gt; .</a:t>
+            </a:r>
+            <a:r>
+              <a:rPr lang="en-US" altLang="ko-KR" sz="1200" dirty="0" err="1" smtClean="0">
+                <a:solidFill>
+                  <a:schemeClr val="tx1"/>
+                </a:solidFill>
+              </a:rPr>
+              <a:t>navbar</a:t>
             </a:r>
             <a:r>
               <a:rPr lang="en-US" altLang="ko-KR" sz="1200" dirty="0" smtClean="0">
@@ -13926,39 +14933,7 @@
                   <a:schemeClr val="tx1"/>
                 </a:solidFill>
               </a:rPr>
-              <a:t>&gt; </a:t>
-            </a:r>
-            <a:r>
-              <a:rPr lang="en-US" altLang="ko-KR" sz="1200" dirty="0" smtClean="0">
-                <a:solidFill>
-                  <a:schemeClr val="tx1"/>
-                </a:solidFill>
-              </a:rPr>
-              <a:t>.</a:t>
-            </a:r>
-            <a:r>
-              <a:rPr lang="en-US" altLang="ko-KR" sz="1200" dirty="0" err="1" smtClean="0">
-                <a:solidFill>
-                  <a:schemeClr val="tx1"/>
-                </a:solidFill>
-              </a:rPr>
-              <a:t>navbar</a:t>
-            </a:r>
-            <a:r>
-              <a:rPr lang="en-US" altLang="ko-KR" sz="1200" dirty="0" smtClean="0">
-                <a:solidFill>
-                  <a:schemeClr val="tx1"/>
-                </a:solidFill>
-              </a:rPr>
-              <a:t>-collapse </a:t>
-            </a:r>
-            <a:r>
-              <a:rPr lang="en-US" altLang="ko-KR" sz="1200" dirty="0" smtClean="0">
-                <a:solidFill>
-                  <a:schemeClr val="tx1"/>
-                </a:solidFill>
-              </a:rPr>
-              <a:t>&gt; </a:t>
+              <a:t>-collapse &gt; </a:t>
             </a:r>
             <a:r>
               <a:rPr lang="en-US" altLang="ko-KR" sz="1200" dirty="0" err="1" smtClean="0">
@@ -14095,11 +15070,7 @@
             </a:r>
             <a:r>
               <a:rPr lang="en-US" altLang="ko-KR" sz="1600" dirty="0" smtClean="0"/>
-              <a:t>(PC) </a:t>
-            </a:r>
-            <a:r>
-              <a:rPr lang="en-US" altLang="ko-KR" sz="1600" dirty="0" smtClean="0"/>
-              <a:t>-</a:t>
+              <a:t>(PC) -</a:t>
             </a:r>
             <a:r>
               <a:rPr lang="ko-KR" altLang="en-US" sz="1600" dirty="0" err="1" smtClean="0"/>
@@ -15794,6 +16765,1279 @@
           <a:chExt cx="0" cy="0"/>
         </a:xfrm>
       </p:grpSpPr>
+      <p:sp>
+        <p:nvSpPr>
+          <p:cNvPr id="3" name="직사각형 2"/>
+          <p:cNvSpPr/>
+          <p:nvPr/>
+        </p:nvSpPr>
+        <p:spPr>
+          <a:xfrm>
+            <a:off x="224444" y="142600"/>
+            <a:ext cx="11712632" cy="346272"/>
+          </a:xfrm>
+          <a:prstGeom prst="rect">
+            <a:avLst/>
+          </a:prstGeom>
+          <a:solidFill>
+            <a:schemeClr val="accent5">
+              <a:lumMod val="50000"/>
+            </a:schemeClr>
+          </a:solidFill>
+          <a:ln>
+            <a:noFill/>
+          </a:ln>
+        </p:spPr>
+        <p:style>
+          <a:lnRef idx="2">
+            <a:schemeClr val="accent1">
+              <a:shade val="50000"/>
+            </a:schemeClr>
+          </a:lnRef>
+          <a:fillRef idx="1">
+            <a:schemeClr val="accent1"/>
+          </a:fillRef>
+          <a:effectRef idx="0">
+            <a:schemeClr val="accent1"/>
+          </a:effectRef>
+          <a:fontRef idx="minor">
+            <a:schemeClr val="lt1"/>
+          </a:fontRef>
+        </p:style>
+        <p:txBody>
+          <a:bodyPr rtlCol="0" anchor="ctr"/>
+          <a:lstStyle/>
+          <a:p>
+            <a:r>
+              <a:rPr lang="ko-KR" altLang="en-US" sz="1600" dirty="0" err="1" smtClean="0"/>
+              <a:t>메인화면</a:t>
+            </a:r>
+            <a:r>
+              <a:rPr lang="ko-KR" altLang="en-US" sz="1600" dirty="0" smtClean="0"/>
+              <a:t> </a:t>
+            </a:r>
+            <a:r>
+              <a:rPr lang="en-US" altLang="ko-KR" sz="1600" dirty="0" smtClean="0"/>
+              <a:t>– </a:t>
+            </a:r>
+            <a:r>
+              <a:rPr lang="ko-KR" altLang="en-US" sz="1600" dirty="0" smtClean="0"/>
+              <a:t>로그인 전</a:t>
+            </a:r>
+            <a:endParaRPr lang="ko-KR" altLang="en-US" sz="1600" dirty="0"/>
+          </a:p>
+        </p:txBody>
+      </p:sp>
+      <p:graphicFrame>
+        <p:nvGraphicFramePr>
+          <p:cNvPr id="2" name="개체 1"/>
+          <p:cNvGraphicFramePr>
+            <a:graphicFrameLocks noChangeAspect="1"/>
+          </p:cNvGraphicFramePr>
+          <p:nvPr>
+            <p:extLst>
+              <p:ext uri="{D42A27DB-BD31-4B8C-83A1-F6EECF244321}">
+                <p14:modId xmlns:p14="http://schemas.microsoft.com/office/powerpoint/2010/main" val="3468342764"/>
+              </p:ext>
+            </p:extLst>
+          </p:nvPr>
+        </p:nvGraphicFramePr>
+        <p:xfrm>
+          <a:off x="308610" y="588582"/>
+          <a:ext cx="11544300" cy="2952750"/>
+        </p:xfrm>
+        <a:graphic>
+          <a:graphicData uri="http://schemas.openxmlformats.org/presentationml/2006/ole">
+            <mc:AlternateContent xmlns:mc="http://schemas.openxmlformats.org/markup-compatibility/2006">
+              <mc:Choice xmlns:v="urn:schemas-microsoft-com:vml" Requires="v">
+                <p:oleObj spid="_x0000_s19465" name="Image" r:id="rId3" imgW="15250680" imgH="3898080" progId="Photoshop.Image.18">
+                  <p:embed/>
+                </p:oleObj>
+              </mc:Choice>
+              <mc:Fallback>
+                <p:oleObj name="Image" r:id="rId3" imgW="15250680" imgH="3898080" progId="Photoshop.Image.18">
+                  <p:embed/>
+                  <p:pic>
+                    <p:nvPicPr>
+                      <p:cNvPr id="0" name=""/>
+                      <p:cNvPicPr/>
+                      <p:nvPr/>
+                    </p:nvPicPr>
+                    <p:blipFill>
+                      <a:blip r:embed="rId4"/>
+                      <a:stretch>
+                        <a:fillRect/>
+                      </a:stretch>
+                    </p:blipFill>
+                    <p:spPr>
+                      <a:xfrm>
+                        <a:off x="308610" y="588582"/>
+                        <a:ext cx="11544300" cy="2952750"/>
+                      </a:xfrm>
+                      <a:prstGeom prst="rect">
+                        <a:avLst/>
+                      </a:prstGeom>
+                      <a:solidFill>
+                        <a:schemeClr val="bg1"/>
+                      </a:solidFill>
+                      <a:ln>
+                        <a:solidFill>
+                          <a:schemeClr val="tx1">
+                            <a:lumMod val="95000"/>
+                            <a:lumOff val="5000"/>
+                          </a:schemeClr>
+                        </a:solidFill>
+                      </a:ln>
+                    </p:spPr>
+                  </p:pic>
+                </p:oleObj>
+              </mc:Fallback>
+            </mc:AlternateContent>
+          </a:graphicData>
+        </a:graphic>
+      </p:graphicFrame>
+      <p:sp>
+        <p:nvSpPr>
+          <p:cNvPr id="14" name="직사각형 13"/>
+          <p:cNvSpPr/>
+          <p:nvPr/>
+        </p:nvSpPr>
+        <p:spPr>
+          <a:xfrm>
+            <a:off x="308609" y="3810318"/>
+            <a:ext cx="4727779" cy="734250"/>
+          </a:xfrm>
+          <a:prstGeom prst="rect">
+            <a:avLst/>
+          </a:prstGeom>
+          <a:solidFill>
+            <a:schemeClr val="bg1"/>
+          </a:solidFill>
+          <a:ln w="28575">
+            <a:solidFill>
+              <a:srgbClr val="C00000"/>
+            </a:solidFill>
+            <a:prstDash val="solid"/>
+          </a:ln>
+        </p:spPr>
+        <p:style>
+          <a:lnRef idx="2">
+            <a:schemeClr val="accent1">
+              <a:shade val="50000"/>
+            </a:schemeClr>
+          </a:lnRef>
+          <a:fillRef idx="1">
+            <a:schemeClr val="accent1"/>
+          </a:fillRef>
+          <a:effectRef idx="0">
+            <a:schemeClr val="accent1"/>
+          </a:effectRef>
+          <a:fontRef idx="minor">
+            <a:schemeClr val="lt1"/>
+          </a:fontRef>
+        </p:style>
+        <p:txBody>
+          <a:bodyPr rtlCol="0" anchor="ctr"/>
+          <a:lstStyle/>
+          <a:p>
+            <a:r>
+              <a:rPr lang="ko-KR" altLang="en-US" sz="1200" dirty="0" smtClean="0">
+                <a:solidFill>
+                  <a:schemeClr val="tx1"/>
+                </a:solidFill>
+              </a:rPr>
+              <a:t>문구 변경</a:t>
+            </a:r>
+            <a:endParaRPr lang="en-US" altLang="ko-KR" sz="1200" dirty="0" smtClean="0">
+              <a:solidFill>
+                <a:schemeClr val="tx1"/>
+              </a:solidFill>
+            </a:endParaRPr>
+          </a:p>
+          <a:p>
+            <a:endParaRPr lang="en-US" altLang="ko-KR" sz="1200" dirty="0">
+              <a:solidFill>
+                <a:schemeClr val="tx1"/>
+              </a:solidFill>
+            </a:endParaRPr>
+          </a:p>
+          <a:p>
+            <a:r>
+              <a:rPr lang="en-US" altLang="ko-KR" sz="1200" dirty="0">
+                <a:solidFill>
+                  <a:schemeClr val="tx1"/>
+                </a:solidFill>
+              </a:rPr>
+              <a:t>.m-main-wrap &gt; .mobile-main-slide-wrap &gt; </a:t>
+            </a:r>
+            <a:r>
+              <a:rPr lang="en-US" altLang="ko-KR" sz="1200" dirty="0" smtClean="0">
+                <a:solidFill>
+                  <a:schemeClr val="tx1"/>
+                </a:solidFill>
+              </a:rPr>
+              <a:t>h2.pc-main-title</a:t>
+            </a:r>
+          </a:p>
+        </p:txBody>
+      </p:sp>
+      <p:sp>
+        <p:nvSpPr>
+          <p:cNvPr id="15" name="직사각형 14"/>
+          <p:cNvSpPr/>
+          <p:nvPr/>
+        </p:nvSpPr>
+        <p:spPr>
+          <a:xfrm>
+            <a:off x="4203822" y="756186"/>
+            <a:ext cx="3961769" cy="770861"/>
+          </a:xfrm>
+          <a:prstGeom prst="rect">
+            <a:avLst/>
+          </a:prstGeom>
+          <a:noFill/>
+          <a:ln w="28575">
+            <a:solidFill>
+              <a:srgbClr val="C00000"/>
+            </a:solidFill>
+          </a:ln>
+        </p:spPr>
+        <p:style>
+          <a:lnRef idx="2">
+            <a:schemeClr val="accent1">
+              <a:shade val="50000"/>
+            </a:schemeClr>
+          </a:lnRef>
+          <a:fillRef idx="1">
+            <a:schemeClr val="accent1"/>
+          </a:fillRef>
+          <a:effectRef idx="0">
+            <a:schemeClr val="accent1"/>
+          </a:effectRef>
+          <a:fontRef idx="minor">
+            <a:schemeClr val="lt1"/>
+          </a:fontRef>
+        </p:style>
+        <p:txBody>
+          <a:bodyPr rtlCol="0" anchor="ctr"/>
+          <a:lstStyle/>
+          <a:p>
+            <a:pPr algn="ctr"/>
+            <a:endParaRPr lang="ko-KR" altLang="en-US" dirty="0"/>
+          </a:p>
+        </p:txBody>
+      </p:sp>
+      <p:cxnSp>
+        <p:nvCxnSpPr>
+          <p:cNvPr id="17" name="꺾인 연결선 16"/>
+          <p:cNvCxnSpPr>
+            <a:stCxn id="15" idx="1"/>
+            <a:endCxn id="14" idx="1"/>
+          </p:cNvCxnSpPr>
+          <p:nvPr/>
+        </p:nvCxnSpPr>
+        <p:spPr>
+          <a:xfrm rot="10800000" flipV="1">
+            <a:off x="308610" y="1141617"/>
+            <a:ext cx="3895213" cy="3035826"/>
+          </a:xfrm>
+          <a:prstGeom prst="bentConnector3">
+            <a:avLst>
+              <a:gd name="adj1" fmla="val 105869"/>
+            </a:avLst>
+          </a:prstGeom>
+          <a:ln w="28575">
+            <a:solidFill>
+              <a:srgbClr val="C00000"/>
+            </a:solidFill>
+            <a:prstDash val="solid"/>
+          </a:ln>
+        </p:spPr>
+        <p:style>
+          <a:lnRef idx="1">
+            <a:schemeClr val="accent1"/>
+          </a:lnRef>
+          <a:fillRef idx="0">
+            <a:schemeClr val="accent1"/>
+          </a:fillRef>
+          <a:effectRef idx="0">
+            <a:schemeClr val="accent1"/>
+          </a:effectRef>
+          <a:fontRef idx="minor">
+            <a:schemeClr val="tx1"/>
+          </a:fontRef>
+        </p:style>
+      </p:cxnSp>
+      <p:sp>
+        <p:nvSpPr>
+          <p:cNvPr id="21" name="직사각형 20"/>
+          <p:cNvSpPr/>
+          <p:nvPr/>
+        </p:nvSpPr>
+        <p:spPr>
+          <a:xfrm>
+            <a:off x="1640454" y="1763328"/>
+            <a:ext cx="9048882" cy="943296"/>
+          </a:xfrm>
+          <a:prstGeom prst="rect">
+            <a:avLst/>
+          </a:prstGeom>
+          <a:noFill/>
+          <a:ln w="28575">
+            <a:solidFill>
+              <a:schemeClr val="accent4">
+                <a:lumMod val="75000"/>
+              </a:schemeClr>
+            </a:solidFill>
+          </a:ln>
+        </p:spPr>
+        <p:style>
+          <a:lnRef idx="2">
+            <a:schemeClr val="accent1">
+              <a:shade val="50000"/>
+            </a:schemeClr>
+          </a:lnRef>
+          <a:fillRef idx="1">
+            <a:schemeClr val="accent1"/>
+          </a:fillRef>
+          <a:effectRef idx="0">
+            <a:schemeClr val="accent1"/>
+          </a:effectRef>
+          <a:fontRef idx="minor">
+            <a:schemeClr val="lt1"/>
+          </a:fontRef>
+        </p:style>
+        <p:txBody>
+          <a:bodyPr rtlCol="0" anchor="ctr"/>
+          <a:lstStyle/>
+          <a:p>
+            <a:pPr algn="ctr"/>
+            <a:endParaRPr lang="ko-KR" altLang="en-US" dirty="0"/>
+          </a:p>
+        </p:txBody>
+      </p:sp>
+      <p:sp>
+        <p:nvSpPr>
+          <p:cNvPr id="23" name="직사각형 22"/>
+          <p:cNvSpPr/>
+          <p:nvPr/>
+        </p:nvSpPr>
+        <p:spPr>
+          <a:xfrm>
+            <a:off x="5596127" y="4016739"/>
+            <a:ext cx="6141023" cy="2491354"/>
+          </a:xfrm>
+          <a:prstGeom prst="rect">
+            <a:avLst/>
+          </a:prstGeom>
+          <a:solidFill>
+            <a:schemeClr val="bg1"/>
+          </a:solidFill>
+          <a:ln w="28575">
+            <a:solidFill>
+              <a:schemeClr val="accent4">
+                <a:lumMod val="75000"/>
+              </a:schemeClr>
+            </a:solidFill>
+            <a:prstDash val="solid"/>
+          </a:ln>
+        </p:spPr>
+        <p:style>
+          <a:lnRef idx="2">
+            <a:schemeClr val="accent1">
+              <a:shade val="50000"/>
+            </a:schemeClr>
+          </a:lnRef>
+          <a:fillRef idx="1">
+            <a:schemeClr val="accent1"/>
+          </a:fillRef>
+          <a:effectRef idx="0">
+            <a:schemeClr val="accent1"/>
+          </a:effectRef>
+          <a:fontRef idx="minor">
+            <a:schemeClr val="lt1"/>
+          </a:fontRef>
+        </p:style>
+        <p:txBody>
+          <a:bodyPr rtlCol="0" anchor="ctr"/>
+          <a:lstStyle/>
+          <a:p>
+            <a:r>
+              <a:rPr lang="ko-KR" altLang="en-US" sz="1200" dirty="0" smtClean="0">
+                <a:solidFill>
+                  <a:schemeClr val="tx1"/>
+                </a:solidFill>
+              </a:rPr>
+              <a:t>아이콘 변경</a:t>
+            </a:r>
+            <a:endParaRPr lang="en-US" altLang="ko-KR" sz="1200" dirty="0" smtClean="0">
+              <a:solidFill>
+                <a:schemeClr val="tx1"/>
+              </a:solidFill>
+            </a:endParaRPr>
+          </a:p>
+          <a:p>
+            <a:endParaRPr lang="en-US" altLang="ko-KR" sz="1200" dirty="0" smtClean="0">
+              <a:solidFill>
+                <a:schemeClr val="tx1"/>
+              </a:solidFill>
+            </a:endParaRPr>
+          </a:p>
+          <a:p>
+            <a:r>
+              <a:rPr lang="en-US" altLang="ko-KR" sz="1200" dirty="0" smtClean="0">
+                <a:solidFill>
+                  <a:schemeClr val="tx1"/>
+                </a:solidFill>
+              </a:rPr>
+              <a:t>File : main.css</a:t>
+            </a:r>
+            <a:endParaRPr lang="en-US" altLang="ko-KR" sz="1200" dirty="0" smtClean="0">
+              <a:solidFill>
+                <a:schemeClr val="tx1"/>
+              </a:solidFill>
+            </a:endParaRPr>
+          </a:p>
+          <a:p>
+            <a:r>
+              <a:rPr lang="en-US" altLang="ko-KR" sz="1200" dirty="0" smtClean="0">
+                <a:solidFill>
+                  <a:schemeClr val="tx1"/>
+                </a:solidFill>
+              </a:rPr>
+              <a:t>1. .</a:t>
+            </a:r>
+            <a:r>
+              <a:rPr lang="en-US" altLang="ko-KR" sz="1200" dirty="0" err="1" smtClean="0">
+                <a:solidFill>
+                  <a:schemeClr val="tx1"/>
+                </a:solidFill>
+              </a:rPr>
+              <a:t>ico</a:t>
+            </a:r>
+            <a:r>
+              <a:rPr lang="en-US" altLang="ko-KR" sz="1200" dirty="0" smtClean="0">
+                <a:solidFill>
+                  <a:schemeClr val="tx1"/>
+                </a:solidFill>
+              </a:rPr>
+              <a:t>-bitcoin-pc</a:t>
+            </a:r>
+            <a:endParaRPr lang="en-US" altLang="ko-KR" sz="1200" dirty="0">
+              <a:solidFill>
+                <a:schemeClr val="tx1"/>
+              </a:solidFill>
+            </a:endParaRPr>
+          </a:p>
+          <a:p>
+            <a:r>
+              <a:rPr lang="en-US" altLang="ko-KR" sz="1200" dirty="0" smtClean="0">
+                <a:solidFill>
+                  <a:schemeClr val="tx1"/>
+                </a:solidFill>
+              </a:rPr>
+              <a:t>    background</a:t>
+            </a:r>
+            <a:r>
+              <a:rPr lang="en-US" altLang="ko-KR" sz="1200" dirty="0">
+                <a:solidFill>
+                  <a:schemeClr val="tx1"/>
+                </a:solidFill>
+              </a:rPr>
+              <a:t>: </a:t>
+            </a:r>
+            <a:r>
+              <a:rPr lang="en-US" altLang="ko-KR" sz="1200" dirty="0" err="1">
+                <a:solidFill>
+                  <a:schemeClr val="tx1"/>
+                </a:solidFill>
+              </a:rPr>
+              <a:t>url</a:t>
+            </a:r>
+            <a:r>
+              <a:rPr lang="en-US" altLang="ko-KR" sz="1200" dirty="0">
+                <a:solidFill>
+                  <a:schemeClr val="tx1"/>
+                </a:solidFill>
+              </a:rPr>
+              <a:t>(</a:t>
+            </a:r>
+            <a:r>
+              <a:rPr lang="en-US" altLang="ko-KR" sz="1200" dirty="0">
+                <a:solidFill>
+                  <a:srgbClr val="C00000"/>
+                </a:solidFill>
+              </a:rPr>
+              <a:t>../</a:t>
+            </a:r>
+            <a:r>
+              <a:rPr lang="en-US" altLang="ko-KR" sz="1200" dirty="0" err="1">
+                <a:solidFill>
+                  <a:srgbClr val="C00000"/>
+                </a:solidFill>
+              </a:rPr>
+              <a:t>img</a:t>
+            </a:r>
+            <a:r>
+              <a:rPr lang="en-US" altLang="ko-KR" sz="1200" dirty="0">
+                <a:solidFill>
+                  <a:srgbClr val="C00000"/>
+                </a:solidFill>
+              </a:rPr>
+              <a:t>/common/ico_bitcoin_mobile.png</a:t>
+            </a:r>
+            <a:r>
+              <a:rPr lang="en-US" altLang="ko-KR" sz="1200" dirty="0">
+                <a:solidFill>
+                  <a:schemeClr val="tx1"/>
+                </a:solidFill>
+              </a:rPr>
+              <a:t>) no-repeat 25px 0px</a:t>
+            </a:r>
+          </a:p>
+          <a:p>
+            <a:r>
+              <a:rPr lang="en-US" altLang="ko-KR" sz="1200" dirty="0" smtClean="0">
+                <a:solidFill>
+                  <a:schemeClr val="tx1"/>
+                </a:solidFill>
+              </a:rPr>
+              <a:t>2. .</a:t>
+            </a:r>
+            <a:r>
+              <a:rPr lang="en-US" altLang="ko-KR" sz="1200" dirty="0" err="1" smtClean="0">
+                <a:solidFill>
+                  <a:schemeClr val="tx1"/>
+                </a:solidFill>
+              </a:rPr>
+              <a:t>ico</a:t>
+            </a:r>
+            <a:r>
+              <a:rPr lang="en-US" altLang="ko-KR" sz="1200" dirty="0" smtClean="0">
+                <a:solidFill>
+                  <a:schemeClr val="tx1"/>
+                </a:solidFill>
+              </a:rPr>
+              <a:t>-</a:t>
+            </a:r>
+            <a:r>
+              <a:rPr lang="en-US" altLang="ko-KR" sz="1200" dirty="0" err="1" smtClean="0">
+                <a:solidFill>
+                  <a:schemeClr val="tx1"/>
+                </a:solidFill>
+              </a:rPr>
+              <a:t>blockchain</a:t>
+            </a:r>
+            <a:r>
+              <a:rPr lang="en-US" altLang="ko-KR" sz="1200" dirty="0" smtClean="0">
+                <a:solidFill>
+                  <a:schemeClr val="tx1"/>
+                </a:solidFill>
+              </a:rPr>
+              <a:t>-pc</a:t>
+            </a:r>
+            <a:endParaRPr lang="en-US" altLang="ko-KR" sz="1200" dirty="0">
+              <a:solidFill>
+                <a:schemeClr val="tx1"/>
+              </a:solidFill>
+            </a:endParaRPr>
+          </a:p>
+          <a:p>
+            <a:r>
+              <a:rPr lang="en-US" altLang="ko-KR" sz="1200" dirty="0" smtClean="0">
+                <a:solidFill>
+                  <a:schemeClr val="tx1"/>
+                </a:solidFill>
+              </a:rPr>
+              <a:t>    background</a:t>
+            </a:r>
+            <a:r>
+              <a:rPr lang="en-US" altLang="ko-KR" sz="1200" dirty="0">
+                <a:solidFill>
+                  <a:schemeClr val="tx1"/>
+                </a:solidFill>
+              </a:rPr>
+              <a:t>: </a:t>
+            </a:r>
+            <a:r>
+              <a:rPr lang="en-US" altLang="ko-KR" sz="1200" dirty="0" err="1">
+                <a:solidFill>
+                  <a:schemeClr val="tx1"/>
+                </a:solidFill>
+              </a:rPr>
+              <a:t>url</a:t>
+            </a:r>
+            <a:r>
+              <a:rPr lang="en-US" altLang="ko-KR" sz="1200" dirty="0">
+                <a:solidFill>
+                  <a:schemeClr val="tx1"/>
+                </a:solidFill>
+              </a:rPr>
+              <a:t>(</a:t>
+            </a:r>
+            <a:r>
+              <a:rPr lang="en-US" altLang="ko-KR" sz="1200" dirty="0">
+                <a:solidFill>
+                  <a:srgbClr val="C00000"/>
+                </a:solidFill>
+              </a:rPr>
+              <a:t>../</a:t>
+            </a:r>
+            <a:r>
+              <a:rPr lang="en-US" altLang="ko-KR" sz="1200" dirty="0" err="1">
+                <a:solidFill>
+                  <a:srgbClr val="C00000"/>
+                </a:solidFill>
+              </a:rPr>
+              <a:t>img</a:t>
+            </a:r>
+            <a:r>
+              <a:rPr lang="en-US" altLang="ko-KR" sz="1200" dirty="0">
+                <a:solidFill>
+                  <a:srgbClr val="C00000"/>
+                </a:solidFill>
+              </a:rPr>
+              <a:t>/common/ico_blockchain_mobile.png</a:t>
+            </a:r>
+            <a:r>
+              <a:rPr lang="en-US" altLang="ko-KR" sz="1200" dirty="0">
+                <a:solidFill>
+                  <a:schemeClr val="tx1"/>
+                </a:solidFill>
+              </a:rPr>
+              <a:t>) no-repeat 25px 0px;</a:t>
+            </a:r>
+          </a:p>
+          <a:p>
+            <a:r>
+              <a:rPr lang="en-US" altLang="ko-KR" sz="1200" dirty="0" smtClean="0">
+                <a:solidFill>
+                  <a:schemeClr val="tx1"/>
+                </a:solidFill>
+              </a:rPr>
+              <a:t>3. .</a:t>
+            </a:r>
+            <a:r>
+              <a:rPr lang="en-US" altLang="ko-KR" sz="1200" dirty="0" err="1" smtClean="0">
+                <a:solidFill>
+                  <a:schemeClr val="tx1"/>
+                </a:solidFill>
+              </a:rPr>
+              <a:t>ico</a:t>
+            </a:r>
+            <a:r>
+              <a:rPr lang="en-US" altLang="ko-KR" sz="1200" dirty="0" smtClean="0">
+                <a:solidFill>
+                  <a:schemeClr val="tx1"/>
+                </a:solidFill>
+              </a:rPr>
+              <a:t>-wallet-pc</a:t>
+            </a:r>
+            <a:endParaRPr lang="en-US" altLang="ko-KR" sz="1200" dirty="0">
+              <a:solidFill>
+                <a:schemeClr val="tx1"/>
+              </a:solidFill>
+            </a:endParaRPr>
+          </a:p>
+          <a:p>
+            <a:r>
+              <a:rPr lang="en-US" altLang="ko-KR" sz="1200" dirty="0" smtClean="0">
+                <a:solidFill>
+                  <a:schemeClr val="tx1"/>
+                </a:solidFill>
+              </a:rPr>
+              <a:t>    background</a:t>
+            </a:r>
+            <a:r>
+              <a:rPr lang="en-US" altLang="ko-KR" sz="1200" dirty="0">
+                <a:solidFill>
+                  <a:schemeClr val="tx1"/>
+                </a:solidFill>
+              </a:rPr>
+              <a:t>: </a:t>
+            </a:r>
+            <a:r>
+              <a:rPr lang="en-US" altLang="ko-KR" sz="1200" dirty="0" err="1">
+                <a:solidFill>
+                  <a:schemeClr val="tx1"/>
+                </a:solidFill>
+              </a:rPr>
+              <a:t>url</a:t>
+            </a:r>
+            <a:r>
+              <a:rPr lang="en-US" altLang="ko-KR" sz="1200" dirty="0">
+                <a:solidFill>
+                  <a:schemeClr val="tx1"/>
+                </a:solidFill>
+              </a:rPr>
+              <a:t>(</a:t>
+            </a:r>
+            <a:r>
+              <a:rPr lang="en-US" altLang="ko-KR" sz="1200" dirty="0">
+                <a:solidFill>
+                  <a:srgbClr val="C00000"/>
+                </a:solidFill>
+              </a:rPr>
+              <a:t>../</a:t>
+            </a:r>
+            <a:r>
+              <a:rPr lang="en-US" altLang="ko-KR" sz="1200" dirty="0" err="1">
+                <a:solidFill>
+                  <a:srgbClr val="C00000"/>
+                </a:solidFill>
+              </a:rPr>
+              <a:t>img</a:t>
+            </a:r>
+            <a:r>
+              <a:rPr lang="en-US" altLang="ko-KR" sz="1200" dirty="0">
+                <a:solidFill>
+                  <a:srgbClr val="C00000"/>
+                </a:solidFill>
+              </a:rPr>
+              <a:t>/common/ico_wallet_mobile.png</a:t>
+            </a:r>
+            <a:r>
+              <a:rPr lang="en-US" altLang="ko-KR" sz="1200" dirty="0">
+                <a:solidFill>
+                  <a:schemeClr val="tx1"/>
+                </a:solidFill>
+              </a:rPr>
+              <a:t>) no-repeat 25px 0px</a:t>
+            </a:r>
+            <a:r>
+              <a:rPr lang="en-US" altLang="ko-KR" sz="1200" dirty="0" smtClean="0">
+                <a:solidFill>
+                  <a:schemeClr val="tx1"/>
+                </a:solidFill>
+              </a:rPr>
+              <a:t>;</a:t>
+            </a:r>
+          </a:p>
+          <a:p>
+            <a:endParaRPr lang="en-US" altLang="ko-KR" sz="1200" dirty="0" smtClean="0">
+              <a:solidFill>
+                <a:schemeClr val="tx1"/>
+              </a:solidFill>
+            </a:endParaRPr>
+          </a:p>
+          <a:p>
+            <a:r>
+              <a:rPr lang="ko-KR" altLang="en-US" sz="1200" dirty="0" smtClean="0">
+                <a:solidFill>
+                  <a:schemeClr val="tx1"/>
+                </a:solidFill>
+              </a:rPr>
+              <a:t>텍스트</a:t>
+            </a:r>
+            <a:r>
+              <a:rPr lang="en-US" altLang="ko-KR" sz="1200" dirty="0" smtClean="0">
+                <a:solidFill>
+                  <a:schemeClr val="tx1"/>
+                </a:solidFill>
+              </a:rPr>
+              <a:t> </a:t>
+            </a:r>
+            <a:r>
+              <a:rPr lang="ko-KR" altLang="en-US" sz="1200" dirty="0" smtClean="0">
+                <a:solidFill>
+                  <a:schemeClr val="tx1"/>
+                </a:solidFill>
+              </a:rPr>
+              <a:t>변경</a:t>
+            </a:r>
+            <a:endParaRPr lang="en-US" altLang="ko-KR" sz="1200" dirty="0" smtClean="0">
+              <a:solidFill>
+                <a:schemeClr val="tx1"/>
+              </a:solidFill>
+            </a:endParaRPr>
+          </a:p>
+          <a:p>
+            <a:endParaRPr lang="en-US" altLang="ko-KR" sz="1200" dirty="0" smtClean="0">
+              <a:solidFill>
+                <a:schemeClr val="tx1"/>
+              </a:solidFill>
+            </a:endParaRPr>
+          </a:p>
+          <a:p>
+            <a:r>
+              <a:rPr lang="en-US" altLang="ko-KR" sz="1200" dirty="0">
+                <a:solidFill>
+                  <a:schemeClr val="tx1"/>
+                </a:solidFill>
+              </a:rPr>
+              <a:t>.</a:t>
+            </a:r>
+            <a:r>
+              <a:rPr lang="en-US" altLang="ko-KR" sz="1200" dirty="0" err="1">
+                <a:solidFill>
+                  <a:schemeClr val="tx1"/>
+                </a:solidFill>
+              </a:rPr>
+              <a:t>swiper</a:t>
+            </a:r>
+            <a:r>
+              <a:rPr lang="en-US" altLang="ko-KR" sz="1200" dirty="0">
+                <a:solidFill>
+                  <a:schemeClr val="tx1"/>
+                </a:solidFill>
+              </a:rPr>
+              <a:t>-wrapper &gt; #pc-slider &gt; .pc-slider-content </a:t>
+            </a:r>
+            <a:r>
+              <a:rPr lang="en-US" altLang="ko-KR" sz="1200" dirty="0" err="1">
+                <a:solidFill>
+                  <a:schemeClr val="tx1"/>
+                </a:solidFill>
+              </a:rPr>
+              <a:t>swiper</a:t>
+            </a:r>
+            <a:r>
+              <a:rPr lang="en-US" altLang="ko-KR" sz="1200" dirty="0">
+                <a:solidFill>
+                  <a:schemeClr val="tx1"/>
+                </a:solidFill>
+              </a:rPr>
+              <a:t>-slide &gt; </a:t>
+            </a:r>
+            <a:r>
+              <a:rPr lang="en-US" altLang="ko-KR" sz="1200" dirty="0" err="1">
+                <a:solidFill>
+                  <a:schemeClr val="tx1"/>
+                </a:solidFill>
+              </a:rPr>
+              <a:t>ul</a:t>
+            </a:r>
+            <a:r>
+              <a:rPr lang="en-US" altLang="ko-KR" sz="1200" dirty="0">
+                <a:solidFill>
+                  <a:schemeClr val="tx1"/>
+                </a:solidFill>
+              </a:rPr>
+              <a:t> &gt; li</a:t>
+            </a:r>
+            <a:endParaRPr lang="en-US" altLang="ko-KR" sz="1200" dirty="0" smtClean="0">
+              <a:solidFill>
+                <a:schemeClr val="tx1"/>
+              </a:solidFill>
+            </a:endParaRPr>
+          </a:p>
+        </p:txBody>
+      </p:sp>
+      <p:cxnSp>
+        <p:nvCxnSpPr>
+          <p:cNvPr id="27" name="꺾인 연결선 26"/>
+          <p:cNvCxnSpPr>
+            <a:stCxn id="21" idx="3"/>
+            <a:endCxn id="23" idx="3"/>
+          </p:cNvCxnSpPr>
+          <p:nvPr/>
+        </p:nvCxnSpPr>
+        <p:spPr>
+          <a:xfrm>
+            <a:off x="10689336" y="2234976"/>
+            <a:ext cx="1047814" cy="3027440"/>
+          </a:xfrm>
+          <a:prstGeom prst="bentConnector3">
+            <a:avLst>
+              <a:gd name="adj1" fmla="val 121817"/>
+            </a:avLst>
+          </a:prstGeom>
+          <a:ln w="28575">
+            <a:solidFill>
+              <a:schemeClr val="accent4">
+                <a:lumMod val="75000"/>
+              </a:schemeClr>
+            </a:solidFill>
+          </a:ln>
+        </p:spPr>
+        <p:style>
+          <a:lnRef idx="1">
+            <a:schemeClr val="accent1"/>
+          </a:lnRef>
+          <a:fillRef idx="0">
+            <a:schemeClr val="accent1"/>
+          </a:fillRef>
+          <a:effectRef idx="0">
+            <a:schemeClr val="accent1"/>
+          </a:effectRef>
+          <a:fontRef idx="minor">
+            <a:schemeClr val="tx1"/>
+          </a:fontRef>
+        </p:style>
+      </p:cxnSp>
+      <p:sp>
+        <p:nvSpPr>
+          <p:cNvPr id="30" name="직사각형 29"/>
+          <p:cNvSpPr/>
+          <p:nvPr/>
+        </p:nvSpPr>
+        <p:spPr>
+          <a:xfrm>
+            <a:off x="1811142" y="1879152"/>
+            <a:ext cx="712602" cy="708600"/>
+          </a:xfrm>
+          <a:prstGeom prst="rect">
+            <a:avLst/>
+          </a:prstGeom>
+          <a:noFill/>
+          <a:ln w="28575">
+            <a:solidFill>
+              <a:schemeClr val="tx1">
+                <a:lumMod val="95000"/>
+                <a:lumOff val="5000"/>
+              </a:schemeClr>
+            </a:solidFill>
+          </a:ln>
+        </p:spPr>
+        <p:style>
+          <a:lnRef idx="2">
+            <a:schemeClr val="accent1">
+              <a:shade val="50000"/>
+            </a:schemeClr>
+          </a:lnRef>
+          <a:fillRef idx="1">
+            <a:schemeClr val="accent1"/>
+          </a:fillRef>
+          <a:effectRef idx="0">
+            <a:schemeClr val="accent1"/>
+          </a:effectRef>
+          <a:fontRef idx="minor">
+            <a:schemeClr val="lt1"/>
+          </a:fontRef>
+        </p:style>
+        <p:txBody>
+          <a:bodyPr rtlCol="0" anchor="ctr"/>
+          <a:lstStyle/>
+          <a:p>
+            <a:pPr algn="ctr"/>
+            <a:endParaRPr lang="ko-KR" altLang="en-US" dirty="0"/>
+          </a:p>
+        </p:txBody>
+      </p:sp>
+      <p:sp>
+        <p:nvSpPr>
+          <p:cNvPr id="31" name="직사각형 30"/>
+          <p:cNvSpPr/>
+          <p:nvPr/>
+        </p:nvSpPr>
+        <p:spPr>
+          <a:xfrm>
+            <a:off x="5036389" y="1879152"/>
+            <a:ext cx="712602" cy="708600"/>
+          </a:xfrm>
+          <a:prstGeom prst="rect">
+            <a:avLst/>
+          </a:prstGeom>
+          <a:noFill/>
+          <a:ln w="28575">
+            <a:solidFill>
+              <a:schemeClr val="tx1">
+                <a:lumMod val="95000"/>
+                <a:lumOff val="5000"/>
+              </a:schemeClr>
+            </a:solidFill>
+          </a:ln>
+        </p:spPr>
+        <p:style>
+          <a:lnRef idx="2">
+            <a:schemeClr val="accent1">
+              <a:shade val="50000"/>
+            </a:schemeClr>
+          </a:lnRef>
+          <a:fillRef idx="1">
+            <a:schemeClr val="accent1"/>
+          </a:fillRef>
+          <a:effectRef idx="0">
+            <a:schemeClr val="accent1"/>
+          </a:effectRef>
+          <a:fontRef idx="minor">
+            <a:schemeClr val="lt1"/>
+          </a:fontRef>
+        </p:style>
+        <p:txBody>
+          <a:bodyPr rtlCol="0" anchor="ctr"/>
+          <a:lstStyle/>
+          <a:p>
+            <a:pPr algn="ctr"/>
+            <a:endParaRPr lang="ko-KR" altLang="en-US" dirty="0"/>
+          </a:p>
+        </p:txBody>
+      </p:sp>
+      <p:sp>
+        <p:nvSpPr>
+          <p:cNvPr id="32" name="직사각형 31"/>
+          <p:cNvSpPr/>
+          <p:nvPr/>
+        </p:nvSpPr>
+        <p:spPr>
+          <a:xfrm>
+            <a:off x="7836722" y="1879152"/>
+            <a:ext cx="712602" cy="708600"/>
+          </a:xfrm>
+          <a:prstGeom prst="rect">
+            <a:avLst/>
+          </a:prstGeom>
+          <a:noFill/>
+          <a:ln w="28575">
+            <a:solidFill>
+              <a:schemeClr val="tx1">
+                <a:lumMod val="95000"/>
+                <a:lumOff val="5000"/>
+              </a:schemeClr>
+            </a:solidFill>
+          </a:ln>
+        </p:spPr>
+        <p:style>
+          <a:lnRef idx="2">
+            <a:schemeClr val="accent1">
+              <a:shade val="50000"/>
+            </a:schemeClr>
+          </a:lnRef>
+          <a:fillRef idx="1">
+            <a:schemeClr val="accent1"/>
+          </a:fillRef>
+          <a:effectRef idx="0">
+            <a:schemeClr val="accent1"/>
+          </a:effectRef>
+          <a:fontRef idx="minor">
+            <a:schemeClr val="lt1"/>
+          </a:fontRef>
+        </p:style>
+        <p:txBody>
+          <a:bodyPr rtlCol="0" anchor="ctr"/>
+          <a:lstStyle/>
+          <a:p>
+            <a:pPr algn="ctr"/>
+            <a:endParaRPr lang="ko-KR" altLang="en-US" dirty="0"/>
+          </a:p>
+        </p:txBody>
+      </p:sp>
+      <p:sp>
+        <p:nvSpPr>
+          <p:cNvPr id="33" name="타원 32"/>
+          <p:cNvSpPr/>
+          <p:nvPr/>
+        </p:nvSpPr>
+        <p:spPr>
+          <a:xfrm>
+            <a:off x="2416980" y="1709927"/>
+            <a:ext cx="256032" cy="256032"/>
+          </a:xfrm>
+          <a:prstGeom prst="ellipse">
+            <a:avLst/>
+          </a:prstGeom>
+          <a:solidFill>
+            <a:schemeClr val="bg1"/>
+          </a:solidFill>
+          <a:ln w="28575">
+            <a:solidFill>
+              <a:schemeClr val="tx1">
+                <a:lumMod val="95000"/>
+                <a:lumOff val="5000"/>
+              </a:schemeClr>
+            </a:solidFill>
+          </a:ln>
+        </p:spPr>
+        <p:style>
+          <a:lnRef idx="2">
+            <a:schemeClr val="accent1">
+              <a:shade val="50000"/>
+            </a:schemeClr>
+          </a:lnRef>
+          <a:fillRef idx="1">
+            <a:schemeClr val="accent1"/>
+          </a:fillRef>
+          <a:effectRef idx="0">
+            <a:schemeClr val="accent1"/>
+          </a:effectRef>
+          <a:fontRef idx="minor">
+            <a:schemeClr val="lt1"/>
+          </a:fontRef>
+        </p:style>
+        <p:txBody>
+          <a:bodyPr rtlCol="0" anchor="ctr"/>
+          <a:lstStyle/>
+          <a:p>
+            <a:pPr algn="ctr"/>
+            <a:r>
+              <a:rPr lang="en-US" altLang="ko-KR" dirty="0" smtClean="0">
+                <a:solidFill>
+                  <a:schemeClr val="tx1"/>
+                </a:solidFill>
+              </a:rPr>
+              <a:t>1</a:t>
+            </a:r>
+            <a:endParaRPr lang="ko-KR" altLang="en-US" dirty="0">
+              <a:solidFill>
+                <a:schemeClr val="tx1"/>
+              </a:solidFill>
+            </a:endParaRPr>
+          </a:p>
+        </p:txBody>
+      </p:sp>
+      <p:sp>
+        <p:nvSpPr>
+          <p:cNvPr id="34" name="타원 33"/>
+          <p:cNvSpPr/>
+          <p:nvPr/>
+        </p:nvSpPr>
+        <p:spPr>
+          <a:xfrm>
+            <a:off x="5666620" y="1709927"/>
+            <a:ext cx="256032" cy="256032"/>
+          </a:xfrm>
+          <a:prstGeom prst="ellipse">
+            <a:avLst/>
+          </a:prstGeom>
+          <a:solidFill>
+            <a:schemeClr val="bg1"/>
+          </a:solidFill>
+          <a:ln w="28575">
+            <a:solidFill>
+              <a:schemeClr val="tx1">
+                <a:lumMod val="95000"/>
+                <a:lumOff val="5000"/>
+              </a:schemeClr>
+            </a:solidFill>
+          </a:ln>
+        </p:spPr>
+        <p:style>
+          <a:lnRef idx="2">
+            <a:schemeClr val="accent1">
+              <a:shade val="50000"/>
+            </a:schemeClr>
+          </a:lnRef>
+          <a:fillRef idx="1">
+            <a:schemeClr val="accent1"/>
+          </a:fillRef>
+          <a:effectRef idx="0">
+            <a:schemeClr val="accent1"/>
+          </a:effectRef>
+          <a:fontRef idx="minor">
+            <a:schemeClr val="lt1"/>
+          </a:fontRef>
+        </p:style>
+        <p:txBody>
+          <a:bodyPr rtlCol="0" anchor="ctr"/>
+          <a:lstStyle/>
+          <a:p>
+            <a:pPr algn="ctr"/>
+            <a:r>
+              <a:rPr lang="en-US" altLang="ko-KR" dirty="0">
+                <a:solidFill>
+                  <a:schemeClr val="tx1"/>
+                </a:solidFill>
+              </a:rPr>
+              <a:t>2</a:t>
+            </a:r>
+            <a:endParaRPr lang="ko-KR" altLang="en-US" dirty="0">
+              <a:solidFill>
+                <a:schemeClr val="tx1"/>
+              </a:solidFill>
+            </a:endParaRPr>
+          </a:p>
+        </p:txBody>
+      </p:sp>
+      <p:sp>
+        <p:nvSpPr>
+          <p:cNvPr id="35" name="타원 34"/>
+          <p:cNvSpPr/>
+          <p:nvPr/>
+        </p:nvSpPr>
+        <p:spPr>
+          <a:xfrm>
+            <a:off x="8458088" y="1710637"/>
+            <a:ext cx="256032" cy="256032"/>
+          </a:xfrm>
+          <a:prstGeom prst="ellipse">
+            <a:avLst/>
+          </a:prstGeom>
+          <a:solidFill>
+            <a:schemeClr val="bg1"/>
+          </a:solidFill>
+          <a:ln w="28575">
+            <a:solidFill>
+              <a:schemeClr val="tx1">
+                <a:lumMod val="95000"/>
+                <a:lumOff val="5000"/>
+              </a:schemeClr>
+            </a:solidFill>
+          </a:ln>
+        </p:spPr>
+        <p:style>
+          <a:lnRef idx="2">
+            <a:schemeClr val="accent1">
+              <a:shade val="50000"/>
+            </a:schemeClr>
+          </a:lnRef>
+          <a:fillRef idx="1">
+            <a:schemeClr val="accent1"/>
+          </a:fillRef>
+          <a:effectRef idx="0">
+            <a:schemeClr val="accent1"/>
+          </a:effectRef>
+          <a:fontRef idx="minor">
+            <a:schemeClr val="lt1"/>
+          </a:fontRef>
+        </p:style>
+        <p:txBody>
+          <a:bodyPr rtlCol="0" anchor="ctr"/>
+          <a:lstStyle/>
+          <a:p>
+            <a:pPr algn="ctr"/>
+            <a:r>
+              <a:rPr lang="en-US" altLang="ko-KR" dirty="0">
+                <a:solidFill>
+                  <a:schemeClr val="tx1"/>
+                </a:solidFill>
+              </a:rPr>
+              <a:t>3</a:t>
+            </a:r>
+            <a:endParaRPr lang="ko-KR" altLang="en-US" dirty="0">
+              <a:solidFill>
+                <a:schemeClr val="tx1"/>
+              </a:solidFill>
+            </a:endParaRPr>
+          </a:p>
+        </p:txBody>
+      </p:sp>
+    </p:spTree>
+    <p:extLst>
+      <p:ext uri="{BB962C8B-B14F-4D97-AF65-F5344CB8AC3E}">
+        <p14:creationId xmlns:p14="http://schemas.microsoft.com/office/powerpoint/2010/main" val="1836207780"/>
+      </p:ext>
+    </p:extLst>
+  </p:cSld>
+  <p:clrMapOvr>
+    <a:masterClrMapping/>
+  </p:clrMapOvr>
+  <p:timing>
+    <p:tnLst>
+      <p:par>
+        <p:cTn id="1" dur="indefinite" restart="never" nodeType="tmRoot"/>
+      </p:par>
+    </p:tnLst>
+  </p:timing>
+</p:sld>
+</file>
+
+<file path=ppt/slides/slide9.xml><?xml version="1.0" encoding="utf-8"?>
+<p:sld xmlns:a="http://schemas.openxmlformats.org/drawingml/2006/main" xmlns:r="http://schemas.openxmlformats.org/officeDocument/2006/relationships" xmlns:p="http://schemas.openxmlformats.org/presentationml/2006/main">
+  <p:cSld>
+    <p:spTree>
+      <p:nvGrpSpPr>
+        <p:cNvPr id="1" name=""/>
+        <p:cNvGrpSpPr/>
+        <p:nvPr/>
+      </p:nvGrpSpPr>
+      <p:grpSpPr>
+        <a:xfrm>
+          <a:off x="0" y="0"/>
+          <a:ext cx="0" cy="0"/>
+          <a:chOff x="0" y="0"/>
+          <a:chExt cx="0" cy="0"/>
+        </a:xfrm>
+      </p:grpSpPr>
       <p:graphicFrame>
         <p:nvGraphicFramePr>
           <p:cNvPr id="2" name="개체 1"/>
@@ -15816,7 +18060,7 @@
           <a:graphicData uri="http://schemas.openxmlformats.org/presentationml/2006/ole">
             <mc:AlternateContent xmlns:mc="http://schemas.openxmlformats.org/markup-compatibility/2006">
               <mc:Choice xmlns:v="urn:schemas-microsoft-com:vml" Requires="v">
-                <p:oleObj spid="_x0000_s6187" name="Image" r:id="rId3" imgW="2717280" imgH="545760" progId="Photoshop.Image.18">
+                <p:oleObj spid="_x0000_s6191" name="Image" r:id="rId3" imgW="2717280" imgH="545760" progId="Photoshop.Image.18">
                   <p:embed/>
                 </p:oleObj>
               </mc:Choice>
@@ -17431,15 +19675,7 @@
                   <a:schemeClr val="tx1"/>
                 </a:solidFill>
               </a:rPr>
-              <a:t> </a:t>
-            </a:r>
-            <a:r>
-              <a:rPr lang="en-US" altLang="ko-KR" sz="1200" dirty="0" smtClean="0">
-                <a:solidFill>
-                  <a:schemeClr val="tx1"/>
-                </a:solidFill>
-              </a:rPr>
-              <a:t>class : active</a:t>
+              <a:t> class : active</a:t>
             </a:r>
           </a:p>
         </p:txBody>
@@ -17782,1004 +20018,6 @@
     <p:extLst>
       <p:ext uri="{BB962C8B-B14F-4D97-AF65-F5344CB8AC3E}">
         <p14:creationId xmlns:p14="http://schemas.microsoft.com/office/powerpoint/2010/main" val="2896399191"/>
-      </p:ext>
-    </p:extLst>
-  </p:cSld>
-  <p:clrMapOvr>
-    <a:masterClrMapping/>
-  </p:clrMapOvr>
-  <p:timing>
-    <p:tnLst>
-      <p:par>
-        <p:cTn id="1" dur="indefinite" restart="never" nodeType="tmRoot"/>
-      </p:par>
-    </p:tnLst>
-  </p:timing>
-</p:sld>
-</file>
-
-<file path=ppt/slides/slide9.xml><?xml version="1.0" encoding="utf-8"?>
-<p:sld xmlns:a="http://schemas.openxmlformats.org/drawingml/2006/main" xmlns:r="http://schemas.openxmlformats.org/officeDocument/2006/relationships" xmlns:p="http://schemas.openxmlformats.org/presentationml/2006/main">
-  <p:cSld>
-    <p:spTree>
-      <p:nvGrpSpPr>
-        <p:cNvPr id="1" name=""/>
-        <p:cNvGrpSpPr/>
-        <p:nvPr/>
-      </p:nvGrpSpPr>
-      <p:grpSpPr>
-        <a:xfrm>
-          <a:off x="0" y="0"/>
-          <a:ext cx="0" cy="0"/>
-          <a:chOff x="0" y="0"/>
-          <a:chExt cx="0" cy="0"/>
-        </a:xfrm>
-      </p:grpSpPr>
-      <p:sp>
-        <p:nvSpPr>
-          <p:cNvPr id="3" name="직사각형 2"/>
-          <p:cNvSpPr/>
-          <p:nvPr/>
-        </p:nvSpPr>
-        <p:spPr>
-          <a:xfrm>
-            <a:off x="224444" y="142600"/>
-            <a:ext cx="11712632" cy="346272"/>
-          </a:xfrm>
-          <a:prstGeom prst="rect">
-            <a:avLst/>
-          </a:prstGeom>
-          <a:solidFill>
-            <a:schemeClr val="accent5">
-              <a:lumMod val="50000"/>
-            </a:schemeClr>
-          </a:solidFill>
-          <a:ln>
-            <a:noFill/>
-          </a:ln>
-        </p:spPr>
-        <p:style>
-          <a:lnRef idx="2">
-            <a:schemeClr val="accent1">
-              <a:shade val="50000"/>
-            </a:schemeClr>
-          </a:lnRef>
-          <a:fillRef idx="1">
-            <a:schemeClr val="accent1"/>
-          </a:fillRef>
-          <a:effectRef idx="0">
-            <a:schemeClr val="accent1"/>
-          </a:effectRef>
-          <a:fontRef idx="minor">
-            <a:schemeClr val="lt1"/>
-          </a:fontRef>
-        </p:style>
-        <p:txBody>
-          <a:bodyPr rtlCol="0" anchor="ctr"/>
-          <a:lstStyle/>
-          <a:p>
-            <a:r>
-              <a:rPr lang="en-US" altLang="ko-KR" sz="1600" dirty="0" smtClean="0"/>
-              <a:t>Basic component – dropdown menu</a:t>
-            </a:r>
-            <a:endParaRPr lang="ko-KR" altLang="en-US" sz="1600" dirty="0"/>
-          </a:p>
-        </p:txBody>
-      </p:sp>
-      <p:sp>
-        <p:nvSpPr>
-          <p:cNvPr id="4" name="직사각형 3"/>
-          <p:cNvSpPr/>
-          <p:nvPr/>
-        </p:nvSpPr>
-        <p:spPr>
-          <a:xfrm>
-            <a:off x="224444" y="667512"/>
-            <a:ext cx="11712632" cy="329184"/>
-          </a:xfrm>
-          <a:prstGeom prst="rect">
-            <a:avLst/>
-          </a:prstGeom>
-        </p:spPr>
-        <p:style>
-          <a:lnRef idx="2">
-            <a:schemeClr val="accent1">
-              <a:shade val="50000"/>
-            </a:schemeClr>
-          </a:lnRef>
-          <a:fillRef idx="1">
-            <a:schemeClr val="accent1"/>
-          </a:fillRef>
-          <a:effectRef idx="0">
-            <a:schemeClr val="accent1"/>
-          </a:effectRef>
-          <a:fontRef idx="minor">
-            <a:schemeClr val="lt1"/>
-          </a:fontRef>
-        </p:style>
-        <p:txBody>
-          <a:bodyPr rtlCol="0" anchor="ctr"/>
-          <a:lstStyle/>
-          <a:p>
-            <a:pPr algn="ctr"/>
-            <a:r>
-              <a:rPr lang="ko-KR" altLang="en-US" dirty="0" err="1" smtClean="0"/>
-              <a:t>드롭다운</a:t>
-            </a:r>
-            <a:r>
-              <a:rPr lang="ko-KR" altLang="en-US" dirty="0" smtClean="0"/>
-              <a:t> 메뉴</a:t>
-            </a:r>
-            <a:endParaRPr lang="ko-KR" altLang="en-US" dirty="0"/>
-          </a:p>
-        </p:txBody>
-      </p:sp>
-      <p:sp>
-        <p:nvSpPr>
-          <p:cNvPr id="9" name="TextBox 8"/>
-          <p:cNvSpPr txBox="1"/>
-          <p:nvPr/>
-        </p:nvSpPr>
-        <p:spPr>
-          <a:xfrm>
-            <a:off x="224444" y="4247224"/>
-            <a:ext cx="11119104" cy="2308324"/>
-          </a:xfrm>
-          <a:prstGeom prst="rect">
-            <a:avLst/>
-          </a:prstGeom>
-          <a:noFill/>
-        </p:spPr>
-        <p:txBody>
-          <a:bodyPr wrap="square" rtlCol="0">
-            <a:spAutoFit/>
-          </a:bodyPr>
-          <a:lstStyle/>
-          <a:p>
-            <a:r>
-              <a:rPr lang="en-US" altLang="ko-KR" sz="1200" dirty="0" smtClean="0">
-                <a:solidFill>
-                  <a:srgbClr val="0000CD"/>
-                </a:solidFill>
-                <a:latin typeface="Consolas" panose="020B0609020204030204" pitchFamily="49" charset="0"/>
-              </a:rPr>
-              <a:t>HTML CODE</a:t>
-            </a:r>
-          </a:p>
-          <a:p>
-            <a:endParaRPr lang="en-US" altLang="ko-KR" sz="1200" dirty="0" smtClean="0">
-              <a:solidFill>
-                <a:srgbClr val="0000CD"/>
-              </a:solidFill>
-              <a:latin typeface="Consolas" panose="020B0609020204030204" pitchFamily="49" charset="0"/>
-            </a:endParaRPr>
-          </a:p>
-          <a:p>
-            <a:r>
-              <a:rPr lang="en-US" altLang="ko-KR" sz="1200" dirty="0">
-                <a:solidFill>
-                  <a:srgbClr val="0000CD"/>
-                </a:solidFill>
-                <a:latin typeface="Consolas" panose="020B0609020204030204" pitchFamily="49" charset="0"/>
-              </a:rPr>
-              <a:t>&lt;</a:t>
-            </a:r>
-            <a:r>
-              <a:rPr lang="en-US" altLang="ko-KR" sz="1200" dirty="0">
-                <a:solidFill>
-                  <a:srgbClr val="A52A2A"/>
-                </a:solidFill>
-                <a:latin typeface="Consolas" panose="020B0609020204030204" pitchFamily="49" charset="0"/>
-              </a:rPr>
-              <a:t>div</a:t>
-            </a:r>
-            <a:r>
-              <a:rPr lang="en-US" altLang="ko-KR" sz="1200" dirty="0">
-                <a:solidFill>
-                  <a:srgbClr val="FF0000"/>
-                </a:solidFill>
-                <a:latin typeface="Consolas" panose="020B0609020204030204" pitchFamily="49" charset="0"/>
-              </a:rPr>
-              <a:t> class</a:t>
-            </a:r>
-            <a:r>
-              <a:rPr lang="en-US" altLang="ko-KR" sz="1200" dirty="0">
-                <a:solidFill>
-                  <a:srgbClr val="0000CD"/>
-                </a:solidFill>
-                <a:latin typeface="Consolas" panose="020B0609020204030204" pitchFamily="49" charset="0"/>
-              </a:rPr>
-              <a:t>="dropdown"&gt;</a:t>
-            </a:r>
-            <a:r>
-              <a:rPr lang="en-US" altLang="ko-KR" sz="1200" dirty="0"/>
-              <a:t/>
-            </a:r>
-            <a:br>
-              <a:rPr lang="en-US" altLang="ko-KR" sz="1200" dirty="0"/>
-            </a:br>
-            <a:r>
-              <a:rPr lang="en-US" altLang="ko-KR" sz="1200" dirty="0">
-                <a:solidFill>
-                  <a:srgbClr val="000000"/>
-                </a:solidFill>
-                <a:latin typeface="Consolas" panose="020B0609020204030204" pitchFamily="49" charset="0"/>
-              </a:rPr>
-              <a:t>  </a:t>
-            </a:r>
-            <a:r>
-              <a:rPr lang="en-US" altLang="ko-KR" sz="1200" dirty="0">
-                <a:solidFill>
-                  <a:srgbClr val="0000CD"/>
-                </a:solidFill>
-                <a:latin typeface="Consolas" panose="020B0609020204030204" pitchFamily="49" charset="0"/>
-              </a:rPr>
-              <a:t>&lt;</a:t>
-            </a:r>
-            <a:r>
-              <a:rPr lang="en-US" altLang="ko-KR" sz="1200" dirty="0">
-                <a:solidFill>
-                  <a:srgbClr val="A52A2A"/>
-                </a:solidFill>
-                <a:latin typeface="Consolas" panose="020B0609020204030204" pitchFamily="49" charset="0"/>
-              </a:rPr>
-              <a:t>button</a:t>
-            </a:r>
-            <a:r>
-              <a:rPr lang="en-US" altLang="ko-KR" sz="1200" dirty="0">
-                <a:solidFill>
-                  <a:srgbClr val="FF0000"/>
-                </a:solidFill>
-                <a:latin typeface="Consolas" panose="020B0609020204030204" pitchFamily="49" charset="0"/>
-              </a:rPr>
-              <a:t> type</a:t>
-            </a:r>
-            <a:r>
-              <a:rPr lang="en-US" altLang="ko-KR" sz="1200" dirty="0">
-                <a:solidFill>
-                  <a:srgbClr val="0000CD"/>
-                </a:solidFill>
-                <a:latin typeface="Consolas" panose="020B0609020204030204" pitchFamily="49" charset="0"/>
-              </a:rPr>
-              <a:t>="button"</a:t>
-            </a:r>
-            <a:r>
-              <a:rPr lang="en-US" altLang="ko-KR" sz="1200" dirty="0">
-                <a:solidFill>
-                  <a:srgbClr val="FF0000"/>
-                </a:solidFill>
-                <a:latin typeface="Consolas" panose="020B0609020204030204" pitchFamily="49" charset="0"/>
-              </a:rPr>
-              <a:t> class</a:t>
-            </a:r>
-            <a:r>
-              <a:rPr lang="en-US" altLang="ko-KR" sz="1200" dirty="0">
-                <a:solidFill>
-                  <a:srgbClr val="0000CD"/>
-                </a:solidFill>
-                <a:latin typeface="Consolas" panose="020B0609020204030204" pitchFamily="49" charset="0"/>
-              </a:rPr>
-              <a:t>="</a:t>
-            </a:r>
-            <a:r>
-              <a:rPr lang="en-US" altLang="ko-KR" sz="1200" dirty="0" err="1">
-                <a:solidFill>
-                  <a:srgbClr val="0000CD"/>
-                </a:solidFill>
-                <a:latin typeface="Consolas" panose="020B0609020204030204" pitchFamily="49" charset="0"/>
-              </a:rPr>
-              <a:t>btn</a:t>
-            </a:r>
-            <a:r>
-              <a:rPr lang="en-US" altLang="ko-KR" sz="1200" dirty="0">
-                <a:solidFill>
-                  <a:srgbClr val="0000CD"/>
-                </a:solidFill>
-                <a:latin typeface="Consolas" panose="020B0609020204030204" pitchFamily="49" charset="0"/>
-              </a:rPr>
-              <a:t> </a:t>
-            </a:r>
-            <a:r>
-              <a:rPr lang="en-US" altLang="ko-KR" sz="1200" dirty="0" err="1">
-                <a:solidFill>
-                  <a:srgbClr val="0000CD"/>
-                </a:solidFill>
-                <a:latin typeface="Consolas" panose="020B0609020204030204" pitchFamily="49" charset="0"/>
-              </a:rPr>
-              <a:t>btn</a:t>
-            </a:r>
-            <a:r>
-              <a:rPr lang="en-US" altLang="ko-KR" sz="1200" dirty="0">
-                <a:solidFill>
-                  <a:srgbClr val="0000CD"/>
-                </a:solidFill>
-                <a:latin typeface="Consolas" panose="020B0609020204030204" pitchFamily="49" charset="0"/>
-              </a:rPr>
-              <a:t>-primary dropdown-toggle"</a:t>
-            </a:r>
-            <a:r>
-              <a:rPr lang="en-US" altLang="ko-KR" sz="1200" dirty="0">
-                <a:solidFill>
-                  <a:srgbClr val="FF0000"/>
-                </a:solidFill>
-                <a:latin typeface="Consolas" panose="020B0609020204030204" pitchFamily="49" charset="0"/>
-              </a:rPr>
-              <a:t> data-toggle</a:t>
-            </a:r>
-            <a:r>
-              <a:rPr lang="en-US" altLang="ko-KR" sz="1200" dirty="0">
-                <a:solidFill>
-                  <a:srgbClr val="0000CD"/>
-                </a:solidFill>
-                <a:latin typeface="Consolas" panose="020B0609020204030204" pitchFamily="49" charset="0"/>
-              </a:rPr>
-              <a:t>="dropdown"&gt;</a:t>
-            </a:r>
-            <a:r>
-              <a:rPr lang="en-US" altLang="ko-KR" sz="1200" dirty="0"/>
-              <a:t/>
-            </a:r>
-            <a:br>
-              <a:rPr lang="en-US" altLang="ko-KR" sz="1200" dirty="0"/>
-            </a:br>
-            <a:r>
-              <a:rPr lang="en-US" altLang="ko-KR" sz="1200" dirty="0">
-                <a:solidFill>
-                  <a:srgbClr val="000000"/>
-                </a:solidFill>
-                <a:latin typeface="Consolas" panose="020B0609020204030204" pitchFamily="49" charset="0"/>
-              </a:rPr>
-              <a:t>    Dropdown button</a:t>
-            </a:r>
-            <a:r>
-              <a:rPr lang="en-US" altLang="ko-KR" sz="1200" dirty="0"/>
-              <a:t/>
-            </a:r>
-            <a:br>
-              <a:rPr lang="en-US" altLang="ko-KR" sz="1200" dirty="0"/>
-            </a:br>
-            <a:r>
-              <a:rPr lang="en-US" altLang="ko-KR" sz="1200" dirty="0">
-                <a:solidFill>
-                  <a:srgbClr val="000000"/>
-                </a:solidFill>
-                <a:latin typeface="Consolas" panose="020B0609020204030204" pitchFamily="49" charset="0"/>
-              </a:rPr>
-              <a:t>  </a:t>
-            </a:r>
-            <a:r>
-              <a:rPr lang="en-US" altLang="ko-KR" sz="1200" dirty="0">
-                <a:solidFill>
-                  <a:srgbClr val="0000CD"/>
-                </a:solidFill>
-                <a:latin typeface="Consolas" panose="020B0609020204030204" pitchFamily="49" charset="0"/>
-              </a:rPr>
-              <a:t>&lt;</a:t>
-            </a:r>
-            <a:r>
-              <a:rPr lang="en-US" altLang="ko-KR" sz="1200" dirty="0">
-                <a:solidFill>
-                  <a:srgbClr val="A52A2A"/>
-                </a:solidFill>
-                <a:latin typeface="Consolas" panose="020B0609020204030204" pitchFamily="49" charset="0"/>
-              </a:rPr>
-              <a:t>/button</a:t>
-            </a:r>
-            <a:r>
-              <a:rPr lang="en-US" altLang="ko-KR" sz="1200" dirty="0">
-                <a:solidFill>
-                  <a:srgbClr val="0000CD"/>
-                </a:solidFill>
-                <a:latin typeface="Consolas" panose="020B0609020204030204" pitchFamily="49" charset="0"/>
-              </a:rPr>
-              <a:t>&gt;</a:t>
-            </a:r>
-            <a:r>
-              <a:rPr lang="en-US" altLang="ko-KR" sz="1200" dirty="0"/>
-              <a:t/>
-            </a:r>
-            <a:br>
-              <a:rPr lang="en-US" altLang="ko-KR" sz="1200" dirty="0"/>
-            </a:br>
-            <a:r>
-              <a:rPr lang="en-US" altLang="ko-KR" sz="1200" dirty="0">
-                <a:solidFill>
-                  <a:srgbClr val="000000"/>
-                </a:solidFill>
-                <a:latin typeface="Consolas" panose="020B0609020204030204" pitchFamily="49" charset="0"/>
-              </a:rPr>
-              <a:t>  </a:t>
-            </a:r>
-            <a:r>
-              <a:rPr lang="en-US" altLang="ko-KR" sz="1200" dirty="0">
-                <a:solidFill>
-                  <a:srgbClr val="0000CD"/>
-                </a:solidFill>
-                <a:latin typeface="Consolas" panose="020B0609020204030204" pitchFamily="49" charset="0"/>
-              </a:rPr>
-              <a:t>&lt;</a:t>
-            </a:r>
-            <a:r>
-              <a:rPr lang="en-US" altLang="ko-KR" sz="1200" dirty="0">
-                <a:solidFill>
-                  <a:srgbClr val="A52A2A"/>
-                </a:solidFill>
-                <a:latin typeface="Consolas" panose="020B0609020204030204" pitchFamily="49" charset="0"/>
-              </a:rPr>
-              <a:t>div</a:t>
-            </a:r>
-            <a:r>
-              <a:rPr lang="en-US" altLang="ko-KR" sz="1200" dirty="0">
-                <a:solidFill>
-                  <a:srgbClr val="FF0000"/>
-                </a:solidFill>
-                <a:latin typeface="Consolas" panose="020B0609020204030204" pitchFamily="49" charset="0"/>
-              </a:rPr>
-              <a:t> class</a:t>
-            </a:r>
-            <a:r>
-              <a:rPr lang="en-US" altLang="ko-KR" sz="1200" dirty="0">
-                <a:solidFill>
-                  <a:srgbClr val="0000CD"/>
-                </a:solidFill>
-                <a:latin typeface="Consolas" panose="020B0609020204030204" pitchFamily="49" charset="0"/>
-              </a:rPr>
-              <a:t>="dropdown-menu"&gt;</a:t>
-            </a:r>
-            <a:r>
-              <a:rPr lang="en-US" altLang="ko-KR" sz="1200" dirty="0"/>
-              <a:t/>
-            </a:r>
-            <a:br>
-              <a:rPr lang="en-US" altLang="ko-KR" sz="1200" dirty="0"/>
-            </a:br>
-            <a:r>
-              <a:rPr lang="en-US" altLang="ko-KR" sz="1200" dirty="0">
-                <a:solidFill>
-                  <a:srgbClr val="000000"/>
-                </a:solidFill>
-                <a:latin typeface="Consolas" panose="020B0609020204030204" pitchFamily="49" charset="0"/>
-              </a:rPr>
-              <a:t>    </a:t>
-            </a:r>
-            <a:r>
-              <a:rPr lang="en-US" altLang="ko-KR" sz="1200" dirty="0">
-                <a:solidFill>
-                  <a:srgbClr val="0000CD"/>
-                </a:solidFill>
-                <a:latin typeface="Consolas" panose="020B0609020204030204" pitchFamily="49" charset="0"/>
-              </a:rPr>
-              <a:t>&lt;</a:t>
-            </a:r>
-            <a:r>
-              <a:rPr lang="en-US" altLang="ko-KR" sz="1200" dirty="0">
-                <a:solidFill>
-                  <a:srgbClr val="A52A2A"/>
-                </a:solidFill>
-                <a:latin typeface="Consolas" panose="020B0609020204030204" pitchFamily="49" charset="0"/>
-              </a:rPr>
-              <a:t>a</a:t>
-            </a:r>
-            <a:r>
-              <a:rPr lang="en-US" altLang="ko-KR" sz="1200" dirty="0">
-                <a:solidFill>
-                  <a:srgbClr val="FF0000"/>
-                </a:solidFill>
-                <a:latin typeface="Consolas" panose="020B0609020204030204" pitchFamily="49" charset="0"/>
-              </a:rPr>
-              <a:t> class</a:t>
-            </a:r>
-            <a:r>
-              <a:rPr lang="en-US" altLang="ko-KR" sz="1200" dirty="0">
-                <a:solidFill>
-                  <a:srgbClr val="0000CD"/>
-                </a:solidFill>
-                <a:latin typeface="Consolas" panose="020B0609020204030204" pitchFamily="49" charset="0"/>
-              </a:rPr>
-              <a:t>="dropdown-item"</a:t>
-            </a:r>
-            <a:r>
-              <a:rPr lang="en-US" altLang="ko-KR" sz="1200" dirty="0">
-                <a:solidFill>
-                  <a:srgbClr val="FF0000"/>
-                </a:solidFill>
-                <a:latin typeface="Consolas" panose="020B0609020204030204" pitchFamily="49" charset="0"/>
-              </a:rPr>
-              <a:t> </a:t>
-            </a:r>
-            <a:r>
-              <a:rPr lang="en-US" altLang="ko-KR" sz="1200" dirty="0" err="1">
-                <a:solidFill>
-                  <a:srgbClr val="FF0000"/>
-                </a:solidFill>
-                <a:latin typeface="Consolas" panose="020B0609020204030204" pitchFamily="49" charset="0"/>
-              </a:rPr>
-              <a:t>href</a:t>
-            </a:r>
-            <a:r>
-              <a:rPr lang="en-US" altLang="ko-KR" sz="1200" dirty="0">
-                <a:solidFill>
-                  <a:srgbClr val="0000CD"/>
-                </a:solidFill>
-                <a:latin typeface="Consolas" panose="020B0609020204030204" pitchFamily="49" charset="0"/>
-              </a:rPr>
-              <a:t>="#"&gt;</a:t>
-            </a:r>
-            <a:r>
-              <a:rPr lang="en-US" altLang="ko-KR" sz="1200" dirty="0">
-                <a:solidFill>
-                  <a:srgbClr val="000000"/>
-                </a:solidFill>
-                <a:latin typeface="Consolas" panose="020B0609020204030204" pitchFamily="49" charset="0"/>
-              </a:rPr>
-              <a:t>Link 1</a:t>
-            </a:r>
-            <a:r>
-              <a:rPr lang="en-US" altLang="ko-KR" sz="1200" dirty="0">
-                <a:solidFill>
-                  <a:srgbClr val="0000CD"/>
-                </a:solidFill>
-                <a:latin typeface="Consolas" panose="020B0609020204030204" pitchFamily="49" charset="0"/>
-              </a:rPr>
-              <a:t>&lt;</a:t>
-            </a:r>
-            <a:r>
-              <a:rPr lang="en-US" altLang="ko-KR" sz="1200" dirty="0">
-                <a:solidFill>
-                  <a:srgbClr val="A52A2A"/>
-                </a:solidFill>
-                <a:latin typeface="Consolas" panose="020B0609020204030204" pitchFamily="49" charset="0"/>
-              </a:rPr>
-              <a:t>/a</a:t>
-            </a:r>
-            <a:r>
-              <a:rPr lang="en-US" altLang="ko-KR" sz="1200" dirty="0">
-                <a:solidFill>
-                  <a:srgbClr val="0000CD"/>
-                </a:solidFill>
-                <a:latin typeface="Consolas" panose="020B0609020204030204" pitchFamily="49" charset="0"/>
-              </a:rPr>
-              <a:t>&gt;</a:t>
-            </a:r>
-            <a:r>
-              <a:rPr lang="en-US" altLang="ko-KR" sz="1200" dirty="0"/>
-              <a:t/>
-            </a:r>
-            <a:br>
-              <a:rPr lang="en-US" altLang="ko-KR" sz="1200" dirty="0"/>
-            </a:br>
-            <a:r>
-              <a:rPr lang="en-US" altLang="ko-KR" sz="1200" dirty="0">
-                <a:solidFill>
-                  <a:srgbClr val="000000"/>
-                </a:solidFill>
-                <a:latin typeface="Consolas" panose="020B0609020204030204" pitchFamily="49" charset="0"/>
-              </a:rPr>
-              <a:t>    </a:t>
-            </a:r>
-            <a:r>
-              <a:rPr lang="en-US" altLang="ko-KR" sz="1200" dirty="0">
-                <a:solidFill>
-                  <a:srgbClr val="0000CD"/>
-                </a:solidFill>
-                <a:latin typeface="Consolas" panose="020B0609020204030204" pitchFamily="49" charset="0"/>
-              </a:rPr>
-              <a:t>&lt;</a:t>
-            </a:r>
-            <a:r>
-              <a:rPr lang="en-US" altLang="ko-KR" sz="1200" dirty="0">
-                <a:solidFill>
-                  <a:srgbClr val="A52A2A"/>
-                </a:solidFill>
-                <a:latin typeface="Consolas" panose="020B0609020204030204" pitchFamily="49" charset="0"/>
-              </a:rPr>
-              <a:t>a</a:t>
-            </a:r>
-            <a:r>
-              <a:rPr lang="en-US" altLang="ko-KR" sz="1200" dirty="0">
-                <a:solidFill>
-                  <a:srgbClr val="FF0000"/>
-                </a:solidFill>
-                <a:latin typeface="Consolas" panose="020B0609020204030204" pitchFamily="49" charset="0"/>
-              </a:rPr>
-              <a:t> class</a:t>
-            </a:r>
-            <a:r>
-              <a:rPr lang="en-US" altLang="ko-KR" sz="1200" dirty="0">
-                <a:solidFill>
-                  <a:srgbClr val="0000CD"/>
-                </a:solidFill>
-                <a:latin typeface="Consolas" panose="020B0609020204030204" pitchFamily="49" charset="0"/>
-              </a:rPr>
-              <a:t>="dropdown-item"</a:t>
-            </a:r>
-            <a:r>
-              <a:rPr lang="en-US" altLang="ko-KR" sz="1200" dirty="0">
-                <a:solidFill>
-                  <a:srgbClr val="FF0000"/>
-                </a:solidFill>
-                <a:latin typeface="Consolas" panose="020B0609020204030204" pitchFamily="49" charset="0"/>
-              </a:rPr>
-              <a:t> </a:t>
-            </a:r>
-            <a:r>
-              <a:rPr lang="en-US" altLang="ko-KR" sz="1200" dirty="0" err="1">
-                <a:solidFill>
-                  <a:srgbClr val="FF0000"/>
-                </a:solidFill>
-                <a:latin typeface="Consolas" panose="020B0609020204030204" pitchFamily="49" charset="0"/>
-              </a:rPr>
-              <a:t>href</a:t>
-            </a:r>
-            <a:r>
-              <a:rPr lang="en-US" altLang="ko-KR" sz="1200" dirty="0">
-                <a:solidFill>
-                  <a:srgbClr val="0000CD"/>
-                </a:solidFill>
-                <a:latin typeface="Consolas" panose="020B0609020204030204" pitchFamily="49" charset="0"/>
-              </a:rPr>
-              <a:t>="#"&gt;</a:t>
-            </a:r>
-            <a:r>
-              <a:rPr lang="en-US" altLang="ko-KR" sz="1200" dirty="0">
-                <a:solidFill>
-                  <a:srgbClr val="000000"/>
-                </a:solidFill>
-                <a:latin typeface="Consolas" panose="020B0609020204030204" pitchFamily="49" charset="0"/>
-              </a:rPr>
-              <a:t>Link 2</a:t>
-            </a:r>
-            <a:r>
-              <a:rPr lang="en-US" altLang="ko-KR" sz="1200" dirty="0">
-                <a:solidFill>
-                  <a:srgbClr val="0000CD"/>
-                </a:solidFill>
-                <a:latin typeface="Consolas" panose="020B0609020204030204" pitchFamily="49" charset="0"/>
-              </a:rPr>
-              <a:t>&lt;</a:t>
-            </a:r>
-            <a:r>
-              <a:rPr lang="en-US" altLang="ko-KR" sz="1200" dirty="0">
-                <a:solidFill>
-                  <a:srgbClr val="A52A2A"/>
-                </a:solidFill>
-                <a:latin typeface="Consolas" panose="020B0609020204030204" pitchFamily="49" charset="0"/>
-              </a:rPr>
-              <a:t>/a</a:t>
-            </a:r>
-            <a:r>
-              <a:rPr lang="en-US" altLang="ko-KR" sz="1200" dirty="0">
-                <a:solidFill>
-                  <a:srgbClr val="0000CD"/>
-                </a:solidFill>
-                <a:latin typeface="Consolas" panose="020B0609020204030204" pitchFamily="49" charset="0"/>
-              </a:rPr>
-              <a:t>&gt;</a:t>
-            </a:r>
-            <a:r>
-              <a:rPr lang="en-US" altLang="ko-KR" sz="1200" dirty="0"/>
-              <a:t/>
-            </a:r>
-            <a:br>
-              <a:rPr lang="en-US" altLang="ko-KR" sz="1200" dirty="0"/>
-            </a:br>
-            <a:r>
-              <a:rPr lang="en-US" altLang="ko-KR" sz="1200" dirty="0">
-                <a:solidFill>
-                  <a:srgbClr val="000000"/>
-                </a:solidFill>
-                <a:latin typeface="Consolas" panose="020B0609020204030204" pitchFamily="49" charset="0"/>
-              </a:rPr>
-              <a:t>    </a:t>
-            </a:r>
-            <a:r>
-              <a:rPr lang="en-US" altLang="ko-KR" sz="1200" dirty="0">
-                <a:solidFill>
-                  <a:srgbClr val="0000CD"/>
-                </a:solidFill>
-                <a:latin typeface="Consolas" panose="020B0609020204030204" pitchFamily="49" charset="0"/>
-              </a:rPr>
-              <a:t>&lt;</a:t>
-            </a:r>
-            <a:r>
-              <a:rPr lang="en-US" altLang="ko-KR" sz="1200" dirty="0">
-                <a:solidFill>
-                  <a:srgbClr val="A52A2A"/>
-                </a:solidFill>
-                <a:latin typeface="Consolas" panose="020B0609020204030204" pitchFamily="49" charset="0"/>
-              </a:rPr>
-              <a:t>a</a:t>
-            </a:r>
-            <a:r>
-              <a:rPr lang="en-US" altLang="ko-KR" sz="1200" dirty="0">
-                <a:solidFill>
-                  <a:srgbClr val="FF0000"/>
-                </a:solidFill>
-                <a:latin typeface="Consolas" panose="020B0609020204030204" pitchFamily="49" charset="0"/>
-              </a:rPr>
-              <a:t> class</a:t>
-            </a:r>
-            <a:r>
-              <a:rPr lang="en-US" altLang="ko-KR" sz="1200" dirty="0">
-                <a:solidFill>
-                  <a:srgbClr val="0000CD"/>
-                </a:solidFill>
-                <a:latin typeface="Consolas" panose="020B0609020204030204" pitchFamily="49" charset="0"/>
-              </a:rPr>
-              <a:t>="dropdown-item"</a:t>
-            </a:r>
-            <a:r>
-              <a:rPr lang="en-US" altLang="ko-KR" sz="1200" dirty="0">
-                <a:solidFill>
-                  <a:srgbClr val="FF0000"/>
-                </a:solidFill>
-                <a:latin typeface="Consolas" panose="020B0609020204030204" pitchFamily="49" charset="0"/>
-              </a:rPr>
-              <a:t> </a:t>
-            </a:r>
-            <a:r>
-              <a:rPr lang="en-US" altLang="ko-KR" sz="1200" dirty="0" err="1">
-                <a:solidFill>
-                  <a:srgbClr val="FF0000"/>
-                </a:solidFill>
-                <a:latin typeface="Consolas" panose="020B0609020204030204" pitchFamily="49" charset="0"/>
-              </a:rPr>
-              <a:t>href</a:t>
-            </a:r>
-            <a:r>
-              <a:rPr lang="en-US" altLang="ko-KR" sz="1200" dirty="0">
-                <a:solidFill>
-                  <a:srgbClr val="0000CD"/>
-                </a:solidFill>
-                <a:latin typeface="Consolas" panose="020B0609020204030204" pitchFamily="49" charset="0"/>
-              </a:rPr>
-              <a:t>="#"&gt;</a:t>
-            </a:r>
-            <a:r>
-              <a:rPr lang="en-US" altLang="ko-KR" sz="1200" dirty="0">
-                <a:solidFill>
-                  <a:srgbClr val="000000"/>
-                </a:solidFill>
-                <a:latin typeface="Consolas" panose="020B0609020204030204" pitchFamily="49" charset="0"/>
-              </a:rPr>
-              <a:t>Link 3</a:t>
-            </a:r>
-            <a:r>
-              <a:rPr lang="en-US" altLang="ko-KR" sz="1200" dirty="0">
-                <a:solidFill>
-                  <a:srgbClr val="0000CD"/>
-                </a:solidFill>
-                <a:latin typeface="Consolas" panose="020B0609020204030204" pitchFamily="49" charset="0"/>
-              </a:rPr>
-              <a:t>&lt;</a:t>
-            </a:r>
-            <a:r>
-              <a:rPr lang="en-US" altLang="ko-KR" sz="1200" dirty="0">
-                <a:solidFill>
-                  <a:srgbClr val="A52A2A"/>
-                </a:solidFill>
-                <a:latin typeface="Consolas" panose="020B0609020204030204" pitchFamily="49" charset="0"/>
-              </a:rPr>
-              <a:t>/a</a:t>
-            </a:r>
-            <a:r>
-              <a:rPr lang="en-US" altLang="ko-KR" sz="1200" dirty="0">
-                <a:solidFill>
-                  <a:srgbClr val="0000CD"/>
-                </a:solidFill>
-                <a:latin typeface="Consolas" panose="020B0609020204030204" pitchFamily="49" charset="0"/>
-              </a:rPr>
-              <a:t>&gt;</a:t>
-            </a:r>
-            <a:r>
-              <a:rPr lang="en-US" altLang="ko-KR" sz="1200" dirty="0"/>
-              <a:t/>
-            </a:r>
-            <a:br>
-              <a:rPr lang="en-US" altLang="ko-KR" sz="1200" dirty="0"/>
-            </a:br>
-            <a:r>
-              <a:rPr lang="en-US" altLang="ko-KR" sz="1200" dirty="0">
-                <a:solidFill>
-                  <a:srgbClr val="000000"/>
-                </a:solidFill>
-                <a:latin typeface="Consolas" panose="020B0609020204030204" pitchFamily="49" charset="0"/>
-              </a:rPr>
-              <a:t>  </a:t>
-            </a:r>
-            <a:r>
-              <a:rPr lang="en-US" altLang="ko-KR" sz="1200" dirty="0">
-                <a:solidFill>
-                  <a:srgbClr val="0000CD"/>
-                </a:solidFill>
-                <a:latin typeface="Consolas" panose="020B0609020204030204" pitchFamily="49" charset="0"/>
-              </a:rPr>
-              <a:t>&lt;</a:t>
-            </a:r>
-            <a:r>
-              <a:rPr lang="en-US" altLang="ko-KR" sz="1200" dirty="0">
-                <a:solidFill>
-                  <a:srgbClr val="A52A2A"/>
-                </a:solidFill>
-                <a:latin typeface="Consolas" panose="020B0609020204030204" pitchFamily="49" charset="0"/>
-              </a:rPr>
-              <a:t>/div</a:t>
-            </a:r>
-            <a:r>
-              <a:rPr lang="en-US" altLang="ko-KR" sz="1200" dirty="0">
-                <a:solidFill>
-                  <a:srgbClr val="0000CD"/>
-                </a:solidFill>
-                <a:latin typeface="Consolas" panose="020B0609020204030204" pitchFamily="49" charset="0"/>
-              </a:rPr>
-              <a:t>&gt;</a:t>
-            </a:r>
-            <a:r>
-              <a:rPr lang="en-US" altLang="ko-KR" sz="1200" dirty="0"/>
-              <a:t/>
-            </a:r>
-            <a:br>
-              <a:rPr lang="en-US" altLang="ko-KR" sz="1200" dirty="0"/>
-            </a:br>
-            <a:r>
-              <a:rPr lang="en-US" altLang="ko-KR" sz="1200" dirty="0">
-                <a:solidFill>
-                  <a:srgbClr val="0000CD"/>
-                </a:solidFill>
-                <a:latin typeface="Consolas" panose="020B0609020204030204" pitchFamily="49" charset="0"/>
-              </a:rPr>
-              <a:t>&lt;</a:t>
-            </a:r>
-            <a:r>
-              <a:rPr lang="en-US" altLang="ko-KR" sz="1200" dirty="0">
-                <a:solidFill>
-                  <a:srgbClr val="A52A2A"/>
-                </a:solidFill>
-                <a:latin typeface="Consolas" panose="020B0609020204030204" pitchFamily="49" charset="0"/>
-              </a:rPr>
-              <a:t>/div</a:t>
-            </a:r>
-            <a:r>
-              <a:rPr lang="en-US" altLang="ko-KR" sz="1200" dirty="0">
-                <a:solidFill>
-                  <a:srgbClr val="0000CD"/>
-                </a:solidFill>
-                <a:latin typeface="Consolas" panose="020B0609020204030204" pitchFamily="49" charset="0"/>
-              </a:rPr>
-              <a:t>&gt;</a:t>
-            </a:r>
-            <a:endParaRPr lang="ko-KR" altLang="en-US" sz="1200" dirty="0"/>
-          </a:p>
-        </p:txBody>
-      </p:sp>
-      <p:graphicFrame>
-        <p:nvGraphicFramePr>
-          <p:cNvPr id="2" name="개체 1"/>
-          <p:cNvGraphicFramePr>
-            <a:graphicFrameLocks noChangeAspect="1"/>
-          </p:cNvGraphicFramePr>
-          <p:nvPr>
-            <p:extLst>
-              <p:ext uri="{D42A27DB-BD31-4B8C-83A1-F6EECF244321}">
-                <p14:modId xmlns:p14="http://schemas.microsoft.com/office/powerpoint/2010/main" val="2133567245"/>
-              </p:ext>
-            </p:extLst>
-          </p:nvPr>
-        </p:nvGraphicFramePr>
-        <p:xfrm>
-          <a:off x="224444" y="1175336"/>
-          <a:ext cx="2400300" cy="1930400"/>
-        </p:xfrm>
-        <a:graphic>
-          <a:graphicData uri="http://schemas.openxmlformats.org/presentationml/2006/ole">
-            <mc:AlternateContent xmlns:mc="http://schemas.openxmlformats.org/markup-compatibility/2006">
-              <mc:Choice xmlns:v="urn:schemas-microsoft-com:vml" Requires="v">
-                <p:oleObj spid="_x0000_s10265" name="Image" r:id="rId3" imgW="2399760" imgH="1929960" progId="Photoshop.Image.18">
-                  <p:embed/>
-                </p:oleObj>
-              </mc:Choice>
-              <mc:Fallback>
-                <p:oleObj name="Image" r:id="rId3" imgW="2399760" imgH="1929960" progId="Photoshop.Image.18">
-                  <p:embed/>
-                  <p:pic>
-                    <p:nvPicPr>
-                      <p:cNvPr id="0" name=""/>
-                      <p:cNvPicPr/>
-                      <p:nvPr/>
-                    </p:nvPicPr>
-                    <p:blipFill>
-                      <a:blip r:embed="rId4"/>
-                      <a:stretch>
-                        <a:fillRect/>
-                      </a:stretch>
-                    </p:blipFill>
-                    <p:spPr>
-                      <a:xfrm>
-                        <a:off x="224444" y="1175336"/>
-                        <a:ext cx="2400300" cy="1930400"/>
-                      </a:xfrm>
-                      <a:prstGeom prst="rect">
-                        <a:avLst/>
-                      </a:prstGeom>
-                    </p:spPr>
-                  </p:pic>
-                </p:oleObj>
-              </mc:Fallback>
-            </mc:AlternateContent>
-          </a:graphicData>
-        </a:graphic>
-      </p:graphicFrame>
-      <p:sp>
-        <p:nvSpPr>
-          <p:cNvPr id="19" name="TextBox 18"/>
-          <p:cNvSpPr txBox="1"/>
-          <p:nvPr/>
-        </p:nvSpPr>
-        <p:spPr>
-          <a:xfrm>
-            <a:off x="224444" y="3432139"/>
-            <a:ext cx="11119104" cy="646331"/>
-          </a:xfrm>
-          <a:prstGeom prst="rect">
-            <a:avLst/>
-          </a:prstGeom>
-          <a:noFill/>
-        </p:spPr>
-        <p:txBody>
-          <a:bodyPr wrap="square" rtlCol="0">
-            <a:spAutoFit/>
-          </a:bodyPr>
-          <a:lstStyle/>
-          <a:p>
-            <a:r>
-              <a:rPr lang="en-US" altLang="ko-KR" sz="1200" dirty="0" smtClean="0"/>
-              <a:t>Select box </a:t>
-            </a:r>
-            <a:r>
-              <a:rPr lang="ko-KR" altLang="en-US" sz="1200" dirty="0" err="1" smtClean="0"/>
-              <a:t>와같이</a:t>
-            </a:r>
-            <a:r>
-              <a:rPr lang="ko-KR" altLang="en-US" sz="1200" dirty="0" smtClean="0"/>
-              <a:t> 상하 </a:t>
-            </a:r>
-            <a:r>
-              <a:rPr lang="ko-KR" altLang="en-US" sz="1200" dirty="0" err="1" smtClean="0"/>
-              <a:t>드롭다운</a:t>
-            </a:r>
-            <a:r>
-              <a:rPr lang="ko-KR" altLang="en-US" sz="1200" dirty="0" smtClean="0"/>
-              <a:t> 되는 메뉴입니다</a:t>
-            </a:r>
-            <a:r>
-              <a:rPr lang="en-US" altLang="ko-KR" sz="1200" dirty="0" smtClean="0"/>
-              <a:t>.</a:t>
-            </a:r>
-          </a:p>
-          <a:p>
-            <a:endParaRPr lang="en-US" altLang="ko-KR" sz="1200" dirty="0"/>
-          </a:p>
-          <a:p>
-            <a:r>
-              <a:rPr lang="ko-KR" altLang="en-US" sz="1200" dirty="0" smtClean="0"/>
-              <a:t>모바일 화면에서</a:t>
-            </a:r>
-            <a:r>
-              <a:rPr lang="en-US" altLang="ko-KR" sz="1200" dirty="0" smtClean="0"/>
-              <a:t> </a:t>
-            </a:r>
-            <a:r>
-              <a:rPr lang="ko-KR" altLang="en-US" sz="1200" dirty="0" smtClean="0"/>
-              <a:t>언어선택 드롭박스등에 응용</a:t>
-            </a:r>
-            <a:endParaRPr lang="en-US" altLang="ko-KR" sz="1200" dirty="0" smtClean="0"/>
-          </a:p>
-        </p:txBody>
-      </p:sp>
-    </p:spTree>
-    <p:extLst>
-      <p:ext uri="{BB962C8B-B14F-4D97-AF65-F5344CB8AC3E}">
-        <p14:creationId xmlns:p14="http://schemas.microsoft.com/office/powerpoint/2010/main" val="1303423073"/>
       </p:ext>
     </p:extLst>
   </p:cSld>

--- a/web/자료/guide-2.pptx
+++ b/web/자료/guide-2.pptx
@@ -3931,7 +3931,7 @@
           <a:graphicData uri="http://schemas.openxmlformats.org/presentationml/2006/ole">
             <mc:AlternateContent xmlns:mc="http://schemas.openxmlformats.org/markup-compatibility/2006">
               <mc:Choice xmlns:v="urn:schemas-microsoft-com:vml" Requires="v">
-                <p:oleObj spid="_x0000_s10269" name="Image" r:id="rId3" imgW="2399760" imgH="1929960" progId="Photoshop.Image.18">
+                <p:oleObj spid="_x0000_s10270" name="Image" r:id="rId3" imgW="2399760" imgH="1929960" progId="Photoshop.Image.18">
                   <p:embed/>
                 </p:oleObj>
               </mc:Choice>
@@ -7091,7 +7091,7 @@
           <a:graphicData uri="http://schemas.openxmlformats.org/presentationml/2006/ole">
             <mc:AlternateContent xmlns:mc="http://schemas.openxmlformats.org/markup-compatibility/2006">
               <mc:Choice xmlns:v="urn:schemas-microsoft-com:vml" Requires="v">
-                <p:oleObj spid="_x0000_s2134" name="Image" r:id="rId3" imgW="10209240" imgH="622080" progId="Photoshop.Image.18">
+                <p:oleObj spid="_x0000_s2136" name="Image" r:id="rId3" imgW="10209240" imgH="622080" progId="Photoshop.Image.18">
                   <p:embed/>
                 </p:oleObj>
               </mc:Choice>
@@ -7148,7 +7148,7 @@
           <a:graphicData uri="http://schemas.openxmlformats.org/presentationml/2006/ole">
             <mc:AlternateContent xmlns:mc="http://schemas.openxmlformats.org/markup-compatibility/2006">
               <mc:Choice xmlns:v="urn:schemas-microsoft-com:vml" Requires="v">
-                <p:oleObj spid="_x0000_s2135" name="Image" r:id="rId5" imgW="2044440" imgH="533160" progId="Photoshop.Image.18">
+                <p:oleObj spid="_x0000_s2137" name="Image" r:id="rId5" imgW="2044440" imgH="533160" progId="Photoshop.Image.18">
                   <p:embed/>
                 </p:oleObj>
               </mc:Choice>
@@ -7556,7 +7556,7 @@
           <a:graphicData uri="http://schemas.openxmlformats.org/presentationml/2006/ole">
             <mc:AlternateContent xmlns:mc="http://schemas.openxmlformats.org/markup-compatibility/2006">
               <mc:Choice xmlns:v="urn:schemas-microsoft-com:vml" Requires="v">
-                <p:oleObj spid="_x0000_s8227" name="Image" r:id="rId3" imgW="7860240" imgH="1828440" progId="Photoshop.Image.18">
+                <p:oleObj spid="_x0000_s8228" name="Image" r:id="rId3" imgW="7860240" imgH="1828440" progId="Photoshop.Image.18">
                   <p:embed/>
                 </p:oleObj>
               </mc:Choice>
@@ -7986,7 +7986,7 @@
           <a:graphicData uri="http://schemas.openxmlformats.org/presentationml/2006/ole">
             <mc:AlternateContent xmlns:mc="http://schemas.openxmlformats.org/markup-compatibility/2006">
               <mc:Choice xmlns:v="urn:schemas-microsoft-com:vml" Requires="v">
-                <p:oleObj spid="_x0000_s3127" name="Image" r:id="rId3" imgW="3428280" imgH="1764720" progId="Photoshop.Image.18">
+                <p:oleObj spid="_x0000_s3128" name="Image" r:id="rId3" imgW="3428280" imgH="1764720" progId="Photoshop.Image.18">
                   <p:embed/>
                 </p:oleObj>
               </mc:Choice>
@@ -9077,7 +9077,7 @@
           <a:graphicData uri="http://schemas.openxmlformats.org/presentationml/2006/ole">
             <mc:AlternateContent xmlns:mc="http://schemas.openxmlformats.org/markup-compatibility/2006">
               <mc:Choice xmlns:v="urn:schemas-microsoft-com:vml" Requires="v">
-                <p:oleObj spid="_x0000_s5174" name="Image" r:id="rId3" imgW="3682440" imgH="1764720" progId="Photoshop.Image.18">
+                <p:oleObj spid="_x0000_s5175" name="Image" r:id="rId3" imgW="3682440" imgH="1764720" progId="Photoshop.Image.18">
                   <p:embed/>
                 </p:oleObj>
               </mc:Choice>
@@ -11392,7 +11392,7 @@
           <a:graphicData uri="http://schemas.openxmlformats.org/presentationml/2006/ole">
             <mc:AlternateContent xmlns:mc="http://schemas.openxmlformats.org/markup-compatibility/2006">
               <mc:Choice xmlns:v="urn:schemas-microsoft-com:vml" Requires="v">
-                <p:oleObj spid="_x0000_s1102" name="Image" r:id="rId3" imgW="17879040" imgH="977760" progId="Photoshop.Image.18">
+                <p:oleObj spid="_x0000_s1103" name="Image" r:id="rId3" imgW="17879040" imgH="977760" progId="Photoshop.Image.18">
                   <p:embed/>
                 </p:oleObj>
               </mc:Choice>
@@ -14534,7 +14534,7 @@
           <a:graphicData uri="http://schemas.openxmlformats.org/presentationml/2006/ole">
             <mc:AlternateContent xmlns:mc="http://schemas.openxmlformats.org/markup-compatibility/2006">
               <mc:Choice xmlns:v="urn:schemas-microsoft-com:vml" Requires="v">
-                <p:oleObj spid="_x0000_s18449" name="Image" r:id="rId3" imgW="7187040" imgH="1523520" progId="Photoshop.Image.18">
+                <p:oleObj spid="_x0000_s18450" name="Image" r:id="rId3" imgW="7187040" imgH="1523520" progId="Photoshop.Image.18">
                   <p:embed/>
                 </p:oleObj>
               </mc:Choice>
@@ -16850,7 +16850,7 @@
           <a:graphicData uri="http://schemas.openxmlformats.org/presentationml/2006/ole">
             <mc:AlternateContent xmlns:mc="http://schemas.openxmlformats.org/markup-compatibility/2006">
               <mc:Choice xmlns:v="urn:schemas-microsoft-com:vml" Requires="v">
-                <p:oleObj spid="_x0000_s19465" name="Image" r:id="rId3" imgW="15250680" imgH="3898080" progId="Photoshop.Image.18">
+                <p:oleObj spid="_x0000_s19466" name="Image" r:id="rId3" imgW="15250680" imgH="3898080" progId="Photoshop.Image.18">
                   <p:embed/>
                 </p:oleObj>
               </mc:Choice>
@@ -17192,11 +17192,6 @@
               </a:rPr>
               <a:t>File : main.css</a:t>
             </a:r>
-            <a:endParaRPr lang="en-US" altLang="ko-KR" sz="1200" dirty="0" smtClean="0">
-              <a:solidFill>
-                <a:schemeClr val="tx1"/>
-              </a:solidFill>
-            </a:endParaRPr>
           </a:p>
           <a:p>
             <a:r>
@@ -18060,7 +18055,7 @@
           <a:graphicData uri="http://schemas.openxmlformats.org/presentationml/2006/ole">
             <mc:AlternateContent xmlns:mc="http://schemas.openxmlformats.org/markup-compatibility/2006">
               <mc:Choice xmlns:v="urn:schemas-microsoft-com:vml" Requires="v">
-                <p:oleObj spid="_x0000_s6191" name="Image" r:id="rId3" imgW="2717280" imgH="545760" progId="Photoshop.Image.18">
+                <p:oleObj spid="_x0000_s6192" name="Image" r:id="rId3" imgW="2717280" imgH="545760" progId="Photoshop.Image.18">
                   <p:embed/>
                 </p:oleObj>
               </mc:Choice>
